--- a/1400_05_Loops and Files.pptx
+++ b/1400_05_Loops and Files.pptx
@@ -5,7 +5,7 @@
     <p:sldMasterId id="2147483876" r:id="rId1"/>
   </p:sldMasterIdLst>
   <p:handoutMasterIdLst>
-    <p:handoutMasterId r:id="rId67"/>
+    <p:handoutMasterId r:id="rId63"/>
   </p:handoutMasterIdLst>
   <p:sldIdLst>
     <p:sldId id="347" r:id="rId2"/>
@@ -48,31 +48,27 @@
     <p:sldId id="314" r:id="rId39"/>
     <p:sldId id="317" r:id="rId40"/>
     <p:sldId id="318" r:id="rId41"/>
-    <p:sldId id="319" r:id="rId42"/>
-    <p:sldId id="320" r:id="rId43"/>
-    <p:sldId id="321" r:id="rId44"/>
-    <p:sldId id="322" r:id="rId45"/>
-    <p:sldId id="323" r:id="rId46"/>
-    <p:sldId id="324" r:id="rId47"/>
-    <p:sldId id="325" r:id="rId48"/>
-    <p:sldId id="326" r:id="rId49"/>
-    <p:sldId id="327" r:id="rId50"/>
-    <p:sldId id="328" r:id="rId51"/>
-    <p:sldId id="329" r:id="rId52"/>
-    <p:sldId id="330" r:id="rId53"/>
-    <p:sldId id="331" r:id="rId54"/>
-    <p:sldId id="332" r:id="rId55"/>
-    <p:sldId id="333" r:id="rId56"/>
-    <p:sldId id="334" r:id="rId57"/>
-    <p:sldId id="342" r:id="rId58"/>
-    <p:sldId id="343" r:id="rId59"/>
-    <p:sldId id="344" r:id="rId60"/>
-    <p:sldId id="346" r:id="rId61"/>
-    <p:sldId id="335" r:id="rId62"/>
-    <p:sldId id="336" r:id="rId63"/>
-    <p:sldId id="339" r:id="rId64"/>
-    <p:sldId id="340" r:id="rId65"/>
-    <p:sldId id="341" r:id="rId66"/>
+    <p:sldId id="321" r:id="rId42"/>
+    <p:sldId id="322" r:id="rId43"/>
+    <p:sldId id="323" r:id="rId44"/>
+    <p:sldId id="324" r:id="rId45"/>
+    <p:sldId id="325" r:id="rId46"/>
+    <p:sldId id="326" r:id="rId47"/>
+    <p:sldId id="339" r:id="rId48"/>
+    <p:sldId id="340" r:id="rId49"/>
+    <p:sldId id="341" r:id="rId50"/>
+    <p:sldId id="327" r:id="rId51"/>
+    <p:sldId id="328" r:id="rId52"/>
+    <p:sldId id="348" r:id="rId53"/>
+    <p:sldId id="329" r:id="rId54"/>
+    <p:sldId id="330" r:id="rId55"/>
+    <p:sldId id="331" r:id="rId56"/>
+    <p:sldId id="332" r:id="rId57"/>
+    <p:sldId id="333" r:id="rId58"/>
+    <p:sldId id="334" r:id="rId59"/>
+    <p:sldId id="342" r:id="rId60"/>
+    <p:sldId id="335" r:id="rId61"/>
+    <p:sldId id="336" r:id="rId62"/>
   </p:sldIdLst>
   <p:sldSz cx="9144000" cy="6858000" type="screen4x3"/>
   <p:notesSz cx="6858000" cy="9144000"/>
@@ -316,7 +312,7 @@
               <a:pPr>
                 <a:defRPr/>
               </a:pPr>
-              <a:t>10/14/2022</a:t>
+              <a:t>10/17/2022</a:t>
             </a:fld>
             <a:endParaRPr lang="en-US"/>
           </a:p>
@@ -612,7 +608,7 @@
           <a:p>
             <a:fld id="{96DFF08F-DC6B-4601-B491-B0F83F6DD2DA}" type="datetimeFigureOut">
               <a:rPr lang="en-US" smtClean="0"/>
-              <a:t>10/14/2022</a:t>
+              <a:t>10/17/2022</a:t>
             </a:fld>
             <a:endParaRPr lang="en-US" dirty="0"/>
           </a:p>
@@ -864,7 +860,7 @@
           <a:p>
             <a:fld id="{96DFF08F-DC6B-4601-B491-B0F83F6DD2DA}" type="datetimeFigureOut">
               <a:rPr lang="en-US" smtClean="0"/>
-              <a:t>10/14/2022</a:t>
+              <a:t>10/17/2022</a:t>
             </a:fld>
             <a:endParaRPr lang="en-US" dirty="0"/>
           </a:p>
@@ -1128,7 +1124,7 @@
           <a:p>
             <a:fld id="{96DFF08F-DC6B-4601-B491-B0F83F6DD2DA}" type="datetimeFigureOut">
               <a:rPr lang="en-US" smtClean="0"/>
-              <a:t>10/14/2022</a:t>
+              <a:t>10/17/2022</a:t>
             </a:fld>
             <a:endParaRPr lang="en-US" dirty="0"/>
           </a:p>
@@ -1304,7 +1300,7 @@
           <a:p>
             <a:fld id="{A3E28D29-1ECB-41DF-951B-2A23F95AD026}" type="datetimeFigureOut">
               <a:rPr lang="en-US" smtClean="0"/>
-              <a:t>10/14/2022</a:t>
+              <a:t>10/17/2022</a:t>
             </a:fld>
             <a:endParaRPr lang="en-US" dirty="0"/>
           </a:p>
@@ -1609,7 +1605,7 @@
           <a:p>
             <a:fld id="{96DFF08F-DC6B-4601-B491-B0F83F6DD2DA}" type="datetimeFigureOut">
               <a:rPr lang="en-US" smtClean="0"/>
-              <a:t>10/14/2022</a:t>
+              <a:t>10/17/2022</a:t>
             </a:fld>
             <a:endParaRPr lang="en-US" dirty="0"/>
           </a:p>
@@ -1928,7 +1924,7 @@
           <a:p>
             <a:fld id="{96DFF08F-DC6B-4601-B491-B0F83F6DD2DA}" type="datetimeFigureOut">
               <a:rPr lang="en-US" smtClean="0"/>
-              <a:t>10/14/2022</a:t>
+              <a:t>10/17/2022</a:t>
             </a:fld>
             <a:endParaRPr lang="en-US" dirty="0"/>
           </a:p>
@@ -2313,7 +2309,7 @@
           <a:p>
             <a:fld id="{96DFF08F-DC6B-4601-B491-B0F83F6DD2DA}" type="datetimeFigureOut">
               <a:rPr lang="en-US" smtClean="0"/>
-              <a:t>10/14/2022</a:t>
+              <a:t>10/17/2022</a:t>
             </a:fld>
             <a:endParaRPr lang="en-US" dirty="0"/>
           </a:p>
@@ -2437,7 +2433,7 @@
           <a:p>
             <a:fld id="{96DFF08F-DC6B-4601-B491-B0F83F6DD2DA}" type="datetimeFigureOut">
               <a:rPr lang="en-US" smtClean="0"/>
-              <a:t>10/14/2022</a:t>
+              <a:t>10/17/2022</a:t>
             </a:fld>
             <a:endParaRPr lang="en-US" dirty="0"/>
           </a:p>
@@ -2617,7 +2613,7 @@
             <a:fld id="{96DFF08F-DC6B-4601-B491-B0F83F6DD2DA}" type="datetimeFigureOut">
               <a:rPr lang="en-US" smtClean="0"/>
               <a:pPr/>
-              <a:t>10/14/2022</a:t>
+              <a:t>10/17/2022</a:t>
             </a:fld>
             <a:endParaRPr lang="en-US" dirty="0"/>
           </a:p>
@@ -2980,7 +2976,7 @@
             <a:fld id="{96DFF08F-DC6B-4601-B491-B0F83F6DD2DA}" type="datetimeFigureOut">
               <a:rPr lang="en-US" smtClean="0"/>
               <a:pPr/>
-              <a:t>10/14/2022</a:t>
+              <a:t>10/17/2022</a:t>
             </a:fld>
             <a:endParaRPr lang="en-US" dirty="0"/>
           </a:p>
@@ -3365,7 +3361,7 @@
           <a:p>
             <a:fld id="{96DFF08F-DC6B-4601-B491-B0F83F6DD2DA}" type="datetimeFigureOut">
               <a:rPr lang="en-US" smtClean="0"/>
-              <a:t>10/14/2022</a:t>
+              <a:t>10/17/2022</a:t>
             </a:fld>
             <a:endParaRPr lang="en-US" dirty="0"/>
           </a:p>
@@ -3661,7 +3657,7 @@
             <a:fld id="{96DFF08F-DC6B-4601-B491-B0F83F6DD2DA}" type="datetimeFigureOut">
               <a:rPr lang="en-US" smtClean="0"/>
               <a:pPr/>
-              <a:t>10/14/2022</a:t>
+              <a:t>10/17/2022</a:t>
             </a:fld>
             <a:endParaRPr lang="en-US" dirty="0"/>
           </a:p>
@@ -12121,6 +12117,56 @@
           </a:p>
         </p:txBody>
       </p:sp>
+      <p:sp>
+        <p:nvSpPr>
+          <p:cNvPr id="2" name="Rectangle: Diagonal Corners Snipped 1">
+            <a:extLst>
+              <a:ext uri="{FF2B5EF4-FFF2-40B4-BE49-F238E27FC236}">
+                <a16:creationId xmlns:a16="http://schemas.microsoft.com/office/drawing/2014/main" id="{ABA972BA-273D-BADB-64B4-13B7CE28E70D}"/>
+              </a:ext>
+            </a:extLst>
+          </p:cNvPr>
+          <p:cNvSpPr/>
+          <p:nvPr/>
+        </p:nvSpPr>
+        <p:spPr>
+          <a:xfrm>
+            <a:off x="7315200" y="5869094"/>
+            <a:ext cx="1600200" cy="304800"/>
+          </a:xfrm>
+          <a:prstGeom prst="snip2DiagRect">
+            <a:avLst>
+              <a:gd name="adj1" fmla="val 0"/>
+              <a:gd name="adj2" fmla="val 50000"/>
+            </a:avLst>
+          </a:prstGeom>
+        </p:spPr>
+        <p:style>
+          <a:lnRef idx="1">
+            <a:schemeClr val="accent1"/>
+          </a:lnRef>
+          <a:fillRef idx="2">
+            <a:schemeClr val="accent1"/>
+          </a:fillRef>
+          <a:effectRef idx="1">
+            <a:schemeClr val="accent1"/>
+          </a:effectRef>
+          <a:fontRef idx="minor">
+            <a:schemeClr val="dk1"/>
+          </a:fontRef>
+        </p:style>
+        <p:txBody>
+          <a:bodyPr rtlCol="0" anchor="ctr"/>
+          <a:lstStyle/>
+          <a:p>
+            <a:pPr algn="ctr"/>
+            <a:r>
+              <a:rPr lang="en-US" sz="1000" dirty="0"/>
+              <a:t>Pr5-13.cpp</a:t>
+            </a:r>
+          </a:p>
+        </p:txBody>
+      </p:sp>
     </p:spTree>
   </p:cSld>
   <p:clrMapOvr>
@@ -12148,10 +12194,10 @@
       </p:grpSpPr>
       <p:sp>
         <p:nvSpPr>
-          <p:cNvPr id="63490" name="Title 1">
+          <p:cNvPr id="65538" name="Title 1">
             <a:extLst>
               <a:ext uri="{FF2B5EF4-FFF2-40B4-BE49-F238E27FC236}">
-                <a16:creationId xmlns:a16="http://schemas.microsoft.com/office/drawing/2014/main" id="{0EDC5CFD-64DF-E621-24D2-B20D96DDA3B4}"/>
+                <a16:creationId xmlns:a16="http://schemas.microsoft.com/office/drawing/2014/main" id="{D6E4B80D-549A-047E-DA4B-8318405746B1}"/>
               </a:ext>
             </a:extLst>
           </p:cNvPr>
@@ -12159,7 +12205,7 @@
             <a:spLocks noGrp="1" noChangeArrowheads="1"/>
           </p:cNvSpPr>
           <p:nvPr>
-            <p:ph type="title"/>
+            <p:ph type="ctrTitle"/>
           </p:nvPr>
         </p:nvSpPr>
         <p:spPr/>
@@ -12169,267 +12215,39 @@
           <a:p>
             <a:r>
               <a:rPr lang="en-US" altLang="en-US"/>
-              <a:t>A Sentinel in Program 5-13</a:t>
-            </a:r>
-          </a:p>
-        </p:txBody>
-      </p:sp>
-      <p:sp>
-        <p:nvSpPr>
-          <p:cNvPr id="63491" name="TextBox 4">
+              <a:t>5.9</a:t>
+            </a:r>
+          </a:p>
+        </p:txBody>
+      </p:sp>
+      <p:sp>
+        <p:nvSpPr>
+          <p:cNvPr id="65539" name="Subtitle 2">
             <a:extLst>
               <a:ext uri="{FF2B5EF4-FFF2-40B4-BE49-F238E27FC236}">
-                <a16:creationId xmlns:a16="http://schemas.microsoft.com/office/drawing/2014/main" id="{27A5C88A-B12D-886E-5EEB-FF995BAB06A1}"/>
+                <a16:creationId xmlns:a16="http://schemas.microsoft.com/office/drawing/2014/main" id="{44516624-8F06-B62B-FAED-4B77599E5466}"/>
               </a:ext>
             </a:extLst>
           </p:cNvPr>
-          <p:cNvSpPr txBox="1">
-            <a:spLocks noChangeArrowheads="1"/>
-          </p:cNvSpPr>
-          <p:nvPr/>
-        </p:nvSpPr>
-        <p:spPr bwMode="auto">
-          <a:xfrm>
-            <a:off x="7162800" y="6019800"/>
-            <a:ext cx="1466850" cy="369888"/>
-          </a:xfrm>
-          <a:prstGeom prst="rect">
-            <a:avLst/>
-          </a:prstGeom>
-          <a:noFill/>
-          <a:ln>
-            <a:noFill/>
-          </a:ln>
-          <a:extLst>
-            <a:ext uri="{909E8E84-426E-40DD-AFC4-6F175D3DCCD1}">
-              <a14:hiddenFill xmlns:a14="http://schemas.microsoft.com/office/drawing/2010/main">
-                <a:solidFill>
-                  <a:srgbClr val="FFFFFF"/>
-                </a:solidFill>
-              </a14:hiddenFill>
-            </a:ext>
-            <a:ext uri="{91240B29-F687-4F45-9708-019B960494DF}">
-              <a14:hiddenLine xmlns:a14="http://schemas.microsoft.com/office/drawing/2010/main" w="9525">
-                <a:solidFill>
-                  <a:srgbClr val="000000"/>
-                </a:solidFill>
-                <a:miter lim="800000"/>
-                <a:headEnd/>
-                <a:tailEnd/>
-              </a14:hiddenLine>
-            </a:ext>
-          </a:extLst>
-        </p:spPr>
-        <p:txBody>
-          <a:bodyPr wrap="none">
-            <a:spAutoFit/>
-          </a:bodyPr>
-          <a:lstStyle>
-            <a:lvl1pPr>
-              <a:spcBef>
-                <a:spcPct val="20000"/>
-              </a:spcBef>
-              <a:buChar char="•"/>
-              <a:defRPr sz="3200">
-                <a:solidFill>
-                  <a:schemeClr val="tx1"/>
-                </a:solidFill>
-                <a:latin typeface="Arial" panose="020B0604020202020204" pitchFamily="34" charset="0"/>
-                <a:cs typeface="Arial" panose="020B0604020202020204" pitchFamily="34" charset="0"/>
-              </a:defRPr>
-            </a:lvl1pPr>
-            <a:lvl2pPr marL="742950" indent="-285750">
-              <a:spcBef>
-                <a:spcPct val="20000"/>
-              </a:spcBef>
-              <a:buChar char="–"/>
-              <a:defRPr sz="2800">
-                <a:solidFill>
-                  <a:schemeClr val="tx1"/>
-                </a:solidFill>
-                <a:latin typeface="Arial" panose="020B0604020202020204" pitchFamily="34" charset="0"/>
-                <a:cs typeface="Arial" panose="020B0604020202020204" pitchFamily="34" charset="0"/>
-              </a:defRPr>
-            </a:lvl2pPr>
-            <a:lvl3pPr marL="1143000" indent="-228600">
-              <a:spcBef>
-                <a:spcPct val="20000"/>
-              </a:spcBef>
-              <a:buChar char="•"/>
-              <a:defRPr sz="2400">
-                <a:solidFill>
-                  <a:schemeClr val="tx1"/>
-                </a:solidFill>
-                <a:latin typeface="Arial" panose="020B0604020202020204" pitchFamily="34" charset="0"/>
-                <a:cs typeface="Arial" panose="020B0604020202020204" pitchFamily="34" charset="0"/>
-              </a:defRPr>
-            </a:lvl3pPr>
-            <a:lvl4pPr marL="1600200" indent="-228600">
-              <a:spcBef>
-                <a:spcPct val="20000"/>
-              </a:spcBef>
-              <a:buChar char="–"/>
-              <a:defRPr sz="2000">
-                <a:solidFill>
-                  <a:schemeClr val="tx1"/>
-                </a:solidFill>
-                <a:latin typeface="Arial" panose="020B0604020202020204" pitchFamily="34" charset="0"/>
-                <a:cs typeface="Arial" panose="020B0604020202020204" pitchFamily="34" charset="0"/>
-              </a:defRPr>
-            </a:lvl4pPr>
-            <a:lvl5pPr marL="2057400" indent="-228600">
-              <a:spcBef>
-                <a:spcPct val="20000"/>
-              </a:spcBef>
-              <a:buChar char="»"/>
-              <a:defRPr sz="2000">
-                <a:solidFill>
-                  <a:schemeClr val="tx1"/>
-                </a:solidFill>
-                <a:latin typeface="Arial" panose="020B0604020202020204" pitchFamily="34" charset="0"/>
-                <a:cs typeface="Arial" panose="020B0604020202020204" pitchFamily="34" charset="0"/>
-              </a:defRPr>
-            </a:lvl5pPr>
-            <a:lvl6pPr marL="2514600" indent="-228600" eaLnBrk="0" fontAlgn="base" hangingPunct="0">
-              <a:spcBef>
-                <a:spcPct val="20000"/>
-              </a:spcBef>
-              <a:spcAft>
-                <a:spcPct val="0"/>
-              </a:spcAft>
-              <a:buChar char="»"/>
-              <a:defRPr sz="2000">
-                <a:solidFill>
-                  <a:schemeClr val="tx1"/>
-                </a:solidFill>
-                <a:latin typeface="Arial" panose="020B0604020202020204" pitchFamily="34" charset="0"/>
-                <a:cs typeface="Arial" panose="020B0604020202020204" pitchFamily="34" charset="0"/>
-              </a:defRPr>
-            </a:lvl6pPr>
-            <a:lvl7pPr marL="2971800" indent="-228600" eaLnBrk="0" fontAlgn="base" hangingPunct="0">
-              <a:spcBef>
-                <a:spcPct val="20000"/>
-              </a:spcBef>
-              <a:spcAft>
-                <a:spcPct val="0"/>
-              </a:spcAft>
-              <a:buChar char="»"/>
-              <a:defRPr sz="2000">
-                <a:solidFill>
-                  <a:schemeClr val="tx1"/>
-                </a:solidFill>
-                <a:latin typeface="Arial" panose="020B0604020202020204" pitchFamily="34" charset="0"/>
-                <a:cs typeface="Arial" panose="020B0604020202020204" pitchFamily="34" charset="0"/>
-              </a:defRPr>
-            </a:lvl7pPr>
-            <a:lvl8pPr marL="3429000" indent="-228600" eaLnBrk="0" fontAlgn="base" hangingPunct="0">
-              <a:spcBef>
-                <a:spcPct val="20000"/>
-              </a:spcBef>
-              <a:spcAft>
-                <a:spcPct val="0"/>
-              </a:spcAft>
-              <a:buChar char="»"/>
-              <a:defRPr sz="2000">
-                <a:solidFill>
-                  <a:schemeClr val="tx1"/>
-                </a:solidFill>
-                <a:latin typeface="Arial" panose="020B0604020202020204" pitchFamily="34" charset="0"/>
-                <a:cs typeface="Arial" panose="020B0604020202020204" pitchFamily="34" charset="0"/>
-              </a:defRPr>
-            </a:lvl8pPr>
-            <a:lvl9pPr marL="3886200" indent="-228600" eaLnBrk="0" fontAlgn="base" hangingPunct="0">
-              <a:spcBef>
-                <a:spcPct val="20000"/>
-              </a:spcBef>
-              <a:spcAft>
-                <a:spcPct val="0"/>
-              </a:spcAft>
-              <a:buChar char="»"/>
-              <a:defRPr sz="2000">
-                <a:solidFill>
-                  <a:schemeClr val="tx1"/>
-                </a:solidFill>
-                <a:latin typeface="Arial" panose="020B0604020202020204" pitchFamily="34" charset="0"/>
-                <a:cs typeface="Arial" panose="020B0604020202020204" pitchFamily="34" charset="0"/>
-              </a:defRPr>
-            </a:lvl9pPr>
-          </a:lstStyle>
-          <a:p>
-            <a:pPr eaLnBrk="1" hangingPunct="1">
-              <a:spcBef>
-                <a:spcPct val="0"/>
-              </a:spcBef>
-              <a:buFontTx/>
-              <a:buNone/>
-            </a:pPr>
-            <a:r>
-              <a:rPr lang="en-US" altLang="en-US" sz="1800"/>
-              <a:t>Continued…</a:t>
-            </a:r>
-          </a:p>
-        </p:txBody>
-      </p:sp>
-      <p:pic>
-        <p:nvPicPr>
-          <p:cNvPr id="63492" name="Picture 1">
-            <a:extLst>
-              <a:ext uri="{FF2B5EF4-FFF2-40B4-BE49-F238E27FC236}">
-                <a16:creationId xmlns:a16="http://schemas.microsoft.com/office/drawing/2014/main" id="{AF2DA686-2EFE-79C2-47FF-29985DCF2B00}"/>
-              </a:ext>
-            </a:extLst>
-          </p:cNvPr>
-          <p:cNvPicPr>
-            <a:picLocks noChangeAspect="1" noChangeArrowheads="1"/>
-          </p:cNvPicPr>
-          <p:nvPr/>
-        </p:nvPicPr>
-        <p:blipFill>
-          <a:blip r:embed="rId2">
-            <a:extLst>
-              <a:ext uri="{28A0092B-C50C-407E-A947-70E740481C1C}">
-                <a14:useLocalDpi xmlns:a14="http://schemas.microsoft.com/office/drawing/2010/main" val="0"/>
-              </a:ext>
-            </a:extLst>
-          </a:blip>
-          <a:srcRect/>
-          <a:stretch>
-            <a:fillRect/>
-          </a:stretch>
-        </p:blipFill>
-        <p:spPr bwMode="auto">
-          <a:xfrm>
-            <a:off x="914400" y="1219200"/>
-            <a:ext cx="6354763" cy="5029200"/>
-          </a:xfrm>
-          <a:prstGeom prst="rect">
-            <a:avLst/>
-          </a:prstGeom>
-          <a:noFill/>
-          <a:ln>
-            <a:noFill/>
-          </a:ln>
-          <a:extLst>
-            <a:ext uri="{909E8E84-426E-40DD-AFC4-6F175D3DCCD1}">
-              <a14:hiddenFill xmlns:a14="http://schemas.microsoft.com/office/drawing/2010/main">
-                <a:solidFill>
-                  <a:srgbClr val="FFFFFF"/>
-                </a:solidFill>
-              </a14:hiddenFill>
-            </a:ext>
-            <a:ext uri="{91240B29-F687-4F45-9708-019B960494DF}">
-              <a14:hiddenLine xmlns:a14="http://schemas.microsoft.com/office/drawing/2010/main" w="9525">
-                <a:solidFill>
-                  <a:srgbClr val="000000"/>
-                </a:solidFill>
-                <a:miter lim="800000"/>
-                <a:headEnd/>
-                <a:tailEnd/>
-              </a14:hiddenLine>
-            </a:ext>
-          </a:extLst>
-        </p:spPr>
-      </p:pic>
+          <p:cNvSpPr>
+            <a:spLocks noGrp="1" noChangeArrowheads="1"/>
+          </p:cNvSpPr>
+          <p:nvPr>
+            <p:ph type="subTitle" idx="1"/>
+          </p:nvPr>
+        </p:nvSpPr>
+        <p:spPr/>
+        <p:txBody>
+          <a:bodyPr/>
+          <a:lstStyle/>
+          <a:p>
+            <a:r>
+              <a:rPr lang="en-US" altLang="en-US"/>
+              <a:t>Deciding Which Loop to Use</a:t>
+            </a:r>
+          </a:p>
+        </p:txBody>
+      </p:sp>
     </p:spTree>
   </p:cSld>
   <p:clrMapOvr>
@@ -12457,10 +12275,10 @@
       </p:grpSpPr>
       <p:sp>
         <p:nvSpPr>
-          <p:cNvPr id="64514" name="Title 1">
+          <p:cNvPr id="66562" name="Title 1">
             <a:extLst>
               <a:ext uri="{FF2B5EF4-FFF2-40B4-BE49-F238E27FC236}">
-                <a16:creationId xmlns:a16="http://schemas.microsoft.com/office/drawing/2014/main" id="{FFA6DEF7-BBB4-C5D9-5C4A-16D5F47100B7}"/>
+                <a16:creationId xmlns:a16="http://schemas.microsoft.com/office/drawing/2014/main" id="{7AFFC572-C20C-5119-DE4B-8F7FA5DB8084}"/>
               </a:ext>
             </a:extLst>
           </p:cNvPr>
@@ -12478,71 +12296,175 @@
           <a:p>
             <a:r>
               <a:rPr lang="en-US" altLang="en-US"/>
-              <a:t>A Sentinel in Program 5-13</a:t>
-            </a:r>
-          </a:p>
-        </p:txBody>
-      </p:sp>
-      <p:pic>
-        <p:nvPicPr>
-          <p:cNvPr id="64515" name="Picture 1">
+              <a:t>Deciding Which Loop to Use</a:t>
+            </a:r>
+          </a:p>
+        </p:txBody>
+      </p:sp>
+      <p:sp>
+        <p:nvSpPr>
+          <p:cNvPr id="3" name="Content Placeholder 2">
             <a:extLst>
               <a:ext uri="{FF2B5EF4-FFF2-40B4-BE49-F238E27FC236}">
-                <a16:creationId xmlns:a16="http://schemas.microsoft.com/office/drawing/2014/main" id="{9FC56CED-083D-5EDC-99A5-D2859157A92B}"/>
+                <a16:creationId xmlns:a16="http://schemas.microsoft.com/office/drawing/2014/main" id="{E89D4330-3A95-9197-8D3E-F405F9D99BF4}"/>
               </a:ext>
             </a:extLst>
           </p:cNvPr>
-          <p:cNvPicPr>
-            <a:picLocks noChangeAspect="1" noChangeArrowheads="1"/>
-          </p:cNvPicPr>
-          <p:nvPr/>
-        </p:nvPicPr>
-        <p:blipFill>
-          <a:blip r:embed="rId2">
-            <a:extLst>
-              <a:ext uri="{28A0092B-C50C-407E-A947-70E740481C1C}">
-                <a14:useLocalDpi xmlns:a14="http://schemas.microsoft.com/office/drawing/2010/main" val="0"/>
-              </a:ext>
-            </a:extLst>
-          </a:blip>
-          <a:srcRect/>
-          <a:stretch>
-            <a:fillRect/>
-          </a:stretch>
-        </p:blipFill>
-        <p:spPr bwMode="auto">
-          <a:xfrm>
-            <a:off x="866775" y="1809750"/>
-            <a:ext cx="7410450" cy="3238500"/>
-          </a:xfrm>
-          <a:prstGeom prst="rect">
-            <a:avLst/>
-          </a:prstGeom>
-          <a:noFill/>
-          <a:ln>
-            <a:noFill/>
-          </a:ln>
-          <a:extLst>
-            <a:ext uri="{909E8E84-426E-40DD-AFC4-6F175D3DCCD1}">
-              <a14:hiddenFill xmlns:a14="http://schemas.microsoft.com/office/drawing/2010/main">
-                <a:solidFill>
-                  <a:srgbClr val="FFFFFF"/>
-                </a:solidFill>
-              </a14:hiddenFill>
-            </a:ext>
-            <a:ext uri="{91240B29-F687-4F45-9708-019B960494DF}">
-              <a14:hiddenLine xmlns:a14="http://schemas.microsoft.com/office/drawing/2010/main" w="9525">
-                <a:solidFill>
-                  <a:srgbClr val="000000"/>
-                </a:solidFill>
-                <a:miter lim="800000"/>
-                <a:headEnd/>
-                <a:tailEnd/>
-              </a14:hiddenLine>
-            </a:ext>
-          </a:extLst>
-        </p:spPr>
-      </p:pic>
+          <p:cNvSpPr>
+            <a:spLocks noGrp="1"/>
+          </p:cNvSpPr>
+          <p:nvPr>
+            <p:ph idx="1"/>
+          </p:nvPr>
+        </p:nvSpPr>
+        <p:spPr/>
+        <p:txBody>
+          <a:bodyPr>
+            <a:normAutofit lnSpcReduction="10000"/>
+          </a:bodyPr>
+          <a:lstStyle/>
+          <a:p>
+            <a:pPr>
+              <a:defRPr/>
+            </a:pPr>
+            <a:r>
+              <a:rPr lang="en-US" dirty="0"/>
+              <a:t>The </a:t>
+            </a:r>
+            <a:r>
+              <a:rPr lang="en-US" dirty="0">
+                <a:latin typeface="Courier New" pitchFamily="49" charset="0"/>
+                <a:cs typeface="Courier New" pitchFamily="49" charset="0"/>
+              </a:rPr>
+              <a:t>while</a:t>
+            </a:r>
+            <a:r>
+              <a:rPr lang="en-US" dirty="0"/>
+              <a:t> loop is a conditional pretest loop </a:t>
+            </a:r>
+          </a:p>
+          <a:p>
+            <a:pPr lvl="1">
+              <a:defRPr/>
+            </a:pPr>
+            <a:r>
+              <a:rPr lang="en-US" dirty="0"/>
+              <a:t>Iterates as long as a certain condition exits</a:t>
+            </a:r>
+          </a:p>
+          <a:p>
+            <a:pPr lvl="1">
+              <a:defRPr/>
+            </a:pPr>
+            <a:r>
+              <a:rPr lang="en-US" dirty="0"/>
+              <a:t>Validating input</a:t>
+            </a:r>
+          </a:p>
+          <a:p>
+            <a:pPr lvl="1">
+              <a:defRPr/>
+            </a:pPr>
+            <a:r>
+              <a:rPr lang="en-US" dirty="0"/>
+              <a:t>Reading lists of data terminated by a sentinel</a:t>
+            </a:r>
+            <a:br>
+              <a:rPr lang="en-US" dirty="0"/>
+            </a:br>
+            <a:endParaRPr lang="en-US" dirty="0"/>
+          </a:p>
+          <a:p>
+            <a:pPr>
+              <a:defRPr/>
+            </a:pPr>
+            <a:r>
+              <a:rPr lang="en-US" dirty="0"/>
+              <a:t>The </a:t>
+            </a:r>
+            <a:r>
+              <a:rPr lang="en-US" dirty="0">
+                <a:latin typeface="Courier New" pitchFamily="49" charset="0"/>
+                <a:cs typeface="Courier New" pitchFamily="49" charset="0"/>
+              </a:rPr>
+              <a:t>do-while</a:t>
+            </a:r>
+            <a:r>
+              <a:rPr lang="en-US" dirty="0"/>
+              <a:t> loop is a conditional posttest loop </a:t>
+            </a:r>
+          </a:p>
+          <a:p>
+            <a:pPr lvl="1">
+              <a:defRPr/>
+            </a:pPr>
+            <a:r>
+              <a:rPr lang="en-US" dirty="0"/>
+              <a:t>Always iterates at least once</a:t>
+            </a:r>
+          </a:p>
+          <a:p>
+            <a:pPr lvl="1">
+              <a:defRPr/>
+            </a:pPr>
+            <a:r>
+              <a:rPr lang="en-US" dirty="0"/>
+              <a:t>Repeating a menu</a:t>
+            </a:r>
+            <a:br>
+              <a:rPr lang="en-US" dirty="0"/>
+            </a:br>
+            <a:endParaRPr lang="en-US" dirty="0"/>
+          </a:p>
+          <a:p>
+            <a:pPr>
+              <a:defRPr/>
+            </a:pPr>
+            <a:r>
+              <a:rPr lang="en-US" dirty="0"/>
+              <a:t>The </a:t>
+            </a:r>
+            <a:r>
+              <a:rPr lang="en-US" dirty="0">
+                <a:latin typeface="Courier New" pitchFamily="49" charset="0"/>
+                <a:cs typeface="Courier New" pitchFamily="49" charset="0"/>
+              </a:rPr>
+              <a:t>for</a:t>
+            </a:r>
+            <a:r>
+              <a:rPr lang="en-US" dirty="0"/>
+              <a:t> loop is a pretest loop</a:t>
+            </a:r>
+          </a:p>
+          <a:p>
+            <a:pPr lvl="1">
+              <a:defRPr/>
+            </a:pPr>
+            <a:r>
+              <a:rPr lang="en-US" dirty="0">
+                <a:ea typeface="+mn-ea"/>
+              </a:rPr>
+              <a:t>Built-in expressions for initializing, testing, and updating</a:t>
+            </a:r>
+            <a:endParaRPr lang="en-US" dirty="0"/>
+          </a:p>
+          <a:p>
+            <a:pPr lvl="1">
+              <a:defRPr/>
+            </a:pPr>
+            <a:r>
+              <a:rPr lang="en-US" dirty="0"/>
+              <a:t>Situations where the exact number of iterations is known</a:t>
+            </a:r>
+          </a:p>
+          <a:p>
+            <a:pPr>
+              <a:defRPr/>
+            </a:pPr>
+            <a:endParaRPr lang="en-US" dirty="0"/>
+          </a:p>
+        </p:txBody>
+      </p:sp>
     </p:spTree>
   </p:cSld>
   <p:clrMapOvr>
@@ -12570,10 +12492,10 @@
       </p:grpSpPr>
       <p:sp>
         <p:nvSpPr>
-          <p:cNvPr id="65538" name="Title 1">
+          <p:cNvPr id="67586" name="Title 1">
             <a:extLst>
               <a:ext uri="{FF2B5EF4-FFF2-40B4-BE49-F238E27FC236}">
-                <a16:creationId xmlns:a16="http://schemas.microsoft.com/office/drawing/2014/main" id="{D6E4B80D-549A-047E-DA4B-8318405746B1}"/>
+                <a16:creationId xmlns:a16="http://schemas.microsoft.com/office/drawing/2014/main" id="{1AA05DEC-E5C6-0941-3DE2-F844AE41CCEA}"/>
               </a:ext>
             </a:extLst>
           </p:cNvPr>
@@ -12591,17 +12513,17 @@
           <a:p>
             <a:r>
               <a:rPr lang="en-US" altLang="en-US"/>
-              <a:t>5.9</a:t>
-            </a:r>
-          </a:p>
-        </p:txBody>
-      </p:sp>
-      <p:sp>
-        <p:nvSpPr>
-          <p:cNvPr id="65539" name="Subtitle 2">
+              <a:t>5.10</a:t>
+            </a:r>
+          </a:p>
+        </p:txBody>
+      </p:sp>
+      <p:sp>
+        <p:nvSpPr>
+          <p:cNvPr id="67587" name="Subtitle 2">
             <a:extLst>
               <a:ext uri="{FF2B5EF4-FFF2-40B4-BE49-F238E27FC236}">
-                <a16:creationId xmlns:a16="http://schemas.microsoft.com/office/drawing/2014/main" id="{44516624-8F06-B62B-FAED-4B77599E5466}"/>
+                <a16:creationId xmlns:a16="http://schemas.microsoft.com/office/drawing/2014/main" id="{390DC6A9-37EB-F58D-6421-A00DBFC1104A}"/>
               </a:ext>
             </a:extLst>
           </p:cNvPr>
@@ -12619,7 +12541,7 @@
           <a:p>
             <a:r>
               <a:rPr lang="en-US" altLang="en-US"/>
-              <a:t>Deciding Which Loop to Use</a:t>
+              <a:t>Nested Loops</a:t>
             </a:r>
           </a:p>
         </p:txBody>
@@ -12651,10 +12573,10 @@
       </p:grpSpPr>
       <p:sp>
         <p:nvSpPr>
-          <p:cNvPr id="66562" name="Title 1">
+          <p:cNvPr id="68610" name="Title 1">
             <a:extLst>
               <a:ext uri="{FF2B5EF4-FFF2-40B4-BE49-F238E27FC236}">
-                <a16:creationId xmlns:a16="http://schemas.microsoft.com/office/drawing/2014/main" id="{7AFFC572-C20C-5119-DE4B-8F7FA5DB8084}"/>
+                <a16:creationId xmlns:a16="http://schemas.microsoft.com/office/drawing/2014/main" id="{08DAF034-B862-62E3-6690-D7847FC0DCAC}"/>
               </a:ext>
             </a:extLst>
           </p:cNvPr>
@@ -12672,22 +12594,22 @@
           <a:p>
             <a:r>
               <a:rPr lang="en-US" altLang="en-US"/>
-              <a:t>Deciding Which Loop to Use</a:t>
-            </a:r>
-          </a:p>
-        </p:txBody>
-      </p:sp>
-      <p:sp>
-        <p:nvSpPr>
-          <p:cNvPr id="3" name="Content Placeholder 2">
+              <a:t>Nested Loops</a:t>
+            </a:r>
+          </a:p>
+        </p:txBody>
+      </p:sp>
+      <p:sp>
+        <p:nvSpPr>
+          <p:cNvPr id="68611" name="Content Placeholder 2">
             <a:extLst>
               <a:ext uri="{FF2B5EF4-FFF2-40B4-BE49-F238E27FC236}">
-                <a16:creationId xmlns:a16="http://schemas.microsoft.com/office/drawing/2014/main" id="{E89D4330-3A95-9197-8D3E-F405F9D99BF4}"/>
+                <a16:creationId xmlns:a16="http://schemas.microsoft.com/office/drawing/2014/main" id="{AA5DE691-6593-16F2-912D-94BE5980583D}"/>
               </a:ext>
             </a:extLst>
           </p:cNvPr>
           <p:cNvSpPr>
-            <a:spLocks noGrp="1"/>
+            <a:spLocks noGrp="1" noChangeArrowheads="1"/>
           </p:cNvSpPr>
           <p:nvPr>
             <p:ph idx="1"/>
@@ -12695,149 +12617,114 @@
         </p:nvSpPr>
         <p:spPr/>
         <p:txBody>
-          <a:bodyPr>
-            <a:normAutofit lnSpcReduction="10000"/>
-          </a:bodyPr>
+          <a:bodyPr/>
           <a:lstStyle/>
           <a:p>
-            <a:pPr>
-              <a:defRPr/>
+            <a:r>
+              <a:rPr lang="en-US" altLang="en-US" dirty="0"/>
+              <a:t>A </a:t>
+            </a:r>
+            <a:r>
+              <a:rPr lang="en-US" altLang="en-US" u="sng" dirty="0"/>
+              <a:t>nested loop</a:t>
+            </a:r>
+            <a:r>
+              <a:rPr lang="en-US" altLang="en-US" dirty="0"/>
+              <a:t> is a loop inside the body of another loop</a:t>
+            </a:r>
+          </a:p>
+          <a:p>
+            <a:r>
+              <a:rPr lang="en-US" altLang="en-US" u="sng" dirty="0"/>
+              <a:t>Inner </a:t>
+            </a:r>
+            <a:r>
+              <a:rPr lang="en-US" altLang="en-US" dirty="0"/>
+              <a:t>(inside), </a:t>
+            </a:r>
+            <a:r>
+              <a:rPr lang="en-US" altLang="en-US" u="sng" dirty="0"/>
+              <a:t>outer</a:t>
+            </a:r>
+            <a:r>
+              <a:rPr lang="en-US" altLang="en-US" dirty="0"/>
+              <a:t> (outside) loops:</a:t>
+            </a:r>
+            <a:br>
+              <a:rPr lang="en-US" altLang="en-US" dirty="0"/>
+            </a:br>
+            <a:endParaRPr lang="en-US" altLang="en-US" dirty="0"/>
+          </a:p>
+          <a:p>
+            <a:pPr marL="201168" lvl="1" indent="0">
+              <a:buNone/>
             </a:pPr>
             <a:r>
-              <a:rPr lang="en-US" dirty="0"/>
-              <a:t>The </a:t>
-            </a:r>
-            <a:r>
-              <a:rPr lang="en-US" dirty="0">
-                <a:latin typeface="Courier New" pitchFamily="49" charset="0"/>
-                <a:cs typeface="Courier New" pitchFamily="49" charset="0"/>
-              </a:rPr>
-              <a:t>while</a:t>
-            </a:r>
-            <a:r>
-              <a:rPr lang="en-US" dirty="0"/>
-              <a:t> loop is a conditional pretest loop </a:t>
-            </a:r>
-          </a:p>
-          <a:p>
-            <a:pPr lvl="1">
-              <a:defRPr/>
+              <a:rPr lang="en-US" altLang="en-US" dirty="0">
+                <a:latin typeface="Courier New" panose="02070309020205020404" pitchFamily="49" charset="0"/>
+              </a:rPr>
+              <a:t>for (row=1; row&lt;=3; row++) </a:t>
+            </a:r>
+            <a:r>
+              <a:rPr lang="en-US" altLang="en-US" dirty="0"/>
+              <a:t> </a:t>
+            </a:r>
+            <a:r>
+              <a:rPr lang="en-US" altLang="en-US" dirty="0">
+                <a:latin typeface="Courier New" panose="02070309020205020404" pitchFamily="49" charset="0"/>
+              </a:rPr>
+              <a:t>//outer</a:t>
+            </a:r>
+          </a:p>
+          <a:p>
+            <a:pPr marL="201168" lvl="1" indent="0">
+              <a:buNone/>
             </a:pPr>
             <a:r>
-              <a:rPr lang="en-US" dirty="0"/>
-              <a:t>Iterates as long as a certain condition exits</a:t>
-            </a:r>
-          </a:p>
-          <a:p>
-            <a:pPr lvl="1">
-              <a:defRPr/>
+              <a:rPr lang="en-US" altLang="en-US" dirty="0">
+                <a:latin typeface="Courier New" panose="02070309020205020404" pitchFamily="49" charset="0"/>
+              </a:rPr>
+              <a:t>	for (col=1; col&lt;=3; col++)//inner</a:t>
+            </a:r>
+          </a:p>
+          <a:p>
+            <a:pPr marL="201168" lvl="1" indent="0">
+              <a:buNone/>
             </a:pPr>
             <a:r>
-              <a:rPr lang="en-US" dirty="0"/>
-              <a:t>Validating input</a:t>
-            </a:r>
-          </a:p>
-          <a:p>
-            <a:pPr lvl="1">
-              <a:defRPr/>
-            </a:pPr>
-            <a:r>
-              <a:rPr lang="en-US" dirty="0"/>
-              <a:t>Reading lists of data terminated by a sentinel</a:t>
-            </a:r>
-            <a:br>
-              <a:rPr lang="en-US" dirty="0"/>
-            </a:br>
-            <a:endParaRPr lang="en-US" dirty="0"/>
-          </a:p>
-          <a:p>
-            <a:pPr>
-              <a:defRPr/>
-            </a:pPr>
-            <a:r>
-              <a:rPr lang="en-US" dirty="0"/>
-              <a:t>The </a:t>
-            </a:r>
-            <a:r>
-              <a:rPr lang="en-US" dirty="0">
-                <a:latin typeface="Courier New" pitchFamily="49" charset="0"/>
-                <a:cs typeface="Courier New" pitchFamily="49" charset="0"/>
-              </a:rPr>
-              <a:t>do-while</a:t>
-            </a:r>
-            <a:r>
-              <a:rPr lang="en-US" dirty="0"/>
-              <a:t> loop is a conditional posttest loop </a:t>
-            </a:r>
-          </a:p>
-          <a:p>
-            <a:pPr lvl="1">
-              <a:defRPr/>
-            </a:pPr>
-            <a:r>
-              <a:rPr lang="en-US" dirty="0"/>
-              <a:t>Always iterates at least once</a:t>
-            </a:r>
-          </a:p>
-          <a:p>
-            <a:pPr lvl="1">
-              <a:defRPr/>
-            </a:pPr>
-            <a:r>
-              <a:rPr lang="en-US" dirty="0"/>
-              <a:t>Repeating a menu</a:t>
-            </a:r>
-            <a:br>
-              <a:rPr lang="en-US" dirty="0"/>
-            </a:br>
-            <a:endParaRPr lang="en-US" dirty="0"/>
-          </a:p>
-          <a:p>
-            <a:pPr>
-              <a:defRPr/>
-            </a:pPr>
-            <a:r>
-              <a:rPr lang="en-US" dirty="0"/>
-              <a:t>The </a:t>
-            </a:r>
-            <a:r>
-              <a:rPr lang="en-US" dirty="0">
-                <a:latin typeface="Courier New" pitchFamily="49" charset="0"/>
-                <a:cs typeface="Courier New" pitchFamily="49" charset="0"/>
-              </a:rPr>
-              <a:t>for</a:t>
-            </a:r>
-            <a:r>
-              <a:rPr lang="en-US" dirty="0"/>
-              <a:t> loop is a pretest loop</a:t>
-            </a:r>
-          </a:p>
-          <a:p>
-            <a:pPr lvl="1">
-              <a:defRPr/>
-            </a:pPr>
-            <a:r>
-              <a:rPr lang="en-US" dirty="0">
-                <a:ea typeface="+mn-ea"/>
-              </a:rPr>
-              <a:t>Built-in expressions for initializing, testing, and updating</a:t>
-            </a:r>
-            <a:endParaRPr lang="en-US" dirty="0"/>
-          </a:p>
-          <a:p>
-            <a:pPr lvl="1">
-              <a:defRPr/>
-            </a:pPr>
-            <a:r>
-              <a:rPr lang="en-US" dirty="0"/>
-              <a:t>Situations where the exact number of iterations is known</a:t>
-            </a:r>
-          </a:p>
-          <a:p>
-            <a:pPr>
-              <a:defRPr/>
-            </a:pPr>
-            <a:endParaRPr lang="en-US" dirty="0"/>
+              <a:rPr lang="en-US" altLang="en-US" dirty="0">
+                <a:latin typeface="Courier New" panose="02070309020205020404" pitchFamily="49" charset="0"/>
+              </a:rPr>
+              <a:t>		  </a:t>
+            </a:r>
+            <a:r>
+              <a:rPr lang="en-US" altLang="en-US" dirty="0" err="1">
+                <a:latin typeface="Courier New" panose="02070309020205020404" pitchFamily="49" charset="0"/>
+              </a:rPr>
+              <a:t>cout</a:t>
+            </a:r>
+            <a:r>
+              <a:rPr lang="en-US" altLang="en-US" dirty="0">
+                <a:latin typeface="Courier New" panose="02070309020205020404" pitchFamily="49" charset="0"/>
+              </a:rPr>
+              <a:t> &lt;&lt; row * col &lt;&lt; </a:t>
+            </a:r>
+            <a:r>
+              <a:rPr lang="en-US" altLang="en-US" dirty="0" err="1">
+                <a:latin typeface="Courier New" panose="02070309020205020404" pitchFamily="49" charset="0"/>
+              </a:rPr>
+              <a:t>endl</a:t>
+            </a:r>
+            <a:r>
+              <a:rPr lang="en-US" altLang="en-US" dirty="0">
+                <a:latin typeface="Courier New" panose="02070309020205020404" pitchFamily="49" charset="0"/>
+              </a:rPr>
+              <a:t>;</a:t>
+            </a:r>
+            <a:endParaRPr lang="en-US" altLang="en-US" dirty="0"/>
+          </a:p>
+          <a:p>
+            <a:endParaRPr lang="en-US" altLang="en-US" dirty="0"/>
           </a:p>
         </p:txBody>
       </p:sp>
@@ -12850,269 +12737,6 @@
 </file>
 
 <file path=ppt/slides/slide45.xml><?xml version="1.0" encoding="utf-8"?>
-<p:sld xmlns:a="http://schemas.openxmlformats.org/drawingml/2006/main" xmlns:r="http://schemas.openxmlformats.org/officeDocument/2006/relationships" xmlns:p="http://schemas.openxmlformats.org/presentationml/2006/main">
-  <p:cSld>
-    <p:spTree>
-      <p:nvGrpSpPr>
-        <p:cNvPr id="1" name=""/>
-        <p:cNvGrpSpPr/>
-        <p:nvPr/>
-      </p:nvGrpSpPr>
-      <p:grpSpPr>
-        <a:xfrm>
-          <a:off x="0" y="0"/>
-          <a:ext cx="0" cy="0"/>
-          <a:chOff x="0" y="0"/>
-          <a:chExt cx="0" cy="0"/>
-        </a:xfrm>
-      </p:grpSpPr>
-      <p:sp>
-        <p:nvSpPr>
-          <p:cNvPr id="67586" name="Title 1">
-            <a:extLst>
-              <a:ext uri="{FF2B5EF4-FFF2-40B4-BE49-F238E27FC236}">
-                <a16:creationId xmlns:a16="http://schemas.microsoft.com/office/drawing/2014/main" id="{1AA05DEC-E5C6-0941-3DE2-F844AE41CCEA}"/>
-              </a:ext>
-            </a:extLst>
-          </p:cNvPr>
-          <p:cNvSpPr>
-            <a:spLocks noGrp="1" noChangeArrowheads="1"/>
-          </p:cNvSpPr>
-          <p:nvPr>
-            <p:ph type="ctrTitle"/>
-          </p:nvPr>
-        </p:nvSpPr>
-        <p:spPr/>
-        <p:txBody>
-          <a:bodyPr/>
-          <a:lstStyle/>
-          <a:p>
-            <a:r>
-              <a:rPr lang="en-US" altLang="en-US"/>
-              <a:t>5.10</a:t>
-            </a:r>
-          </a:p>
-        </p:txBody>
-      </p:sp>
-      <p:sp>
-        <p:nvSpPr>
-          <p:cNvPr id="67587" name="Subtitle 2">
-            <a:extLst>
-              <a:ext uri="{FF2B5EF4-FFF2-40B4-BE49-F238E27FC236}">
-                <a16:creationId xmlns:a16="http://schemas.microsoft.com/office/drawing/2014/main" id="{390DC6A9-37EB-F58D-6421-A00DBFC1104A}"/>
-              </a:ext>
-            </a:extLst>
-          </p:cNvPr>
-          <p:cNvSpPr>
-            <a:spLocks noGrp="1" noChangeArrowheads="1"/>
-          </p:cNvSpPr>
-          <p:nvPr>
-            <p:ph type="subTitle" idx="1"/>
-          </p:nvPr>
-        </p:nvSpPr>
-        <p:spPr/>
-        <p:txBody>
-          <a:bodyPr/>
-          <a:lstStyle/>
-          <a:p>
-            <a:r>
-              <a:rPr lang="en-US" altLang="en-US"/>
-              <a:t>Nested Loops</a:t>
-            </a:r>
-          </a:p>
-        </p:txBody>
-      </p:sp>
-    </p:spTree>
-  </p:cSld>
-  <p:clrMapOvr>
-    <a:masterClrMapping/>
-  </p:clrMapOvr>
-</p:sld>
-</file>
-
-<file path=ppt/slides/slide46.xml><?xml version="1.0" encoding="utf-8"?>
-<p:sld xmlns:a="http://schemas.openxmlformats.org/drawingml/2006/main" xmlns:r="http://schemas.openxmlformats.org/officeDocument/2006/relationships" xmlns:p="http://schemas.openxmlformats.org/presentationml/2006/main">
-  <p:cSld>
-    <p:spTree>
-      <p:nvGrpSpPr>
-        <p:cNvPr id="1" name=""/>
-        <p:cNvGrpSpPr/>
-        <p:nvPr/>
-      </p:nvGrpSpPr>
-      <p:grpSpPr>
-        <a:xfrm>
-          <a:off x="0" y="0"/>
-          <a:ext cx="0" cy="0"/>
-          <a:chOff x="0" y="0"/>
-          <a:chExt cx="0" cy="0"/>
-        </a:xfrm>
-      </p:grpSpPr>
-      <p:sp>
-        <p:nvSpPr>
-          <p:cNvPr id="68610" name="Title 1">
-            <a:extLst>
-              <a:ext uri="{FF2B5EF4-FFF2-40B4-BE49-F238E27FC236}">
-                <a16:creationId xmlns:a16="http://schemas.microsoft.com/office/drawing/2014/main" id="{08DAF034-B862-62E3-6690-D7847FC0DCAC}"/>
-              </a:ext>
-            </a:extLst>
-          </p:cNvPr>
-          <p:cNvSpPr>
-            <a:spLocks noGrp="1" noChangeArrowheads="1"/>
-          </p:cNvSpPr>
-          <p:nvPr>
-            <p:ph type="title"/>
-          </p:nvPr>
-        </p:nvSpPr>
-        <p:spPr/>
-        <p:txBody>
-          <a:bodyPr/>
-          <a:lstStyle/>
-          <a:p>
-            <a:r>
-              <a:rPr lang="en-US" altLang="en-US"/>
-              <a:t>Nested Loops</a:t>
-            </a:r>
-          </a:p>
-        </p:txBody>
-      </p:sp>
-      <p:sp>
-        <p:nvSpPr>
-          <p:cNvPr id="68611" name="Content Placeholder 2">
-            <a:extLst>
-              <a:ext uri="{FF2B5EF4-FFF2-40B4-BE49-F238E27FC236}">
-                <a16:creationId xmlns:a16="http://schemas.microsoft.com/office/drawing/2014/main" id="{AA5DE691-6593-16F2-912D-94BE5980583D}"/>
-              </a:ext>
-            </a:extLst>
-          </p:cNvPr>
-          <p:cNvSpPr>
-            <a:spLocks noGrp="1" noChangeArrowheads="1"/>
-          </p:cNvSpPr>
-          <p:nvPr>
-            <p:ph idx="1"/>
-          </p:nvPr>
-        </p:nvSpPr>
-        <p:spPr/>
-        <p:txBody>
-          <a:bodyPr/>
-          <a:lstStyle/>
-          <a:p>
-            <a:r>
-              <a:rPr lang="en-US" altLang="en-US" dirty="0"/>
-              <a:t>A </a:t>
-            </a:r>
-            <a:r>
-              <a:rPr lang="en-US" altLang="en-US" u="sng" dirty="0"/>
-              <a:t>nested loop</a:t>
-            </a:r>
-            <a:r>
-              <a:rPr lang="en-US" altLang="en-US" dirty="0"/>
-              <a:t> is a loop inside the body of another loop</a:t>
-            </a:r>
-          </a:p>
-          <a:p>
-            <a:r>
-              <a:rPr lang="en-US" altLang="en-US" u="sng" dirty="0"/>
-              <a:t>Inner </a:t>
-            </a:r>
-            <a:r>
-              <a:rPr lang="en-US" altLang="en-US" dirty="0"/>
-              <a:t>(inside), </a:t>
-            </a:r>
-            <a:r>
-              <a:rPr lang="en-US" altLang="en-US" u="sng" dirty="0"/>
-              <a:t>outer</a:t>
-            </a:r>
-            <a:r>
-              <a:rPr lang="en-US" altLang="en-US" dirty="0"/>
-              <a:t> (outside) loops:</a:t>
-            </a:r>
-            <a:br>
-              <a:rPr lang="en-US" altLang="en-US" dirty="0"/>
-            </a:br>
-            <a:endParaRPr lang="en-US" altLang="en-US" dirty="0"/>
-          </a:p>
-          <a:p>
-            <a:pPr marL="201168" lvl="1" indent="0">
-              <a:buNone/>
-            </a:pPr>
-            <a:r>
-              <a:rPr lang="en-US" altLang="en-US" dirty="0">
-                <a:latin typeface="Courier New" panose="02070309020205020404" pitchFamily="49" charset="0"/>
-              </a:rPr>
-              <a:t>for (row=1; row&lt;=3; row++) </a:t>
-            </a:r>
-            <a:r>
-              <a:rPr lang="en-US" altLang="en-US" dirty="0"/>
-              <a:t> </a:t>
-            </a:r>
-            <a:r>
-              <a:rPr lang="en-US" altLang="en-US" dirty="0">
-                <a:latin typeface="Courier New" panose="02070309020205020404" pitchFamily="49" charset="0"/>
-              </a:rPr>
-              <a:t>//outer</a:t>
-            </a:r>
-          </a:p>
-          <a:p>
-            <a:pPr marL="201168" lvl="1" indent="0">
-              <a:buNone/>
-            </a:pPr>
-            <a:r>
-              <a:rPr lang="en-US" altLang="en-US" dirty="0">
-                <a:latin typeface="Courier New" panose="02070309020205020404" pitchFamily="49" charset="0"/>
-              </a:rPr>
-              <a:t>	for (col=1; col&lt;=3; col++)//inner</a:t>
-            </a:r>
-          </a:p>
-          <a:p>
-            <a:pPr marL="201168" lvl="1" indent="0">
-              <a:buNone/>
-            </a:pPr>
-            <a:r>
-              <a:rPr lang="en-US" altLang="en-US" dirty="0">
-                <a:latin typeface="Courier New" panose="02070309020205020404" pitchFamily="49" charset="0"/>
-              </a:rPr>
-              <a:t>		  </a:t>
-            </a:r>
-            <a:r>
-              <a:rPr lang="en-US" altLang="en-US" dirty="0" err="1">
-                <a:latin typeface="Courier New" panose="02070309020205020404" pitchFamily="49" charset="0"/>
-              </a:rPr>
-              <a:t>cout</a:t>
-            </a:r>
-            <a:r>
-              <a:rPr lang="en-US" altLang="en-US" dirty="0">
-                <a:latin typeface="Courier New" panose="02070309020205020404" pitchFamily="49" charset="0"/>
-              </a:rPr>
-              <a:t> &lt;&lt; row * col &lt;&lt; </a:t>
-            </a:r>
-            <a:r>
-              <a:rPr lang="en-US" altLang="en-US" dirty="0" err="1">
-                <a:latin typeface="Courier New" panose="02070309020205020404" pitchFamily="49" charset="0"/>
-              </a:rPr>
-              <a:t>endl</a:t>
-            </a:r>
-            <a:r>
-              <a:rPr lang="en-US" altLang="en-US" dirty="0">
-                <a:latin typeface="Courier New" panose="02070309020205020404" pitchFamily="49" charset="0"/>
-              </a:rPr>
-              <a:t>;</a:t>
-            </a:r>
-            <a:endParaRPr lang="en-US" altLang="en-US" dirty="0"/>
-          </a:p>
-          <a:p>
-            <a:endParaRPr lang="en-US" altLang="en-US" dirty="0"/>
-          </a:p>
-        </p:txBody>
-      </p:sp>
-    </p:spTree>
-  </p:cSld>
-  <p:clrMapOvr>
-    <a:masterClrMapping/>
-  </p:clrMapOvr>
-</p:sld>
-</file>
-
-<file path=ppt/slides/slide47.xml><?xml version="1.0" encoding="utf-8"?>
 <p:sld xmlns:a="http://schemas.openxmlformats.org/drawingml/2006/main" xmlns:r="http://schemas.openxmlformats.org/officeDocument/2006/relationships" xmlns:p="http://schemas.openxmlformats.org/presentationml/2006/main">
   <p:cSld>
     <p:spTree>
@@ -14005,6 +13629,291 @@
           </a:p>
         </p:txBody>
       </p:sp>
+      <p:sp>
+        <p:nvSpPr>
+          <p:cNvPr id="3" name="Rectangle: Diagonal Corners Snipped 2">
+            <a:extLst>
+              <a:ext uri="{FF2B5EF4-FFF2-40B4-BE49-F238E27FC236}">
+                <a16:creationId xmlns:a16="http://schemas.microsoft.com/office/drawing/2014/main" id="{9C186440-F7A9-B9BE-16C4-9A5D978C6D0B}"/>
+              </a:ext>
+            </a:extLst>
+          </p:cNvPr>
+          <p:cNvSpPr/>
+          <p:nvPr/>
+        </p:nvSpPr>
+        <p:spPr>
+          <a:xfrm>
+            <a:off x="7086600" y="5869094"/>
+            <a:ext cx="1828800" cy="304800"/>
+          </a:xfrm>
+          <a:prstGeom prst="snip2DiagRect">
+            <a:avLst>
+              <a:gd name="adj1" fmla="val 0"/>
+              <a:gd name="adj2" fmla="val 50000"/>
+            </a:avLst>
+          </a:prstGeom>
+        </p:spPr>
+        <p:style>
+          <a:lnRef idx="1">
+            <a:schemeClr val="accent1"/>
+          </a:lnRef>
+          <a:fillRef idx="2">
+            <a:schemeClr val="accent1"/>
+          </a:fillRef>
+          <a:effectRef idx="1">
+            <a:schemeClr val="accent1"/>
+          </a:effectRef>
+          <a:fontRef idx="minor">
+            <a:schemeClr val="dk1"/>
+          </a:fontRef>
+        </p:style>
+        <p:txBody>
+          <a:bodyPr rtlCol="0" anchor="ctr"/>
+          <a:lstStyle/>
+          <a:p>
+            <a:pPr algn="ctr"/>
+            <a:r>
+              <a:rPr lang="en-US" sz="1000" dirty="0"/>
+              <a:t>5_10_NestedForLoop.cpp</a:t>
+            </a:r>
+          </a:p>
+        </p:txBody>
+      </p:sp>
+      <p:sp>
+        <p:nvSpPr>
+          <p:cNvPr id="4" name="Rectangle: Diagonal Corners Snipped 3">
+            <a:extLst>
+              <a:ext uri="{FF2B5EF4-FFF2-40B4-BE49-F238E27FC236}">
+                <a16:creationId xmlns:a16="http://schemas.microsoft.com/office/drawing/2014/main" id="{62F9A7C6-F656-31F0-E2E3-8B657109E349}"/>
+              </a:ext>
+            </a:extLst>
+          </p:cNvPr>
+          <p:cNvSpPr/>
+          <p:nvPr/>
+        </p:nvSpPr>
+        <p:spPr>
+          <a:xfrm>
+            <a:off x="7086600" y="6266596"/>
+            <a:ext cx="1828800" cy="304800"/>
+          </a:xfrm>
+          <a:prstGeom prst="snip2DiagRect">
+            <a:avLst>
+              <a:gd name="adj1" fmla="val 0"/>
+              <a:gd name="adj2" fmla="val 50000"/>
+            </a:avLst>
+          </a:prstGeom>
+        </p:spPr>
+        <p:style>
+          <a:lnRef idx="1">
+            <a:schemeClr val="accent1"/>
+          </a:lnRef>
+          <a:fillRef idx="2">
+            <a:schemeClr val="accent1"/>
+          </a:fillRef>
+          <a:effectRef idx="1">
+            <a:schemeClr val="accent1"/>
+          </a:effectRef>
+          <a:fontRef idx="minor">
+            <a:schemeClr val="dk1"/>
+          </a:fontRef>
+        </p:style>
+        <p:txBody>
+          <a:bodyPr rtlCol="0" anchor="ctr"/>
+          <a:lstStyle/>
+          <a:p>
+            <a:pPr algn="ctr"/>
+            <a:r>
+              <a:rPr lang="en-US" sz="1000" dirty="0"/>
+              <a:t>5_10_NestedTimeLoop.cpp</a:t>
+            </a:r>
+          </a:p>
+        </p:txBody>
+      </p:sp>
+    </p:spTree>
+  </p:cSld>
+  <p:clrMapOvr>
+    <a:masterClrMapping/>
+  </p:clrMapOvr>
+</p:sld>
+</file>
+
+<file path=ppt/slides/slide46.xml><?xml version="1.0" encoding="utf-8"?>
+<p:sld xmlns:a="http://schemas.openxmlformats.org/drawingml/2006/main" xmlns:r="http://schemas.openxmlformats.org/officeDocument/2006/relationships" xmlns:p="http://schemas.openxmlformats.org/presentationml/2006/main">
+  <p:cSld>
+    <p:spTree>
+      <p:nvGrpSpPr>
+        <p:cNvPr id="1" name=""/>
+        <p:cNvGrpSpPr/>
+        <p:nvPr/>
+      </p:nvGrpSpPr>
+      <p:grpSpPr>
+        <a:xfrm>
+          <a:off x="0" y="0"/>
+          <a:ext cx="0" cy="0"/>
+          <a:chOff x="0" y="0"/>
+          <a:chExt cx="0" cy="0"/>
+        </a:xfrm>
+      </p:grpSpPr>
+      <p:sp>
+        <p:nvSpPr>
+          <p:cNvPr id="70658" name="Title 1">
+            <a:extLst>
+              <a:ext uri="{FF2B5EF4-FFF2-40B4-BE49-F238E27FC236}">
+                <a16:creationId xmlns:a16="http://schemas.microsoft.com/office/drawing/2014/main" id="{58D91A3B-2267-CCB0-399B-F7EAF403DF48}"/>
+              </a:ext>
+            </a:extLst>
+          </p:cNvPr>
+          <p:cNvSpPr>
+            <a:spLocks noGrp="1" noChangeArrowheads="1"/>
+          </p:cNvSpPr>
+          <p:nvPr>
+            <p:ph type="title"/>
+          </p:nvPr>
+        </p:nvSpPr>
+        <p:spPr/>
+        <p:txBody>
+          <a:bodyPr/>
+          <a:lstStyle/>
+          <a:p>
+            <a:r>
+              <a:rPr lang="en-US" altLang="en-US"/>
+              <a:t>Nested Loops - Notes</a:t>
+            </a:r>
+          </a:p>
+        </p:txBody>
+      </p:sp>
+      <p:sp>
+        <p:nvSpPr>
+          <p:cNvPr id="70659" name="Content Placeholder 2">
+            <a:extLst>
+              <a:ext uri="{FF2B5EF4-FFF2-40B4-BE49-F238E27FC236}">
+                <a16:creationId xmlns:a16="http://schemas.microsoft.com/office/drawing/2014/main" id="{B587A274-65E4-3896-A202-FD714058A288}"/>
+              </a:ext>
+            </a:extLst>
+          </p:cNvPr>
+          <p:cNvSpPr>
+            <a:spLocks noGrp="1" noChangeArrowheads="1"/>
+          </p:cNvSpPr>
+          <p:nvPr>
+            <p:ph idx="1"/>
+          </p:nvPr>
+        </p:nvSpPr>
+        <p:spPr/>
+        <p:txBody>
+          <a:bodyPr/>
+          <a:lstStyle/>
+          <a:p>
+            <a:r>
+              <a:rPr lang="en-US" altLang="en-US" dirty="0"/>
+              <a:t>Inner loop goes through all repetitions for each repetition of outer loop</a:t>
+            </a:r>
+            <a:br>
+              <a:rPr lang="en-US" altLang="en-US" dirty="0"/>
+            </a:br>
+            <a:endParaRPr lang="en-US" altLang="en-US" dirty="0"/>
+          </a:p>
+          <a:p>
+            <a:r>
+              <a:rPr lang="en-US" altLang="en-US" dirty="0"/>
+              <a:t>Inner loop repetitions complete sooner than outer loop</a:t>
+            </a:r>
+            <a:br>
+              <a:rPr lang="en-US" altLang="en-US" dirty="0"/>
+            </a:br>
+            <a:endParaRPr lang="en-US" altLang="en-US" dirty="0"/>
+          </a:p>
+          <a:p>
+            <a:r>
+              <a:rPr lang="en-US" altLang="en-US" dirty="0"/>
+              <a:t>Total number of repetitions for inner loop is product of number of repetitions of the two loops.  </a:t>
+            </a:r>
+          </a:p>
+          <a:p>
+            <a:endParaRPr lang="en-US" altLang="en-US" dirty="0"/>
+          </a:p>
+        </p:txBody>
+      </p:sp>
+    </p:spTree>
+  </p:cSld>
+  <p:clrMapOvr>
+    <a:masterClrMapping/>
+  </p:clrMapOvr>
+</p:sld>
+</file>
+
+<file path=ppt/slides/slide47.xml><?xml version="1.0" encoding="utf-8"?>
+<p:sld xmlns:a="http://schemas.openxmlformats.org/drawingml/2006/main" xmlns:r="http://schemas.openxmlformats.org/officeDocument/2006/relationships" xmlns:p="http://schemas.openxmlformats.org/presentationml/2006/main">
+  <p:cSld>
+    <p:spTree>
+      <p:nvGrpSpPr>
+        <p:cNvPr id="1" name=""/>
+        <p:cNvGrpSpPr/>
+        <p:nvPr/>
+      </p:nvGrpSpPr>
+      <p:grpSpPr>
+        <a:xfrm>
+          <a:off x="0" y="0"/>
+          <a:ext cx="0" cy="0"/>
+          <a:chOff x="0" y="0"/>
+          <a:chExt cx="0" cy="0"/>
+        </a:xfrm>
+      </p:grpSpPr>
+      <p:sp>
+        <p:nvSpPr>
+          <p:cNvPr id="86018" name="Title 1">
+            <a:extLst>
+              <a:ext uri="{FF2B5EF4-FFF2-40B4-BE49-F238E27FC236}">
+                <a16:creationId xmlns:a16="http://schemas.microsoft.com/office/drawing/2014/main" id="{0ABB862E-F61A-0FA3-A44F-CAC609383B28}"/>
+              </a:ext>
+            </a:extLst>
+          </p:cNvPr>
+          <p:cNvSpPr>
+            <a:spLocks noGrp="1" noChangeArrowheads="1"/>
+          </p:cNvSpPr>
+          <p:nvPr>
+            <p:ph type="ctrTitle"/>
+          </p:nvPr>
+        </p:nvSpPr>
+        <p:spPr/>
+        <p:txBody>
+          <a:bodyPr/>
+          <a:lstStyle/>
+          <a:p>
+            <a:r>
+              <a:rPr lang="en-US" altLang="en-US"/>
+              <a:t>5.12</a:t>
+            </a:r>
+          </a:p>
+        </p:txBody>
+      </p:sp>
+      <p:sp>
+        <p:nvSpPr>
+          <p:cNvPr id="86019" name="Subtitle 2">
+            <a:extLst>
+              <a:ext uri="{FF2B5EF4-FFF2-40B4-BE49-F238E27FC236}">
+                <a16:creationId xmlns:a16="http://schemas.microsoft.com/office/drawing/2014/main" id="{9C5B6B49-2DCD-211D-86C6-EAE54F74B981}"/>
+              </a:ext>
+            </a:extLst>
+          </p:cNvPr>
+          <p:cNvSpPr>
+            <a:spLocks noGrp="1" noChangeArrowheads="1"/>
+          </p:cNvSpPr>
+          <p:nvPr>
+            <p:ph type="subTitle" idx="1"/>
+          </p:nvPr>
+        </p:nvSpPr>
+        <p:spPr/>
+        <p:txBody>
+          <a:bodyPr/>
+          <a:lstStyle/>
+          <a:p>
+            <a:r>
+              <a:rPr lang="en-US" altLang="en-US"/>
+              <a:t>Breaking and Continuing a Loop</a:t>
+            </a:r>
+          </a:p>
+        </p:txBody>
+      </p:sp>
     </p:spTree>
   </p:cSld>
   <p:clrMapOvr>
@@ -14032,10 +13941,10 @@
       </p:grpSpPr>
       <p:sp>
         <p:nvSpPr>
-          <p:cNvPr id="70658" name="Title 1">
+          <p:cNvPr id="87042" name="Title 1">
             <a:extLst>
               <a:ext uri="{FF2B5EF4-FFF2-40B4-BE49-F238E27FC236}">
-                <a16:creationId xmlns:a16="http://schemas.microsoft.com/office/drawing/2014/main" id="{58D91A3B-2267-CCB0-399B-F7EAF403DF48}"/>
+                <a16:creationId xmlns:a16="http://schemas.microsoft.com/office/drawing/2014/main" id="{159B267F-9833-D952-25F2-FA86B7647C37}"/>
               </a:ext>
             </a:extLst>
           </p:cNvPr>
@@ -14053,17 +13962,17 @@
           <a:p>
             <a:r>
               <a:rPr lang="en-US" altLang="en-US"/>
-              <a:t>Nested Loops - Notes</a:t>
-            </a:r>
-          </a:p>
-        </p:txBody>
-      </p:sp>
-      <p:sp>
-        <p:nvSpPr>
-          <p:cNvPr id="70659" name="Content Placeholder 2">
+              <a:t>Breaking Out of a Loop</a:t>
+            </a:r>
+          </a:p>
+        </p:txBody>
+      </p:sp>
+      <p:sp>
+        <p:nvSpPr>
+          <p:cNvPr id="87043" name="Content Placeholder 2">
             <a:extLst>
               <a:ext uri="{FF2B5EF4-FFF2-40B4-BE49-F238E27FC236}">
-                <a16:creationId xmlns:a16="http://schemas.microsoft.com/office/drawing/2014/main" id="{B587A274-65E4-3896-A202-FD714058A288}"/>
+                <a16:creationId xmlns:a16="http://schemas.microsoft.com/office/drawing/2014/main" id="{B6E1D0ED-9FDF-B0DE-CEEB-A23B2B3A4654}"/>
               </a:ext>
             </a:extLst>
           </p:cNvPr>
@@ -14079,58 +13988,43 @@
           <a:bodyPr/>
           <a:lstStyle/>
           <a:p>
-            <a:pPr>
-              <a:lnSpc>
-                <a:spcPct val="90000"/>
-              </a:lnSpc>
-              <a:buFontTx/>
-              <a:buChar char="•"/>
-            </a:pPr>
-            <a:r>
-              <a:rPr lang="en-US" altLang="en-US"/>
-              <a:t>Inner loop goes through all repetitions for each repetition of outer loop</a:t>
+            <a:r>
+              <a:rPr lang="en-US" altLang="en-US" dirty="0"/>
+              <a:t>Can use </a:t>
+            </a:r>
+            <a:r>
+              <a:rPr lang="en-US" altLang="en-US" dirty="0">
+                <a:latin typeface="Courier New" panose="02070309020205020404" pitchFamily="49" charset="0"/>
+              </a:rPr>
+              <a:t>break</a:t>
+            </a:r>
+            <a:r>
+              <a:rPr lang="en-US" altLang="en-US" dirty="0"/>
+              <a:t> to terminate execution of a loop</a:t>
             </a:r>
             <a:br>
-              <a:rPr lang="en-US" altLang="en-US"/>
+              <a:rPr lang="en-US" altLang="en-US" dirty="0"/>
             </a:br>
-            <a:endParaRPr lang="en-US" altLang="en-US"/>
-          </a:p>
-          <a:p>
-            <a:pPr>
-              <a:lnSpc>
-                <a:spcPct val="90000"/>
-              </a:lnSpc>
-              <a:buFontTx/>
-              <a:buChar char="•"/>
-            </a:pPr>
-            <a:r>
-              <a:rPr lang="en-US" altLang="en-US"/>
-              <a:t>Inner loop repetitions complete sooner than outer loop</a:t>
+            <a:endParaRPr lang="en-US" altLang="en-US" dirty="0"/>
+          </a:p>
+          <a:p>
+            <a:r>
+              <a:rPr lang="en-US" altLang="en-US" dirty="0"/>
+              <a:t>Use sparingly if at all – makes code harder to understand and debug</a:t>
             </a:r>
             <a:br>
-              <a:rPr lang="en-US" altLang="en-US"/>
+              <a:rPr lang="en-US" altLang="en-US" dirty="0"/>
             </a:br>
-            <a:endParaRPr lang="en-US" altLang="en-US"/>
-          </a:p>
-          <a:p>
-            <a:pPr>
-              <a:lnSpc>
-                <a:spcPct val="90000"/>
-              </a:lnSpc>
-              <a:buFontTx/>
-              <a:buChar char="•"/>
-            </a:pPr>
-            <a:r>
-              <a:rPr lang="en-US" altLang="en-US"/>
-              <a:t>Total number of repetitions for inner loop is product of number of repetitions of the two loops.  </a:t>
-            </a:r>
-          </a:p>
-          <a:p>
-            <a:pPr>
-              <a:buFontTx/>
-              <a:buChar char="•"/>
-            </a:pPr>
-            <a:endParaRPr lang="en-US" altLang="en-US"/>
+            <a:endParaRPr lang="en-US" altLang="en-US" dirty="0"/>
+          </a:p>
+          <a:p>
+            <a:r>
+              <a:rPr lang="en-US" altLang="en-US" dirty="0"/>
+              <a:t>When used in an inner loop, terminates that loop only and goes back to outer loop</a:t>
+            </a:r>
+          </a:p>
+          <a:p>
+            <a:endParaRPr lang="en-US" altLang="en-US" dirty="0"/>
           </a:p>
         </p:txBody>
       </p:sp>
@@ -14161,10 +14055,10 @@
       </p:grpSpPr>
       <p:sp>
         <p:nvSpPr>
-          <p:cNvPr id="71682" name="Title 1">
+          <p:cNvPr id="88066" name="Title 1">
             <a:extLst>
               <a:ext uri="{FF2B5EF4-FFF2-40B4-BE49-F238E27FC236}">
-                <a16:creationId xmlns:a16="http://schemas.microsoft.com/office/drawing/2014/main" id="{C8E33B06-789C-91F2-9BFE-99104C984ADC}"/>
+                <a16:creationId xmlns:a16="http://schemas.microsoft.com/office/drawing/2014/main" id="{FF119535-E1B7-433A-B800-228A27C24CE3}"/>
               </a:ext>
             </a:extLst>
           </p:cNvPr>
@@ -14172,7 +14066,7 @@
             <a:spLocks noGrp="1" noChangeArrowheads="1"/>
           </p:cNvSpPr>
           <p:nvPr>
-            <p:ph type="ctrTitle"/>
+            <p:ph type="title"/>
           </p:nvPr>
         </p:nvSpPr>
         <p:spPr/>
@@ -14182,17 +14076,28 @@
           <a:p>
             <a:r>
               <a:rPr lang="en-US" altLang="en-US"/>
-              <a:t>5.11</a:t>
-            </a:r>
-          </a:p>
-        </p:txBody>
-      </p:sp>
-      <p:sp>
-        <p:nvSpPr>
-          <p:cNvPr id="71683" name="Subtitle 2">
+              <a:t>The </a:t>
+            </a:r>
+            <a:r>
+              <a:rPr lang="en-US" altLang="en-US">
+                <a:latin typeface="Courier New" panose="02070309020205020404" pitchFamily="49" charset="0"/>
+                <a:cs typeface="Courier New" panose="02070309020205020404" pitchFamily="49" charset="0"/>
+              </a:rPr>
+              <a:t>continue</a:t>
+            </a:r>
+            <a:r>
+              <a:rPr lang="en-US" altLang="en-US"/>
+              <a:t> Statement</a:t>
+            </a:r>
+          </a:p>
+        </p:txBody>
+      </p:sp>
+      <p:sp>
+        <p:nvSpPr>
+          <p:cNvPr id="88067" name="Content Placeholder 2">
             <a:extLst>
               <a:ext uri="{FF2B5EF4-FFF2-40B4-BE49-F238E27FC236}">
-                <a16:creationId xmlns:a16="http://schemas.microsoft.com/office/drawing/2014/main" id="{45587BCE-3334-D599-2230-8F8905BF9854}"/>
+                <a16:creationId xmlns:a16="http://schemas.microsoft.com/office/drawing/2014/main" id="{049E8D20-79D1-8EB5-B49E-197B9FA7FC28}"/>
               </a:ext>
             </a:extLst>
           </p:cNvPr>
@@ -14200,7 +14105,7 @@
             <a:spLocks noGrp="1" noChangeArrowheads="1"/>
           </p:cNvSpPr>
           <p:nvPr>
-            <p:ph type="subTitle" idx="1"/>
+            <p:ph idx="1"/>
           </p:nvPr>
         </p:nvSpPr>
         <p:spPr/>
@@ -14209,9 +14114,82 @@
           <a:lstStyle/>
           <a:p>
             <a:r>
-              <a:rPr lang="en-US" altLang="en-US"/>
-              <a:t>Using Files for Data Storage</a:t>
-            </a:r>
+              <a:rPr lang="en-US" altLang="en-US" dirty="0"/>
+              <a:t>Can use </a:t>
+            </a:r>
+            <a:r>
+              <a:rPr lang="en-US" altLang="en-US" dirty="0">
+                <a:latin typeface="Courier New" panose="02070309020205020404" pitchFamily="49" charset="0"/>
+              </a:rPr>
+              <a:t>continue</a:t>
+            </a:r>
+            <a:r>
+              <a:rPr lang="en-US" altLang="en-US" dirty="0"/>
+              <a:t> to go to end of loop and prepare for next repetition</a:t>
+            </a:r>
+          </a:p>
+          <a:p>
+            <a:pPr lvl="1"/>
+            <a:r>
+              <a:rPr lang="en-US" altLang="en-US" dirty="0"/>
+              <a:t> </a:t>
+            </a:r>
+            <a:r>
+              <a:rPr lang="en-US" altLang="en-US" dirty="0">
+                <a:latin typeface="Courier New" panose="02070309020205020404" pitchFamily="49" charset="0"/>
+              </a:rPr>
+              <a:t>while</a:t>
+            </a:r>
+            <a:r>
+              <a:rPr lang="en-US" altLang="en-US" dirty="0"/>
+              <a:t>, </a:t>
+            </a:r>
+            <a:r>
+              <a:rPr lang="en-US" altLang="en-US" dirty="0">
+                <a:latin typeface="Courier New" panose="02070309020205020404" pitchFamily="49" charset="0"/>
+              </a:rPr>
+              <a:t>do-while</a:t>
+            </a:r>
+            <a:r>
+              <a:rPr lang="en-US" altLang="en-US" dirty="0"/>
+              <a:t> loops: go to test, repeat loop if test passes</a:t>
+            </a:r>
+          </a:p>
+          <a:p>
+            <a:pPr lvl="1"/>
+            <a:r>
+              <a:rPr lang="en-US" altLang="en-US" dirty="0"/>
+              <a:t> </a:t>
+            </a:r>
+            <a:r>
+              <a:rPr lang="en-US" altLang="en-US" dirty="0">
+                <a:latin typeface="Courier New" panose="02070309020205020404" pitchFamily="49" charset="0"/>
+              </a:rPr>
+              <a:t>for</a:t>
+            </a:r>
+            <a:r>
+              <a:rPr lang="en-US" altLang="en-US" dirty="0"/>
+              <a:t> loop: perform update step, then test, then repeat loop if test passes</a:t>
+            </a:r>
+          </a:p>
+          <a:p>
+            <a:r>
+              <a:rPr lang="en-US" altLang="en-US" dirty="0"/>
+              <a:t>Use sparingly – like </a:t>
+            </a:r>
+            <a:r>
+              <a:rPr lang="en-US" altLang="en-US" dirty="0">
+                <a:latin typeface="Courier New" panose="02070309020205020404" pitchFamily="49" charset="0"/>
+              </a:rPr>
+              <a:t>break</a:t>
+            </a:r>
+            <a:r>
+              <a:rPr lang="en-US" altLang="en-US" dirty="0"/>
+              <a:t>, can make program logic hard to follow</a:t>
+            </a:r>
+          </a:p>
+          <a:p>
+            <a:endParaRPr lang="en-US" altLang="en-US" dirty="0"/>
           </a:p>
         </p:txBody>
       </p:sp>
@@ -14637,10 +14615,10 @@
       </p:grpSpPr>
       <p:sp>
         <p:nvSpPr>
-          <p:cNvPr id="72706" name="Title 1">
+          <p:cNvPr id="71682" name="Title 1">
             <a:extLst>
               <a:ext uri="{FF2B5EF4-FFF2-40B4-BE49-F238E27FC236}">
-                <a16:creationId xmlns:a16="http://schemas.microsoft.com/office/drawing/2014/main" id="{70E27531-B4C6-6FB3-B21F-FF78BD1DD76D}"/>
+                <a16:creationId xmlns:a16="http://schemas.microsoft.com/office/drawing/2014/main" id="{C8E33B06-789C-91F2-9BFE-99104C984ADC}"/>
               </a:ext>
             </a:extLst>
           </p:cNvPr>
@@ -14648,7 +14626,7 @@
             <a:spLocks noGrp="1" noChangeArrowheads="1"/>
           </p:cNvSpPr>
           <p:nvPr>
-            <p:ph type="title"/>
+            <p:ph type="ctrTitle"/>
           </p:nvPr>
         </p:nvSpPr>
         <p:spPr/>
@@ -14658,17 +14636,17 @@
           <a:p>
             <a:r>
               <a:rPr lang="en-US" altLang="en-US"/>
-              <a:t>Using Files for Data Storage</a:t>
-            </a:r>
-          </a:p>
-        </p:txBody>
-      </p:sp>
-      <p:sp>
-        <p:nvSpPr>
-          <p:cNvPr id="72707" name="Content Placeholder 2">
+              <a:t>5.11</a:t>
+            </a:r>
+          </a:p>
+        </p:txBody>
+      </p:sp>
+      <p:sp>
+        <p:nvSpPr>
+          <p:cNvPr id="71683" name="Subtitle 2">
             <a:extLst>
               <a:ext uri="{FF2B5EF4-FFF2-40B4-BE49-F238E27FC236}">
-                <a16:creationId xmlns:a16="http://schemas.microsoft.com/office/drawing/2014/main" id="{628AC8E3-A454-B760-C963-4D860D5071B4}"/>
+                <a16:creationId xmlns:a16="http://schemas.microsoft.com/office/drawing/2014/main" id="{45587BCE-3334-D599-2230-8F8905BF9854}"/>
               </a:ext>
             </a:extLst>
           </p:cNvPr>
@@ -14676,7 +14654,7 @@
             <a:spLocks noGrp="1" noChangeArrowheads="1"/>
           </p:cNvSpPr>
           <p:nvPr>
-            <p:ph idx="1"/>
+            <p:ph type="subTitle" idx="1"/>
           </p:nvPr>
         </p:nvSpPr>
         <p:spPr/>
@@ -14684,96 +14662,10 @@
           <a:bodyPr/>
           <a:lstStyle/>
           <a:p>
-            <a:pPr>
-              <a:lnSpc>
-                <a:spcPct val="90000"/>
-              </a:lnSpc>
-              <a:buFontTx/>
-              <a:buChar char="•"/>
-            </a:pPr>
             <a:r>
               <a:rPr lang="en-US" altLang="en-US"/>
-              <a:t>Can use files instead of keyboard, monitor screen for program input, output</a:t>
-            </a:r>
-          </a:p>
-          <a:p>
-            <a:pPr>
-              <a:lnSpc>
-                <a:spcPct val="90000"/>
-              </a:lnSpc>
-              <a:buFontTx/>
-              <a:buChar char="•"/>
-            </a:pPr>
-            <a:r>
-              <a:rPr lang="en-US" altLang="en-US"/>
-              <a:t>Allows data to be retained between program runs</a:t>
-            </a:r>
-          </a:p>
-          <a:p>
-            <a:pPr>
-              <a:lnSpc>
-                <a:spcPct val="90000"/>
-              </a:lnSpc>
-              <a:buFontTx/>
-              <a:buChar char="•"/>
-            </a:pPr>
-            <a:r>
-              <a:rPr lang="en-US" altLang="en-US"/>
-              <a:t>Steps:</a:t>
-            </a:r>
-          </a:p>
-          <a:p>
-            <a:pPr lvl="1">
-              <a:lnSpc>
-                <a:spcPct val="90000"/>
-              </a:lnSpc>
-            </a:pPr>
-            <a:r>
-              <a:rPr lang="en-US" altLang="en-US" i="1"/>
-              <a:t>Open</a:t>
-            </a:r>
-            <a:r>
-              <a:rPr lang="en-US" altLang="en-US"/>
-              <a:t> the file</a:t>
-            </a:r>
-          </a:p>
-          <a:p>
-            <a:pPr lvl="1">
-              <a:lnSpc>
-                <a:spcPct val="90000"/>
-              </a:lnSpc>
-            </a:pPr>
-            <a:r>
-              <a:rPr lang="en-US" altLang="en-US" i="1"/>
-              <a:t>Use</a:t>
-            </a:r>
-            <a:r>
-              <a:rPr lang="en-US" altLang="en-US"/>
-              <a:t> the file (read from, write to, or both)</a:t>
-            </a:r>
-          </a:p>
-          <a:p>
-            <a:pPr lvl="1">
-              <a:lnSpc>
-                <a:spcPct val="90000"/>
-              </a:lnSpc>
-            </a:pPr>
-            <a:r>
-              <a:rPr lang="en-US" altLang="en-US" i="1"/>
-              <a:t>Close</a:t>
-            </a:r>
-            <a:r>
-              <a:rPr lang="en-US" altLang="en-US"/>
-              <a:t> the file</a:t>
-            </a:r>
-            <a:endParaRPr lang="en-US" altLang="en-US" i="1"/>
-          </a:p>
-          <a:p>
-            <a:pPr>
-              <a:buFontTx/>
-              <a:buChar char="•"/>
-            </a:pPr>
-            <a:endParaRPr lang="en-US" altLang="en-US"/>
+              <a:t>Using Files for Data Storage</a:t>
+            </a:r>
           </a:p>
         </p:txBody>
       </p:sp>
@@ -14804,10 +14696,10 @@
       </p:grpSpPr>
       <p:sp>
         <p:nvSpPr>
-          <p:cNvPr id="73730" name="Title 1">
+          <p:cNvPr id="72706" name="Title 1">
             <a:extLst>
               <a:ext uri="{FF2B5EF4-FFF2-40B4-BE49-F238E27FC236}">
-                <a16:creationId xmlns:a16="http://schemas.microsoft.com/office/drawing/2014/main" id="{5BD03635-A08B-BFD6-F121-D32B38768C68}"/>
+                <a16:creationId xmlns:a16="http://schemas.microsoft.com/office/drawing/2014/main" id="{70E27531-B4C6-6FB3-B21F-FF78BD1DD76D}"/>
               </a:ext>
             </a:extLst>
           </p:cNvPr>
@@ -14825,17 +14717,17 @@
           <a:p>
             <a:r>
               <a:rPr lang="en-US" altLang="en-US"/>
-              <a:t>Files: What is Needed</a:t>
-            </a:r>
-          </a:p>
-        </p:txBody>
-      </p:sp>
-      <p:sp>
-        <p:nvSpPr>
-          <p:cNvPr id="73731" name="Content Placeholder 2">
+              <a:t>Using Files for Data Storage</a:t>
+            </a:r>
+          </a:p>
+        </p:txBody>
+      </p:sp>
+      <p:sp>
+        <p:nvSpPr>
+          <p:cNvPr id="72707" name="Content Placeholder 2">
             <a:extLst>
               <a:ext uri="{FF2B5EF4-FFF2-40B4-BE49-F238E27FC236}">
-                <a16:creationId xmlns:a16="http://schemas.microsoft.com/office/drawing/2014/main" id="{4D981D50-E43F-9A22-11C3-1E430D2E3D6D}"/>
+                <a16:creationId xmlns:a16="http://schemas.microsoft.com/office/drawing/2014/main" id="{628AC8E3-A454-B760-C963-4D860D5071B4}"/>
               </a:ext>
             </a:extLst>
           </p:cNvPr>
@@ -14851,179 +14743,73 @@
           <a:bodyPr/>
           <a:lstStyle/>
           <a:p>
-            <a:pPr>
-              <a:lnSpc>
-                <a:spcPct val="90000"/>
-              </a:lnSpc>
-              <a:buFontTx/>
-              <a:buChar char="•"/>
-            </a:pPr>
-            <a:r>
-              <a:rPr lang="en-US" altLang="en-US"/>
-              <a:t>Use </a:t>
-            </a:r>
-            <a:r>
-              <a:rPr lang="en-US" altLang="en-US">
-                <a:latin typeface="Courier New" panose="02070309020205020404" pitchFamily="49" charset="0"/>
-              </a:rPr>
-              <a:t>fstream</a:t>
-            </a:r>
-            <a:r>
-              <a:rPr lang="en-US" altLang="en-US"/>
-              <a:t> header file for file access</a:t>
-            </a:r>
-          </a:p>
-          <a:p>
-            <a:pPr>
-              <a:lnSpc>
-                <a:spcPct val="90000"/>
-              </a:lnSpc>
-              <a:buFontTx/>
-              <a:buChar char="•"/>
-            </a:pPr>
-            <a:r>
-              <a:rPr lang="en-US" altLang="en-US"/>
-              <a:t>File stream types:</a:t>
-            </a:r>
-          </a:p>
-          <a:p>
-            <a:pPr lvl="1">
-              <a:lnSpc>
-                <a:spcPct val="90000"/>
-              </a:lnSpc>
-              <a:buClr>
-                <a:srgbClr val="3333CC"/>
-              </a:buClr>
-              <a:buFontTx/>
-              <a:buNone/>
-            </a:pPr>
-            <a:r>
-              <a:rPr lang="en-US" altLang="en-US"/>
-              <a:t>	</a:t>
-            </a:r>
-            <a:r>
-              <a:rPr lang="en-US" altLang="en-US">
-                <a:latin typeface="Courier New" panose="02070309020205020404" pitchFamily="49" charset="0"/>
-              </a:rPr>
-              <a:t>ifstream</a:t>
-            </a:r>
-            <a:r>
-              <a:rPr lang="en-US" altLang="en-US"/>
-              <a:t> for input from a file</a:t>
-            </a:r>
-          </a:p>
-          <a:p>
-            <a:pPr lvl="1">
-              <a:lnSpc>
-                <a:spcPct val="90000"/>
-              </a:lnSpc>
-              <a:buClr>
-                <a:srgbClr val="3333CC"/>
-              </a:buClr>
-              <a:buFontTx/>
-              <a:buNone/>
-            </a:pPr>
-            <a:r>
-              <a:rPr lang="en-US" altLang="en-US"/>
-              <a:t>	</a:t>
-            </a:r>
-            <a:r>
-              <a:rPr lang="en-US" altLang="en-US">
-                <a:latin typeface="Courier New" panose="02070309020205020404" pitchFamily="49" charset="0"/>
-              </a:rPr>
-              <a:t>ofstream</a:t>
-            </a:r>
-            <a:r>
-              <a:rPr lang="en-US" altLang="en-US"/>
-              <a:t> for output to a file</a:t>
-            </a:r>
-          </a:p>
-          <a:p>
-            <a:pPr lvl="1">
-              <a:lnSpc>
-                <a:spcPct val="90000"/>
-              </a:lnSpc>
-              <a:buClr>
-                <a:srgbClr val="3333CC"/>
-              </a:buClr>
-              <a:buFontTx/>
-              <a:buNone/>
-            </a:pPr>
-            <a:r>
-              <a:rPr lang="en-US" altLang="en-US"/>
-              <a:t>	</a:t>
-            </a:r>
-            <a:r>
-              <a:rPr lang="en-US" altLang="en-US">
-                <a:latin typeface="Courier New" panose="02070309020205020404" pitchFamily="49" charset="0"/>
-              </a:rPr>
-              <a:t>fstream</a:t>
-            </a:r>
-            <a:r>
-              <a:rPr lang="en-US" altLang="en-US"/>
-              <a:t> for input from or output to a file</a:t>
-            </a:r>
-          </a:p>
-          <a:p>
-            <a:pPr>
-              <a:lnSpc>
-                <a:spcPct val="90000"/>
-              </a:lnSpc>
-              <a:buFontTx/>
-              <a:buChar char="•"/>
-            </a:pPr>
-            <a:r>
-              <a:rPr lang="en-US" altLang="en-US"/>
-              <a:t>Define file stream objects:</a:t>
-            </a:r>
-          </a:p>
-          <a:p>
-            <a:pPr lvl="1">
-              <a:lnSpc>
-                <a:spcPct val="90000"/>
-              </a:lnSpc>
-              <a:buClr>
-                <a:srgbClr val="3333CC"/>
-              </a:buClr>
-              <a:buFontTx/>
-              <a:buNone/>
-            </a:pPr>
-            <a:r>
-              <a:rPr lang="en-US" altLang="en-US"/>
-              <a:t>	</a:t>
-            </a:r>
-            <a:r>
-              <a:rPr lang="en-US" altLang="en-US">
-                <a:latin typeface="Courier New" panose="02070309020205020404" pitchFamily="49" charset="0"/>
-              </a:rPr>
-              <a:t>ifstream infile;</a:t>
-            </a:r>
-          </a:p>
-          <a:p>
-            <a:pPr lvl="1">
-              <a:lnSpc>
-                <a:spcPct val="90000"/>
-              </a:lnSpc>
-              <a:buClr>
-                <a:srgbClr val="3333CC"/>
-              </a:buClr>
-              <a:buFontTx/>
-              <a:buNone/>
-            </a:pPr>
-            <a:r>
-              <a:rPr lang="en-US" altLang="en-US">
-                <a:latin typeface="Courier New" panose="02070309020205020404" pitchFamily="49" charset="0"/>
-              </a:rPr>
-              <a:t>	ofstream outfile;</a:t>
-            </a:r>
-            <a:endParaRPr lang="en-US" altLang="en-US"/>
-          </a:p>
-          <a:p>
-            <a:pPr>
-              <a:buFontTx/>
-              <a:buChar char="•"/>
-            </a:pPr>
-            <a:endParaRPr lang="en-US" altLang="en-US"/>
+            <a:r>
+              <a:rPr lang="en-US" altLang="en-US" dirty="0"/>
+              <a:t>Can use files instead of keyboard, monitor screen for program input, output</a:t>
+            </a:r>
+          </a:p>
+          <a:p>
+            <a:r>
+              <a:rPr lang="en-US" altLang="en-US" dirty="0"/>
+              <a:t>Allows data to be retained between program runs</a:t>
+            </a:r>
+          </a:p>
+          <a:p>
+            <a:r>
+              <a:rPr lang="en-US" altLang="en-US" dirty="0"/>
+              <a:t>Steps:</a:t>
+            </a:r>
+          </a:p>
+          <a:p>
+            <a:pPr lvl="1"/>
+            <a:r>
+              <a:rPr lang="en-US" altLang="en-US" i="1" dirty="0"/>
+              <a:t>Open</a:t>
+            </a:r>
+            <a:r>
+              <a:rPr lang="en-US" altLang="en-US" dirty="0"/>
+              <a:t> the file</a:t>
+            </a:r>
+          </a:p>
+          <a:p>
+            <a:pPr lvl="1"/>
+            <a:r>
+              <a:rPr lang="en-US" altLang="en-US" i="1" dirty="0"/>
+              <a:t>Use</a:t>
+            </a:r>
+            <a:r>
+              <a:rPr lang="en-US" altLang="en-US" dirty="0"/>
+              <a:t> the file (read from, write to, or both)</a:t>
+            </a:r>
+          </a:p>
+          <a:p>
+            <a:pPr lvl="2"/>
+            <a:r>
+              <a:rPr lang="en-US" altLang="en-US" dirty="0"/>
+              <a:t>read: retrieve data	input file</a:t>
+            </a:r>
+          </a:p>
+          <a:p>
+            <a:pPr lvl="2"/>
+            <a:r>
+              <a:rPr lang="en-US" altLang="en-US" dirty="0"/>
+              <a:t>write: save data		output file</a:t>
+            </a:r>
+          </a:p>
+          <a:p>
+            <a:pPr lvl="1"/>
+            <a:r>
+              <a:rPr lang="en-US" altLang="en-US" i="1" dirty="0"/>
+              <a:t>Close</a:t>
+            </a:r>
+            <a:r>
+              <a:rPr lang="en-US" altLang="en-US" dirty="0"/>
+              <a:t> the file</a:t>
+            </a:r>
+            <a:endParaRPr lang="en-US" altLang="en-US" i="1" dirty="0"/>
+          </a:p>
+          <a:p>
+            <a:endParaRPr lang="en-US" altLang="en-US" dirty="0"/>
           </a:p>
         </p:txBody>
       </p:sp>
@@ -15054,15 +14840,15 @@
       </p:grpSpPr>
       <p:sp>
         <p:nvSpPr>
-          <p:cNvPr id="74754" name="Title 1">
+          <p:cNvPr id="2" name="Title 1">
             <a:extLst>
               <a:ext uri="{FF2B5EF4-FFF2-40B4-BE49-F238E27FC236}">
-                <a16:creationId xmlns:a16="http://schemas.microsoft.com/office/drawing/2014/main" id="{4CC516A6-A0BB-6AB7-A099-2E6FE145158B}"/>
+                <a16:creationId xmlns:a16="http://schemas.microsoft.com/office/drawing/2014/main" id="{B03637DE-EDAA-49AF-2DDB-9EDACF97F478}"/>
               </a:ext>
             </a:extLst>
           </p:cNvPr>
           <p:cNvSpPr>
-            <a:spLocks noGrp="1" noChangeArrowheads="1"/>
+            <a:spLocks noGrp="1"/>
           </p:cNvSpPr>
           <p:nvPr>
             <p:ph type="title"/>
@@ -15074,23 +14860,23 @@
           <a:lstStyle/>
           <a:p>
             <a:r>
-              <a:rPr lang="en-US" altLang="en-US"/>
-              <a:t>Opening Files</a:t>
-            </a:r>
-          </a:p>
-        </p:txBody>
-      </p:sp>
-      <p:sp>
-        <p:nvSpPr>
-          <p:cNvPr id="74755" name="Content Placeholder 2">
+              <a:rPr lang="en-US" dirty="0"/>
+              <a:t>Basic file types</a:t>
+            </a:r>
+          </a:p>
+        </p:txBody>
+      </p:sp>
+      <p:sp>
+        <p:nvSpPr>
+          <p:cNvPr id="3" name="Content Placeholder 2">
             <a:extLst>
               <a:ext uri="{FF2B5EF4-FFF2-40B4-BE49-F238E27FC236}">
-                <a16:creationId xmlns:a16="http://schemas.microsoft.com/office/drawing/2014/main" id="{AF6371CB-5D0F-DB78-C5AF-B3C49D2490D9}"/>
+                <a16:creationId xmlns:a16="http://schemas.microsoft.com/office/drawing/2014/main" id="{1761DCE3-5A68-8BDF-9644-87F3CBF67F08}"/>
               </a:ext>
             </a:extLst>
           </p:cNvPr>
           <p:cNvSpPr>
-            <a:spLocks noGrp="1" noChangeArrowheads="1"/>
+            <a:spLocks noGrp="1"/>
           </p:cNvSpPr>
           <p:nvPr>
             <p:ph idx="1"/>
@@ -15101,133 +14887,69 @@
           <a:bodyPr/>
           <a:lstStyle/>
           <a:p>
-            <a:pPr>
-              <a:lnSpc>
-                <a:spcPct val="90000"/>
-              </a:lnSpc>
-              <a:buFontTx/>
-              <a:buChar char="•"/>
+            <a:r>
+              <a:rPr lang="en-US" dirty="0"/>
+              <a:t>There are two basic types of files</a:t>
+            </a:r>
+          </a:p>
+          <a:p>
+            <a:pPr marL="544068" lvl="1" indent="-342900">
+              <a:buFont typeface="+mj-lt"/>
+              <a:buAutoNum type="arabicPeriod"/>
             </a:pPr>
             <a:r>
-              <a:rPr lang="en-US" altLang="en-US" sz="2400"/>
-              <a:t>Create a link between file name (outside the program) and file stream object (inside the program)</a:t>
-            </a:r>
-          </a:p>
-          <a:p>
-            <a:pPr>
-              <a:lnSpc>
-                <a:spcPct val="90000"/>
-              </a:lnSpc>
-              <a:buFontTx/>
-              <a:buChar char="•"/>
+              <a:rPr lang="en-US" dirty="0"/>
+              <a:t>Text files</a:t>
+            </a:r>
+          </a:p>
+          <a:p>
+            <a:pPr lvl="2"/>
+            <a:r>
+              <a:rPr lang="en-US" dirty="0"/>
+              <a:t>Data is saved using ASCII or Unicode </a:t>
+            </a:r>
+          </a:p>
+          <a:p>
+            <a:pPr marL="544068" lvl="1" indent="-342900">
+              <a:buFont typeface="+mj-lt"/>
+              <a:buAutoNum type="arabicPeriod"/>
             </a:pPr>
             <a:r>
-              <a:rPr lang="en-US" altLang="en-US" sz="2400"/>
-              <a:t>Use the </a:t>
-            </a:r>
-            <a:r>
-              <a:rPr lang="en-US" altLang="en-US" sz="2400">
-                <a:latin typeface="Courier New" panose="02070309020205020404" pitchFamily="49" charset="0"/>
-              </a:rPr>
-              <a:t>open</a:t>
-            </a:r>
-            <a:r>
-              <a:rPr lang="en-US" altLang="en-US" sz="2400"/>
-              <a:t> member function:</a:t>
-            </a:r>
-            <a:endParaRPr lang="en-US" altLang="en-US" sz="2400">
-              <a:latin typeface="Courier New" panose="02070309020205020404" pitchFamily="49" charset="0"/>
-            </a:endParaRPr>
-          </a:p>
-          <a:p>
-            <a:pPr lvl="1">
-              <a:lnSpc>
-                <a:spcPct val="90000"/>
-              </a:lnSpc>
-              <a:buFontTx/>
-              <a:buNone/>
-            </a:pPr>
-            <a:r>
-              <a:rPr lang="en-US" altLang="en-US" sz="2000">
-                <a:latin typeface="Courier New" panose="02070309020205020404" pitchFamily="49" charset="0"/>
-              </a:rPr>
-              <a:t>	infile.open("inventory.dat");</a:t>
-            </a:r>
-          </a:p>
-          <a:p>
-            <a:pPr lvl="1">
-              <a:lnSpc>
-                <a:spcPct val="90000"/>
-              </a:lnSpc>
-              <a:buFontTx/>
-              <a:buNone/>
-            </a:pPr>
-            <a:r>
-              <a:rPr lang="en-US" altLang="en-US" sz="2000">
-                <a:latin typeface="Courier New" panose="02070309020205020404" pitchFamily="49" charset="0"/>
-              </a:rPr>
-              <a:t>	outfile.open("report.txt");</a:t>
-            </a:r>
-          </a:p>
-          <a:p>
-            <a:pPr>
-              <a:lnSpc>
-                <a:spcPct val="90000"/>
-              </a:lnSpc>
-              <a:buFontTx/>
-              <a:buChar char="•"/>
-            </a:pPr>
-            <a:r>
-              <a:rPr lang="en-US" altLang="en-US" sz="2400"/>
-              <a:t>Filename may include drive, path info.</a:t>
-            </a:r>
-          </a:p>
-          <a:p>
-            <a:pPr>
-              <a:lnSpc>
-                <a:spcPct val="90000"/>
-              </a:lnSpc>
-              <a:buFontTx/>
-              <a:buChar char="•"/>
-            </a:pPr>
-            <a:r>
-              <a:rPr lang="en-US" altLang="en-US" sz="2400"/>
-              <a:t>Output file will be created if necessary; existing file will be erased first</a:t>
-            </a:r>
-          </a:p>
-          <a:p>
-            <a:pPr>
-              <a:lnSpc>
-                <a:spcPct val="90000"/>
-              </a:lnSpc>
-              <a:buFontTx/>
-              <a:buChar char="•"/>
-            </a:pPr>
-            <a:r>
-              <a:rPr lang="en-US" altLang="en-US" sz="2400"/>
-              <a:t>Input file must exist for </a:t>
-            </a:r>
-            <a:r>
-              <a:rPr lang="en-US" altLang="en-US" sz="2400">
-                <a:latin typeface="Courier New" panose="02070309020205020404" pitchFamily="49" charset="0"/>
-              </a:rPr>
-              <a:t>open</a:t>
-            </a:r>
-            <a:r>
-              <a:rPr lang="en-US" altLang="en-US" sz="2400"/>
-              <a:t> to work</a:t>
-            </a:r>
-          </a:p>
-          <a:p>
-            <a:pPr>
-              <a:buFontTx/>
-              <a:buChar char="•"/>
-            </a:pPr>
-            <a:endParaRPr lang="en-US" altLang="en-US"/>
+              <a:rPr lang="en-US" dirty="0"/>
+              <a:t>Binary files</a:t>
+            </a:r>
+          </a:p>
+          <a:p>
+            <a:pPr lvl="2"/>
+            <a:r>
+              <a:rPr lang="en-US" dirty="0"/>
+              <a:t>Computer Language</a:t>
+            </a:r>
+          </a:p>
+          <a:p>
+            <a:pPr lvl="2"/>
+            <a:endParaRPr lang="en-US" dirty="0"/>
+          </a:p>
+          <a:p>
+            <a:r>
+              <a:rPr lang="en-US" dirty="0"/>
+              <a:t>In this course, we work with text files.</a:t>
+            </a:r>
+          </a:p>
+          <a:p>
+            <a:r>
+              <a:rPr lang="en-US" dirty="0"/>
+              <a:t>Binary files are addressed in Chapter 12.</a:t>
+            </a:r>
           </a:p>
         </p:txBody>
       </p:sp>
     </p:spTree>
+    <p:extLst>
+      <p:ext uri="{BB962C8B-B14F-4D97-AF65-F5344CB8AC3E}">
+        <p14:creationId xmlns:p14="http://schemas.microsoft.com/office/powerpoint/2010/main" val="1152403536"/>
+      </p:ext>
+    </p:extLst>
   </p:cSld>
   <p:clrMapOvr>
     <a:masterClrMapping/>
@@ -15254,10 +14976,10 @@
       </p:grpSpPr>
       <p:sp>
         <p:nvSpPr>
-          <p:cNvPr id="75778" name="Title 1">
+          <p:cNvPr id="73730" name="Title 1">
             <a:extLst>
               <a:ext uri="{FF2B5EF4-FFF2-40B4-BE49-F238E27FC236}">
-                <a16:creationId xmlns:a16="http://schemas.microsoft.com/office/drawing/2014/main" id="{B11BCF92-07E5-A964-EF7D-62FA77FB309A}"/>
+                <a16:creationId xmlns:a16="http://schemas.microsoft.com/office/drawing/2014/main" id="{5BD03635-A08B-BFD6-F121-D32B38768C68}"/>
               </a:ext>
             </a:extLst>
           </p:cNvPr>
@@ -15275,17 +14997,17 @@
           <a:p>
             <a:r>
               <a:rPr lang="en-US" altLang="en-US"/>
-              <a:t>Testing for File Open Errors</a:t>
-            </a:r>
-          </a:p>
-        </p:txBody>
-      </p:sp>
-      <p:sp>
-        <p:nvSpPr>
-          <p:cNvPr id="75779" name="Content Placeholder 2">
+              <a:t>Files: What is Needed</a:t>
+            </a:r>
+          </a:p>
+        </p:txBody>
+      </p:sp>
+      <p:sp>
+        <p:nvSpPr>
+          <p:cNvPr id="73731" name="Content Placeholder 2">
             <a:extLst>
               <a:ext uri="{FF2B5EF4-FFF2-40B4-BE49-F238E27FC236}">
-                <a16:creationId xmlns:a16="http://schemas.microsoft.com/office/drawing/2014/main" id="{D3ADCA0F-594A-0D24-5EB1-B9C7163CE377}"/>
+                <a16:creationId xmlns:a16="http://schemas.microsoft.com/office/drawing/2014/main" id="{4D981D50-E43F-9A22-11C3-1E430D2E3D6D}"/>
               </a:ext>
             </a:extLst>
           </p:cNvPr>
@@ -15301,126 +15023,176 @@
           <a:bodyPr/>
           <a:lstStyle/>
           <a:p>
-            <a:pPr>
-              <a:lnSpc>
-                <a:spcPct val="90000"/>
-              </a:lnSpc>
-              <a:buFontTx/>
-              <a:buChar char="•"/>
-            </a:pPr>
-            <a:r>
-              <a:rPr lang="en-US" altLang="en-US" sz="2800"/>
-              <a:t>Can test a file stream object to detect if an open operation failed:</a:t>
-            </a:r>
-          </a:p>
-          <a:p>
-            <a:pPr lvl="1">
-              <a:lnSpc>
-                <a:spcPct val="90000"/>
-              </a:lnSpc>
-              <a:buFontTx/>
+            <a:r>
+              <a:rPr lang="en-US" altLang="en-US" dirty="0"/>
+              <a:t>Use </a:t>
+            </a:r>
+            <a:r>
+              <a:rPr lang="en-US" altLang="en-US" dirty="0" err="1">
+                <a:latin typeface="Courier New" panose="02070309020205020404" pitchFamily="49" charset="0"/>
+              </a:rPr>
+              <a:t>fstream</a:t>
+            </a:r>
+            <a:r>
+              <a:rPr lang="en-US" altLang="en-US" dirty="0"/>
+              <a:t> header file for file access</a:t>
+            </a:r>
+          </a:p>
+          <a:p>
+            <a:r>
+              <a:rPr lang="en-US" altLang="en-US" dirty="0"/>
+              <a:t>File stream types:</a:t>
+            </a:r>
+          </a:p>
+          <a:p>
+            <a:pPr marL="201168" lvl="1" indent="0">
+              <a:buClr>
+                <a:srgbClr val="3333CC"/>
+              </a:buClr>
               <a:buNone/>
             </a:pPr>
             <a:r>
-              <a:rPr lang="en-US" altLang="en-US" sz="2400"/>
+              <a:rPr lang="en-US" altLang="en-US" dirty="0"/>
               <a:t>	</a:t>
             </a:r>
             <a:r>
-              <a:rPr lang="en-US" altLang="en-US" sz="2400">
-                <a:latin typeface="Courier New" panose="02070309020205020404" pitchFamily="49" charset="0"/>
-              </a:rPr>
-              <a:t>infile.open("test.txt");</a:t>
-            </a:r>
-          </a:p>
-          <a:p>
-            <a:pPr lvl="1">
-              <a:lnSpc>
-                <a:spcPct val="90000"/>
-              </a:lnSpc>
-              <a:buFontTx/>
+              <a:rPr lang="en-US" altLang="en-US" dirty="0" err="1">
+                <a:latin typeface="Courier New" panose="02070309020205020404" pitchFamily="49" charset="0"/>
+              </a:rPr>
+              <a:t>ifstream</a:t>
+            </a:r>
+            <a:r>
+              <a:rPr lang="en-US" altLang="en-US" dirty="0"/>
+              <a:t> for input from a file</a:t>
+            </a:r>
+          </a:p>
+          <a:p>
+            <a:pPr marL="201168" lvl="1" indent="0">
+              <a:buClr>
+                <a:srgbClr val="3333CC"/>
+              </a:buClr>
               <a:buNone/>
             </a:pPr>
             <a:r>
-              <a:rPr lang="en-US" altLang="en-US" sz="2400">
-                <a:latin typeface="Courier New" panose="02070309020205020404" pitchFamily="49" charset="0"/>
-              </a:rPr>
-              <a:t>	if (!infile)</a:t>
-            </a:r>
-          </a:p>
-          <a:p>
-            <a:pPr lvl="1">
-              <a:lnSpc>
-                <a:spcPct val="90000"/>
-              </a:lnSpc>
-              <a:buFontTx/>
+              <a:rPr lang="en-US" altLang="en-US" dirty="0"/>
+              <a:t>	</a:t>
+            </a:r>
+            <a:r>
+              <a:rPr lang="en-US" altLang="en-US" dirty="0" err="1">
+                <a:latin typeface="Courier New" panose="02070309020205020404" pitchFamily="49" charset="0"/>
+              </a:rPr>
+              <a:t>ofstream</a:t>
+            </a:r>
+            <a:r>
+              <a:rPr lang="en-US" altLang="en-US" dirty="0"/>
+              <a:t> for output to a file</a:t>
+            </a:r>
+          </a:p>
+          <a:p>
+            <a:pPr marL="201168" lvl="1" indent="0">
+              <a:buClr>
+                <a:srgbClr val="3333CC"/>
+              </a:buClr>
               <a:buNone/>
             </a:pPr>
             <a:r>
-              <a:rPr lang="en-US" altLang="en-US" sz="2400">
-                <a:latin typeface="Courier New" panose="02070309020205020404" pitchFamily="49" charset="0"/>
-              </a:rPr>
-              <a:t>	{</a:t>
-            </a:r>
-          </a:p>
-          <a:p>
-            <a:pPr lvl="1">
-              <a:lnSpc>
-                <a:spcPct val="90000"/>
-              </a:lnSpc>
-              <a:buFontTx/>
+              <a:rPr lang="en-US" altLang="en-US" dirty="0"/>
+              <a:t>	</a:t>
+            </a:r>
+            <a:r>
+              <a:rPr lang="en-US" altLang="en-US" dirty="0" err="1">
+                <a:latin typeface="Courier New" panose="02070309020205020404" pitchFamily="49" charset="0"/>
+              </a:rPr>
+              <a:t>fstream</a:t>
+            </a:r>
+            <a:r>
+              <a:rPr lang="en-US" altLang="en-US" dirty="0"/>
+              <a:t> for input from or output to a file</a:t>
+            </a:r>
+          </a:p>
+          <a:p>
+            <a:r>
+              <a:rPr lang="en-US" altLang="en-US" dirty="0"/>
+              <a:t>Define file stream objects:</a:t>
+            </a:r>
+          </a:p>
+          <a:p>
+            <a:pPr marL="201168" lvl="1" indent="0">
+              <a:buClr>
+                <a:srgbClr val="3333CC"/>
+              </a:buClr>
               <a:buNone/>
             </a:pPr>
             <a:r>
-              <a:rPr lang="en-US" altLang="en-US" sz="2400">
-                <a:latin typeface="Courier New" panose="02070309020205020404" pitchFamily="49" charset="0"/>
-              </a:rPr>
-              <a:t>		 cout &lt;&lt; "File open failure!";</a:t>
-            </a:r>
-          </a:p>
-          <a:p>
-            <a:pPr lvl="1">
-              <a:lnSpc>
-                <a:spcPct val="90000"/>
-              </a:lnSpc>
-              <a:buFontTx/>
+              <a:rPr lang="en-US" altLang="en-US" dirty="0"/>
+              <a:t>	</a:t>
+            </a:r>
+            <a:r>
+              <a:rPr lang="en-US" altLang="en-US" dirty="0" err="1">
+                <a:latin typeface="Courier New" panose="02070309020205020404" pitchFamily="49" charset="0"/>
+              </a:rPr>
+              <a:t>ifstream</a:t>
+            </a:r>
+            <a:r>
+              <a:rPr lang="en-US" altLang="en-US" dirty="0">
+                <a:latin typeface="Courier New" panose="02070309020205020404" pitchFamily="49" charset="0"/>
+              </a:rPr>
+              <a:t> </a:t>
+            </a:r>
+            <a:r>
+              <a:rPr lang="en-US" altLang="en-US" dirty="0" err="1">
+                <a:latin typeface="Courier New" panose="02070309020205020404" pitchFamily="49" charset="0"/>
+              </a:rPr>
+              <a:t>infile</a:t>
+            </a:r>
+            <a:r>
+              <a:rPr lang="en-US" altLang="en-US" dirty="0">
+                <a:latin typeface="Courier New" panose="02070309020205020404" pitchFamily="49" charset="0"/>
+              </a:rPr>
+              <a:t>;</a:t>
+            </a:r>
+          </a:p>
+          <a:p>
+            <a:pPr marL="201168" lvl="1" indent="0">
+              <a:buClr>
+                <a:srgbClr val="3333CC"/>
+              </a:buClr>
               <a:buNone/>
             </a:pPr>
             <a:r>
-              <a:rPr lang="en-US" altLang="en-US" sz="2400">
-                <a:latin typeface="Courier New" panose="02070309020205020404" pitchFamily="49" charset="0"/>
-              </a:rPr>
-              <a:t>	}</a:t>
-            </a:r>
-          </a:p>
-          <a:p>
-            <a:pPr>
-              <a:lnSpc>
-                <a:spcPct val="90000"/>
-              </a:lnSpc>
-              <a:buFontTx/>
-              <a:buChar char="•"/>
-            </a:pPr>
-            <a:r>
-              <a:rPr lang="en-US" altLang="en-US" sz="2800"/>
-              <a:t>Can also use the </a:t>
-            </a:r>
-            <a:r>
-              <a:rPr lang="en-US" altLang="en-US" sz="2800">
-                <a:latin typeface="Courier New" panose="02070309020205020404" pitchFamily="49" charset="0"/>
-              </a:rPr>
-              <a:t>fail</a:t>
-            </a:r>
-            <a:r>
-              <a:rPr lang="en-US" altLang="en-US" sz="2800"/>
-              <a:t> member function</a:t>
-            </a:r>
-          </a:p>
-          <a:p>
-            <a:pPr>
-              <a:buFontTx/>
-              <a:buChar char="•"/>
-            </a:pPr>
-            <a:endParaRPr lang="en-US" altLang="en-US"/>
+              <a:rPr lang="en-US" altLang="en-US" dirty="0">
+                <a:latin typeface="Courier New" panose="02070309020205020404" pitchFamily="49" charset="0"/>
+              </a:rPr>
+              <a:t>	</a:t>
+            </a:r>
+            <a:r>
+              <a:rPr lang="en-US" altLang="en-US" dirty="0" err="1">
+                <a:latin typeface="Courier New" panose="02070309020205020404" pitchFamily="49" charset="0"/>
+              </a:rPr>
+              <a:t>ofstream</a:t>
+            </a:r>
+            <a:r>
+              <a:rPr lang="en-US" altLang="en-US" dirty="0">
+                <a:latin typeface="Courier New" panose="02070309020205020404" pitchFamily="49" charset="0"/>
+              </a:rPr>
+              <a:t> </a:t>
+            </a:r>
+            <a:r>
+              <a:rPr lang="en-US" altLang="en-US" dirty="0" err="1">
+                <a:latin typeface="Courier New" panose="02070309020205020404" pitchFamily="49" charset="0"/>
+              </a:rPr>
+              <a:t>outfile</a:t>
+            </a:r>
+            <a:r>
+              <a:rPr lang="en-US" altLang="en-US" dirty="0">
+                <a:latin typeface="Courier New" panose="02070309020205020404" pitchFamily="49" charset="0"/>
+              </a:rPr>
+              <a:t>;</a:t>
+            </a:r>
+            <a:endParaRPr lang="en-US" altLang="en-US" dirty="0"/>
+          </a:p>
+          <a:p>
+            <a:endParaRPr lang="en-US" altLang="en-US" dirty="0"/>
           </a:p>
         </p:txBody>
       </p:sp>
@@ -15451,10 +15223,10 @@
       </p:grpSpPr>
       <p:sp>
         <p:nvSpPr>
-          <p:cNvPr id="76802" name="Title 1">
+          <p:cNvPr id="74754" name="Title 1">
             <a:extLst>
               <a:ext uri="{FF2B5EF4-FFF2-40B4-BE49-F238E27FC236}">
-                <a16:creationId xmlns:a16="http://schemas.microsoft.com/office/drawing/2014/main" id="{C8108BB4-5363-7E88-3999-4FF5ED19DA78}"/>
+                <a16:creationId xmlns:a16="http://schemas.microsoft.com/office/drawing/2014/main" id="{4CC516A6-A0BB-6AB7-A099-2E6FE145158B}"/>
               </a:ext>
             </a:extLst>
           </p:cNvPr>
@@ -15471,18 +15243,18 @@
           <a:lstStyle/>
           <a:p>
             <a:r>
-              <a:rPr lang="en-US" altLang="en-US"/>
-              <a:t>Using Files</a:t>
-            </a:r>
-          </a:p>
-        </p:txBody>
-      </p:sp>
-      <p:sp>
-        <p:nvSpPr>
-          <p:cNvPr id="76803" name="Content Placeholder 2">
+              <a:rPr lang="en-US" altLang="en-US" dirty="0"/>
+              <a:t>Opening Files</a:t>
+            </a:r>
+          </a:p>
+        </p:txBody>
+      </p:sp>
+      <p:sp>
+        <p:nvSpPr>
+          <p:cNvPr id="74755" name="Content Placeholder 2">
             <a:extLst>
               <a:ext uri="{FF2B5EF4-FFF2-40B4-BE49-F238E27FC236}">
-                <a16:creationId xmlns:a16="http://schemas.microsoft.com/office/drawing/2014/main" id="{D1AA8BC8-6828-8246-7C4C-B8410F2CAE6F}"/>
+                <a16:creationId xmlns:a16="http://schemas.microsoft.com/office/drawing/2014/main" id="{AF6371CB-5D0F-DB78-C5AF-B3C49D2490D9}"/>
               </a:ext>
             </a:extLst>
           </p:cNvPr>
@@ -15498,102 +15270,106 @@
           <a:bodyPr/>
           <a:lstStyle/>
           <a:p>
-            <a:pPr>
-              <a:buFontTx/>
-              <a:buChar char="•"/>
-            </a:pPr>
-            <a:r>
-              <a:rPr lang="en-US" altLang="en-US"/>
-              <a:t>Can use output file object and </a:t>
-            </a:r>
-            <a:r>
-              <a:rPr lang="en-US" altLang="en-US">
-                <a:latin typeface="Courier New" panose="02070309020205020404" pitchFamily="49" charset="0"/>
-              </a:rPr>
-              <a:t>&lt;&lt;</a:t>
-            </a:r>
-            <a:r>
-              <a:rPr lang="en-US" altLang="en-US"/>
-              <a:t> to send data to a file:</a:t>
-            </a:r>
-          </a:p>
-          <a:p>
-            <a:pPr lvl="1">
-              <a:buFontTx/>
+            <a:r>
+              <a:rPr lang="en-US" altLang="en-US" dirty="0"/>
+              <a:t>Create a link between file name (outside the program) and file stream object (inside the program)</a:t>
+            </a:r>
+          </a:p>
+          <a:p>
+            <a:r>
+              <a:rPr lang="en-US" altLang="en-US" dirty="0"/>
+              <a:t>Use the </a:t>
+            </a:r>
+            <a:r>
+              <a:rPr lang="en-US" altLang="en-US" dirty="0">
+                <a:latin typeface="Courier New" panose="02070309020205020404" pitchFamily="49" charset="0"/>
+              </a:rPr>
+              <a:t>open</a:t>
+            </a:r>
+            <a:r>
+              <a:rPr lang="en-US" altLang="en-US" dirty="0"/>
+              <a:t> member function:</a:t>
+            </a:r>
+            <a:endParaRPr lang="en-US" altLang="en-US" dirty="0">
+              <a:latin typeface="Courier New" panose="02070309020205020404" pitchFamily="49" charset="0"/>
+            </a:endParaRPr>
+          </a:p>
+          <a:p>
+            <a:pPr marL="201168" lvl="1" indent="0">
               <a:buNone/>
             </a:pPr>
             <a:r>
-              <a:rPr lang="en-US" altLang="en-US"/>
+              <a:rPr lang="en-US" altLang="en-US" sz="2000" dirty="0">
+                <a:latin typeface="Courier New" panose="02070309020205020404" pitchFamily="49" charset="0"/>
+              </a:rPr>
               <a:t>	</a:t>
             </a:r>
             <a:r>
-              <a:rPr lang="en-US" altLang="en-US">
-                <a:latin typeface="Courier New" panose="02070309020205020404" pitchFamily="49" charset="0"/>
-              </a:rPr>
-              <a:t>outfile &lt;&lt; "Inventory report";</a:t>
-            </a:r>
-          </a:p>
-          <a:p>
-            <a:pPr>
-              <a:buFontTx/>
-              <a:buChar char="•"/>
-            </a:pPr>
-            <a:r>
-              <a:rPr lang="en-US" altLang="en-US"/>
-              <a:t>Can use input file object and </a:t>
-            </a:r>
-            <a:r>
-              <a:rPr lang="en-US" altLang="en-US">
-                <a:latin typeface="Courier New" panose="02070309020205020404" pitchFamily="49" charset="0"/>
-              </a:rPr>
-              <a:t>&gt;&gt;</a:t>
-            </a:r>
-            <a:r>
-              <a:rPr lang="en-US" altLang="en-US"/>
-              <a:t> to copy data from file to variables:</a:t>
-            </a:r>
-          </a:p>
-          <a:p>
-            <a:pPr lvl="1">
-              <a:buClr>
-                <a:schemeClr val="tx1"/>
-              </a:buClr>
-              <a:buFontTx/>
+              <a:rPr lang="en-US" altLang="en-US" sz="2000" dirty="0" err="1">
+                <a:latin typeface="Courier New" panose="02070309020205020404" pitchFamily="49" charset="0"/>
+              </a:rPr>
+              <a:t>infile.open</a:t>
+            </a:r>
+            <a:r>
+              <a:rPr lang="en-US" altLang="en-US" sz="2000" dirty="0">
+                <a:latin typeface="Courier New" panose="02070309020205020404" pitchFamily="49" charset="0"/>
+              </a:rPr>
+              <a:t>("inventory.dat");</a:t>
+            </a:r>
+          </a:p>
+          <a:p>
+            <a:pPr marL="201168" lvl="1" indent="0">
               <a:buNone/>
             </a:pPr>
             <a:r>
-              <a:rPr lang="en-US" altLang="en-US"/>
+              <a:rPr lang="en-US" altLang="en-US" sz="2000" dirty="0">
+                <a:latin typeface="Courier New" panose="02070309020205020404" pitchFamily="49" charset="0"/>
+              </a:rPr>
               <a:t>	</a:t>
             </a:r>
             <a:r>
-              <a:rPr lang="en-US" altLang="en-US">
-                <a:latin typeface="Courier New" panose="02070309020205020404" pitchFamily="49" charset="0"/>
-              </a:rPr>
-              <a:t>infile &gt;&gt; partNum;</a:t>
-            </a:r>
-          </a:p>
-          <a:p>
-            <a:pPr lvl="1">
-              <a:buClr>
-                <a:schemeClr val="tx1"/>
-              </a:buClr>
-              <a:buFontTx/>
-              <a:buNone/>
-            </a:pPr>
-            <a:r>
-              <a:rPr lang="en-US" altLang="en-US">
-                <a:latin typeface="Courier New" panose="02070309020205020404" pitchFamily="49" charset="0"/>
-              </a:rPr>
-              <a:t>	infile &gt;&gt; qtyInStock &gt;&gt; qtyOnOrder;</a:t>
-            </a:r>
-            <a:endParaRPr lang="en-US" altLang="en-US"/>
-          </a:p>
-          <a:p>
-            <a:pPr>
-              <a:buFontTx/>
-              <a:buChar char="•"/>
-            </a:pPr>
-            <a:endParaRPr lang="en-US" altLang="en-US"/>
+              <a:rPr lang="en-US" altLang="en-US" sz="2000" dirty="0" err="1">
+                <a:latin typeface="Courier New" panose="02070309020205020404" pitchFamily="49" charset="0"/>
+              </a:rPr>
+              <a:t>outfile.open</a:t>
+            </a:r>
+            <a:r>
+              <a:rPr lang="en-US" altLang="en-US" sz="2000" dirty="0">
+                <a:latin typeface="Courier New" panose="02070309020205020404" pitchFamily="49" charset="0"/>
+              </a:rPr>
+              <a:t>("report.txt");</a:t>
+            </a:r>
+          </a:p>
+          <a:p>
+            <a:r>
+              <a:rPr lang="en-US" altLang="en-US" dirty="0"/>
+              <a:t>Filename may include drive, path info.</a:t>
+            </a:r>
+          </a:p>
+          <a:p>
+            <a:r>
+              <a:rPr lang="en-US" altLang="en-US" dirty="0"/>
+              <a:t>Output file will be created if necessary; existing file will be erased first</a:t>
+            </a:r>
+          </a:p>
+          <a:p>
+            <a:r>
+              <a:rPr lang="en-US" altLang="en-US" dirty="0"/>
+              <a:t>Input file must exist for </a:t>
+            </a:r>
+            <a:r>
+              <a:rPr lang="en-US" altLang="en-US" dirty="0">
+                <a:latin typeface="Courier New" panose="02070309020205020404" pitchFamily="49" charset="0"/>
+              </a:rPr>
+              <a:t>open</a:t>
+            </a:r>
+            <a:r>
+              <a:rPr lang="en-US" altLang="en-US" dirty="0"/>
+              <a:t> to work</a:t>
+            </a:r>
+          </a:p>
+          <a:p>
+            <a:endParaRPr lang="en-US" altLang="en-US" dirty="0"/>
           </a:p>
         </p:txBody>
       </p:sp>
@@ -15624,10 +15400,10 @@
       </p:grpSpPr>
       <p:sp>
         <p:nvSpPr>
-          <p:cNvPr id="77826" name="Title 1">
+          <p:cNvPr id="75778" name="Title 1">
             <a:extLst>
               <a:ext uri="{FF2B5EF4-FFF2-40B4-BE49-F238E27FC236}">
-                <a16:creationId xmlns:a16="http://schemas.microsoft.com/office/drawing/2014/main" id="{D1949E96-1342-2F76-04AB-6DBC67B9DDB2}"/>
+                <a16:creationId xmlns:a16="http://schemas.microsoft.com/office/drawing/2014/main" id="{B11BCF92-07E5-A964-EF7D-62FA77FB309A}"/>
               </a:ext>
             </a:extLst>
           </p:cNvPr>
@@ -15645,17 +15421,17 @@
           <a:p>
             <a:r>
               <a:rPr lang="en-US" altLang="en-US"/>
-              <a:t>Using Loops to Process Files</a:t>
-            </a:r>
-          </a:p>
-        </p:txBody>
-      </p:sp>
-      <p:sp>
-        <p:nvSpPr>
-          <p:cNvPr id="77827" name="Content Placeholder 2">
+              <a:t>Testing for File Open Errors</a:t>
+            </a:r>
+          </a:p>
+        </p:txBody>
+      </p:sp>
+      <p:sp>
+        <p:nvSpPr>
+          <p:cNvPr id="75779" name="Content Placeholder 2">
             <a:extLst>
               <a:ext uri="{FF2B5EF4-FFF2-40B4-BE49-F238E27FC236}">
-                <a16:creationId xmlns:a16="http://schemas.microsoft.com/office/drawing/2014/main" id="{25CC09F6-1299-A4BE-BF03-C1B9216B6267}"/>
+                <a16:creationId xmlns:a16="http://schemas.microsoft.com/office/drawing/2014/main" id="{D3ADCA0F-594A-0D24-5EB1-B9C7163CE377}"/>
               </a:ext>
             </a:extLst>
           </p:cNvPr>
@@ -15670,93 +15446,143 @@
         <p:txBody>
           <a:bodyPr/>
           <a:lstStyle/>
+          <a:p>
+            <a:r>
+              <a:rPr lang="en-US" altLang="en-US" dirty="0"/>
+              <a:t>Can test a file stream object to detect if an open operation failed:</a:t>
+            </a:r>
+          </a:p>
+          <a:p>
+            <a:pPr lvl="1">
+              <a:lnSpc>
+                <a:spcPct val="90000"/>
+              </a:lnSpc>
+              <a:buFontTx/>
+              <a:buNone/>
+            </a:pPr>
+            <a:r>
+              <a:rPr lang="en-US" altLang="en-US" sz="2000" dirty="0"/>
+              <a:t>	</a:t>
+            </a:r>
+            <a:r>
+              <a:rPr lang="en-US" altLang="en-US" sz="2000" dirty="0" err="1">
+                <a:latin typeface="Courier New" panose="02070309020205020404" pitchFamily="49" charset="0"/>
+              </a:rPr>
+              <a:t>infile.open</a:t>
+            </a:r>
+            <a:r>
+              <a:rPr lang="en-US" altLang="en-US" sz="2000" dirty="0">
+                <a:latin typeface="Courier New" panose="02070309020205020404" pitchFamily="49" charset="0"/>
+              </a:rPr>
+              <a:t>("test.txt");</a:t>
+            </a:r>
+          </a:p>
+          <a:p>
+            <a:pPr lvl="1">
+              <a:lnSpc>
+                <a:spcPct val="90000"/>
+              </a:lnSpc>
+              <a:buFontTx/>
+              <a:buNone/>
+            </a:pPr>
+            <a:r>
+              <a:rPr lang="en-US" altLang="en-US" sz="2000" dirty="0">
+                <a:latin typeface="Courier New" panose="02070309020205020404" pitchFamily="49" charset="0"/>
+              </a:rPr>
+              <a:t>	if (!</a:t>
+            </a:r>
+            <a:r>
+              <a:rPr lang="en-US" altLang="en-US" sz="2000" dirty="0" err="1">
+                <a:latin typeface="Courier New" panose="02070309020205020404" pitchFamily="49" charset="0"/>
+              </a:rPr>
+              <a:t>infile</a:t>
+            </a:r>
+            <a:r>
+              <a:rPr lang="en-US" altLang="en-US" sz="2000" dirty="0">
+                <a:latin typeface="Courier New" panose="02070309020205020404" pitchFamily="49" charset="0"/>
+              </a:rPr>
+              <a:t>)</a:t>
+            </a:r>
+          </a:p>
+          <a:p>
+            <a:pPr lvl="1">
+              <a:lnSpc>
+                <a:spcPct val="90000"/>
+              </a:lnSpc>
+              <a:buFontTx/>
+              <a:buNone/>
+            </a:pPr>
+            <a:r>
+              <a:rPr lang="en-US" altLang="en-US" sz="2000" dirty="0">
+                <a:latin typeface="Courier New" panose="02070309020205020404" pitchFamily="49" charset="0"/>
+              </a:rPr>
+              <a:t>	{</a:t>
+            </a:r>
+          </a:p>
+          <a:p>
+            <a:pPr lvl="1">
+              <a:lnSpc>
+                <a:spcPct val="90000"/>
+              </a:lnSpc>
+              <a:buFontTx/>
+              <a:buNone/>
+            </a:pPr>
+            <a:r>
+              <a:rPr lang="en-US" altLang="en-US" sz="2000" dirty="0">
+                <a:latin typeface="Courier New" panose="02070309020205020404" pitchFamily="49" charset="0"/>
+              </a:rPr>
+              <a:t>		 </a:t>
+            </a:r>
+            <a:r>
+              <a:rPr lang="en-US" altLang="en-US" sz="2000" dirty="0" err="1">
+                <a:latin typeface="Courier New" panose="02070309020205020404" pitchFamily="49" charset="0"/>
+              </a:rPr>
+              <a:t>cout</a:t>
+            </a:r>
+            <a:r>
+              <a:rPr lang="en-US" altLang="en-US" sz="2000" dirty="0">
+                <a:latin typeface="Courier New" panose="02070309020205020404" pitchFamily="49" charset="0"/>
+              </a:rPr>
+              <a:t> &lt;&lt; "File open failure!";</a:t>
+            </a:r>
+          </a:p>
+          <a:p>
+            <a:pPr lvl="1">
+              <a:lnSpc>
+                <a:spcPct val="90000"/>
+              </a:lnSpc>
+              <a:buFontTx/>
+              <a:buNone/>
+            </a:pPr>
+            <a:r>
+              <a:rPr lang="en-US" altLang="en-US" sz="2000" dirty="0">
+                <a:latin typeface="Courier New" panose="02070309020205020404" pitchFamily="49" charset="0"/>
+              </a:rPr>
+              <a:t>	}</a:t>
+            </a:r>
+          </a:p>
+          <a:p>
+            <a:r>
+              <a:rPr lang="en-US" altLang="en-US" dirty="0"/>
+              <a:t>Can also use the </a:t>
+            </a:r>
+            <a:r>
+              <a:rPr lang="en-US" altLang="en-US" dirty="0">
+                <a:latin typeface="Courier New" panose="02070309020205020404" pitchFamily="49" charset="0"/>
+              </a:rPr>
+              <a:t>fail</a:t>
+            </a:r>
+            <a:r>
+              <a:rPr lang="en-US" altLang="en-US" dirty="0"/>
+              <a:t> member function</a:t>
+            </a:r>
+          </a:p>
           <a:p>
             <a:pPr>
               <a:buFontTx/>
               <a:buChar char="•"/>
             </a:pPr>
-            <a:r>
-              <a:rPr lang="en-US" altLang="en-US"/>
-              <a:t>The stream extraction operator </a:t>
-            </a:r>
-            <a:r>
-              <a:rPr lang="en-US" altLang="en-US">
-                <a:latin typeface="Courier New" panose="02070309020205020404" pitchFamily="49" charset="0"/>
-              </a:rPr>
-              <a:t>&gt;&gt;</a:t>
-            </a:r>
-            <a:r>
-              <a:rPr lang="en-US" altLang="en-US"/>
-              <a:t> returns </a:t>
-            </a:r>
-            <a:r>
-              <a:rPr lang="en-US" altLang="en-US">
-                <a:latin typeface="Courier New" panose="02070309020205020404" pitchFamily="49" charset="0"/>
-              </a:rPr>
-              <a:t>true</a:t>
-            </a:r>
-            <a:r>
-              <a:rPr lang="en-US" altLang="en-US"/>
-              <a:t> when a value was successfully read, </a:t>
-            </a:r>
-            <a:r>
-              <a:rPr lang="en-US" altLang="en-US">
-                <a:latin typeface="Courier New" panose="02070309020205020404" pitchFamily="49" charset="0"/>
-              </a:rPr>
-              <a:t>false</a:t>
-            </a:r>
-            <a:r>
-              <a:rPr lang="en-US" altLang="en-US"/>
-              <a:t> otherwise</a:t>
-            </a:r>
-            <a:br>
-              <a:rPr lang="en-US" altLang="en-US"/>
-            </a:br>
-            <a:endParaRPr lang="en-US" altLang="en-US"/>
-          </a:p>
-          <a:p>
-            <a:pPr>
-              <a:buFontTx/>
-              <a:buChar char="•"/>
-            </a:pPr>
-            <a:r>
-              <a:rPr lang="en-US" altLang="en-US"/>
-              <a:t>Can be tested in a </a:t>
-            </a:r>
-            <a:r>
-              <a:rPr lang="en-US" altLang="en-US">
-                <a:latin typeface="Courier New" panose="02070309020205020404" pitchFamily="49" charset="0"/>
-              </a:rPr>
-              <a:t>while</a:t>
-            </a:r>
-            <a:r>
-              <a:rPr lang="en-US" altLang="en-US"/>
-              <a:t> loop to continue execution as long as values are read from the file:</a:t>
-            </a:r>
-          </a:p>
-          <a:p>
-            <a:pPr lvl="1">
-              <a:buFontTx/>
-              <a:buNone/>
-            </a:pPr>
-            <a:r>
-              <a:rPr lang="en-US" altLang="en-US"/>
-              <a:t>	</a:t>
-            </a:r>
-            <a:r>
-              <a:rPr lang="en-US" altLang="en-US">
-                <a:latin typeface="Courier New" panose="02070309020205020404" pitchFamily="49" charset="0"/>
-              </a:rPr>
-              <a:t>while (inputFile &gt;&gt; number) ...</a:t>
-            </a:r>
-            <a:endParaRPr lang="en-US" altLang="en-US"/>
-          </a:p>
-          <a:p>
-            <a:pPr>
-              <a:buFontTx/>
-              <a:buChar char="•"/>
-            </a:pPr>
-            <a:endParaRPr lang="en-US" altLang="en-US"/>
+            <a:endParaRPr lang="en-US" altLang="en-US" dirty="0"/>
           </a:p>
         </p:txBody>
       </p:sp>
@@ -15787,10 +15613,10 @@
       </p:grpSpPr>
       <p:sp>
         <p:nvSpPr>
-          <p:cNvPr id="78850" name="Title 1">
+          <p:cNvPr id="76802" name="Title 1">
             <a:extLst>
               <a:ext uri="{FF2B5EF4-FFF2-40B4-BE49-F238E27FC236}">
-                <a16:creationId xmlns:a16="http://schemas.microsoft.com/office/drawing/2014/main" id="{B25601AF-B1EA-856C-5EFE-BCD13AE694C7}"/>
+                <a16:creationId xmlns:a16="http://schemas.microsoft.com/office/drawing/2014/main" id="{C8108BB4-5363-7E88-3999-4FF5ED19DA78}"/>
               </a:ext>
             </a:extLst>
           </p:cNvPr>
@@ -15808,17 +15634,17 @@
           <a:p>
             <a:r>
               <a:rPr lang="en-US" altLang="en-US"/>
-              <a:t>Closing Files</a:t>
-            </a:r>
-          </a:p>
-        </p:txBody>
-      </p:sp>
-      <p:sp>
-        <p:nvSpPr>
-          <p:cNvPr id="78851" name="Content Placeholder 2">
+              <a:t>Using Files</a:t>
+            </a:r>
+          </a:p>
+        </p:txBody>
+      </p:sp>
+      <p:sp>
+        <p:nvSpPr>
+          <p:cNvPr id="76803" name="Content Placeholder 2">
             <a:extLst>
               <a:ext uri="{FF2B5EF4-FFF2-40B4-BE49-F238E27FC236}">
-                <a16:creationId xmlns:a16="http://schemas.microsoft.com/office/drawing/2014/main" id="{BAF21FD7-B651-4C22-B9C7-D6E547BE10BB}"/>
+                <a16:creationId xmlns:a16="http://schemas.microsoft.com/office/drawing/2014/main" id="{D1AA8BC8-6828-8246-7C4C-B8410F2CAE6F}"/>
               </a:ext>
             </a:extLst>
           </p:cNvPr>
@@ -15834,103 +15660,322 @@
           <a:bodyPr/>
           <a:lstStyle/>
           <a:p>
-            <a:pPr>
-              <a:lnSpc>
-                <a:spcPct val="90000"/>
-              </a:lnSpc>
-              <a:buFontTx/>
-              <a:buChar char="•"/>
-            </a:pPr>
-            <a:r>
-              <a:rPr lang="en-US" altLang="en-US"/>
-              <a:t>Use the </a:t>
-            </a:r>
-            <a:r>
-              <a:rPr lang="en-US" altLang="en-US">
-                <a:latin typeface="Courier New" panose="02070309020205020404" pitchFamily="49" charset="0"/>
-              </a:rPr>
-              <a:t>close</a:t>
-            </a:r>
-            <a:r>
-              <a:rPr lang="en-US" altLang="en-US"/>
-              <a:t> member function:</a:t>
+            <a:r>
+              <a:rPr lang="en-US" altLang="en-US" dirty="0"/>
+              <a:t>Can use output file object and </a:t>
+            </a:r>
+            <a:r>
+              <a:rPr lang="en-US" altLang="en-US" dirty="0">
+                <a:latin typeface="Courier New" panose="02070309020205020404" pitchFamily="49" charset="0"/>
+              </a:rPr>
+              <a:t>&lt;&lt;</a:t>
+            </a:r>
+            <a:r>
+              <a:rPr lang="en-US" altLang="en-US" dirty="0"/>
+              <a:t> to send data to a file:</a:t>
             </a:r>
           </a:p>
           <a:p>
             <a:pPr lvl="1">
-              <a:lnSpc>
-                <a:spcPct val="90000"/>
-              </a:lnSpc>
               <a:buFontTx/>
               <a:buNone/>
             </a:pPr>
             <a:r>
-              <a:rPr lang="en-US" altLang="en-US"/>
+              <a:rPr lang="en-US" altLang="en-US" dirty="0"/>
               <a:t>	</a:t>
             </a:r>
             <a:r>
-              <a:rPr lang="en-US" altLang="en-US">
-                <a:latin typeface="Courier New" panose="02070309020205020404" pitchFamily="49" charset="0"/>
-              </a:rPr>
-              <a:t>infile.close();</a:t>
+              <a:rPr lang="en-US" altLang="en-US" dirty="0" err="1">
+                <a:latin typeface="Courier New" panose="02070309020205020404" pitchFamily="49" charset="0"/>
+              </a:rPr>
+              <a:t>outfile</a:t>
+            </a:r>
+            <a:r>
+              <a:rPr lang="en-US" altLang="en-US" dirty="0">
+                <a:latin typeface="Courier New" panose="02070309020205020404" pitchFamily="49" charset="0"/>
+              </a:rPr>
+              <a:t> &lt;&lt; "Inventory report";</a:t>
             </a:r>
           </a:p>
           <a:p>
             <a:pPr lvl="1">
-              <a:lnSpc>
-                <a:spcPct val="90000"/>
-              </a:lnSpc>
               <a:buFontTx/>
               <a:buNone/>
             </a:pPr>
-            <a:r>
-              <a:rPr lang="en-US" altLang="en-US">
-                <a:latin typeface="Courier New" panose="02070309020205020404" pitchFamily="49" charset="0"/>
-              </a:rPr>
-              <a:t>	outfile.close();</a:t>
-            </a:r>
-          </a:p>
-          <a:p>
-            <a:pPr>
-              <a:lnSpc>
-                <a:spcPct val="90000"/>
-              </a:lnSpc>
+            <a:endParaRPr lang="en-US" altLang="en-US" dirty="0">
+              <a:latin typeface="Courier New" panose="02070309020205020404" pitchFamily="49" charset="0"/>
+            </a:endParaRPr>
+          </a:p>
+          <a:p>
+            <a:pPr lvl="1">
               <a:buFontTx/>
-              <a:buChar char="•"/>
+              <a:buNone/>
             </a:pPr>
-            <a:r>
-              <a:rPr lang="en-US" altLang="en-US"/>
-              <a:t>Don’t wait for operating system to close files at program end:</a:t>
+            <a:endParaRPr lang="en-US" altLang="en-US" dirty="0">
+              <a:latin typeface="Courier New" panose="02070309020205020404" pitchFamily="49" charset="0"/>
+            </a:endParaRPr>
+          </a:p>
+          <a:p>
+            <a:r>
+              <a:rPr lang="en-US" altLang="en-US" dirty="0"/>
+              <a:t>Can use input file object and </a:t>
+            </a:r>
+            <a:r>
+              <a:rPr lang="en-US" altLang="en-US" dirty="0">
+                <a:latin typeface="Courier New" panose="02070309020205020404" pitchFamily="49" charset="0"/>
+              </a:rPr>
+              <a:t>&gt;&gt;</a:t>
+            </a:r>
+            <a:r>
+              <a:rPr lang="en-US" altLang="en-US" dirty="0"/>
+              <a:t> to copy data from file to variables:</a:t>
             </a:r>
           </a:p>
           <a:p>
             <a:pPr lvl="1">
-              <a:lnSpc>
-                <a:spcPct val="90000"/>
-              </a:lnSpc>
+              <a:buClr>
+                <a:schemeClr val="tx1"/>
+              </a:buClr>
+              <a:buFontTx/>
+              <a:buNone/>
             </a:pPr>
             <a:r>
-              <a:rPr lang="en-US" altLang="en-US"/>
-              <a:t>may be limit on number of open files</a:t>
+              <a:rPr lang="en-US" altLang="en-US" dirty="0"/>
+              <a:t>	</a:t>
+            </a:r>
+            <a:r>
+              <a:rPr lang="en-US" altLang="en-US" dirty="0" err="1">
+                <a:latin typeface="Courier New" panose="02070309020205020404" pitchFamily="49" charset="0"/>
+              </a:rPr>
+              <a:t>infile</a:t>
+            </a:r>
+            <a:r>
+              <a:rPr lang="en-US" altLang="en-US" dirty="0">
+                <a:latin typeface="Courier New" panose="02070309020205020404" pitchFamily="49" charset="0"/>
+              </a:rPr>
+              <a:t> &gt;&gt; </a:t>
+            </a:r>
+            <a:r>
+              <a:rPr lang="en-US" altLang="en-US" dirty="0" err="1">
+                <a:latin typeface="Courier New" panose="02070309020205020404" pitchFamily="49" charset="0"/>
+              </a:rPr>
+              <a:t>partNum</a:t>
+            </a:r>
+            <a:r>
+              <a:rPr lang="en-US" altLang="en-US" dirty="0">
+                <a:latin typeface="Courier New" panose="02070309020205020404" pitchFamily="49" charset="0"/>
+              </a:rPr>
+              <a:t>;</a:t>
             </a:r>
           </a:p>
           <a:p>
             <a:pPr lvl="1">
-              <a:lnSpc>
-                <a:spcPct val="90000"/>
-              </a:lnSpc>
+              <a:buClr>
+                <a:schemeClr val="tx1"/>
+              </a:buClr>
+              <a:buFontTx/>
+              <a:buNone/>
             </a:pPr>
             <a:r>
-              <a:rPr lang="en-US" altLang="en-US"/>
-              <a:t>may be buffered output data waiting to send to file</a:t>
-            </a:r>
+              <a:rPr lang="en-US" altLang="en-US" dirty="0">
+                <a:latin typeface="Courier New" panose="02070309020205020404" pitchFamily="49" charset="0"/>
+              </a:rPr>
+              <a:t>	</a:t>
+            </a:r>
+            <a:r>
+              <a:rPr lang="en-US" altLang="en-US" dirty="0" err="1">
+                <a:latin typeface="Courier New" panose="02070309020205020404" pitchFamily="49" charset="0"/>
+              </a:rPr>
+              <a:t>infile</a:t>
+            </a:r>
+            <a:r>
+              <a:rPr lang="en-US" altLang="en-US" dirty="0">
+                <a:latin typeface="Courier New" panose="02070309020205020404" pitchFamily="49" charset="0"/>
+              </a:rPr>
+              <a:t> &gt;&gt; </a:t>
+            </a:r>
+            <a:r>
+              <a:rPr lang="en-US" altLang="en-US" dirty="0" err="1">
+                <a:latin typeface="Courier New" panose="02070309020205020404" pitchFamily="49" charset="0"/>
+              </a:rPr>
+              <a:t>qtyInStock</a:t>
+            </a:r>
+            <a:r>
+              <a:rPr lang="en-US" altLang="en-US" dirty="0">
+                <a:latin typeface="Courier New" panose="02070309020205020404" pitchFamily="49" charset="0"/>
+              </a:rPr>
+              <a:t> &gt;&gt; </a:t>
+            </a:r>
+            <a:r>
+              <a:rPr lang="en-US" altLang="en-US" dirty="0" err="1">
+                <a:latin typeface="Courier New" panose="02070309020205020404" pitchFamily="49" charset="0"/>
+              </a:rPr>
+              <a:t>qtyOnOrder</a:t>
+            </a:r>
+            <a:r>
+              <a:rPr lang="en-US" altLang="en-US" dirty="0">
+                <a:latin typeface="Courier New" panose="02070309020205020404" pitchFamily="49" charset="0"/>
+              </a:rPr>
+              <a:t>;</a:t>
+            </a:r>
+            <a:endParaRPr lang="en-US" altLang="en-US" dirty="0"/>
           </a:p>
           <a:p>
             <a:pPr>
               <a:buFontTx/>
               <a:buChar char="•"/>
             </a:pPr>
-            <a:endParaRPr lang="en-US" altLang="en-US"/>
+            <a:endParaRPr lang="en-US" altLang="en-US" dirty="0"/>
+          </a:p>
+        </p:txBody>
+      </p:sp>
+      <p:sp>
+        <p:nvSpPr>
+          <p:cNvPr id="2" name="Rectangle: Diagonal Corners Snipped 1">
+            <a:extLst>
+              <a:ext uri="{FF2B5EF4-FFF2-40B4-BE49-F238E27FC236}">
+                <a16:creationId xmlns:a16="http://schemas.microsoft.com/office/drawing/2014/main" id="{A6B1F80F-AF14-DD7B-4F0C-23EB2C1DCB15}"/>
+              </a:ext>
+            </a:extLst>
+          </p:cNvPr>
+          <p:cNvSpPr/>
+          <p:nvPr/>
+        </p:nvSpPr>
+        <p:spPr>
+          <a:xfrm>
+            <a:off x="7086600" y="2286000"/>
+            <a:ext cx="1600200" cy="304800"/>
+          </a:xfrm>
+          <a:prstGeom prst="snip2DiagRect">
+            <a:avLst>
+              <a:gd name="adj1" fmla="val 0"/>
+              <a:gd name="adj2" fmla="val 50000"/>
+            </a:avLst>
+          </a:prstGeom>
+        </p:spPr>
+        <p:style>
+          <a:lnRef idx="1">
+            <a:schemeClr val="accent1"/>
+          </a:lnRef>
+          <a:fillRef idx="2">
+            <a:schemeClr val="accent1"/>
+          </a:fillRef>
+          <a:effectRef idx="1">
+            <a:schemeClr val="accent1"/>
+          </a:effectRef>
+          <a:fontRef idx="minor">
+            <a:schemeClr val="dk1"/>
+          </a:fontRef>
+        </p:style>
+        <p:txBody>
+          <a:bodyPr rtlCol="0" anchor="ctr"/>
+          <a:lstStyle/>
+          <a:p>
+            <a:pPr algn="ctr"/>
+            <a:r>
+              <a:rPr lang="en-US" sz="1000" dirty="0"/>
+              <a:t>Pr5-15.cpp</a:t>
+            </a:r>
+          </a:p>
+        </p:txBody>
+      </p:sp>
+      <p:sp>
+        <p:nvSpPr>
+          <p:cNvPr id="3" name="Rectangle: Diagonal Corners Snipped 2">
+            <a:extLst>
+              <a:ext uri="{FF2B5EF4-FFF2-40B4-BE49-F238E27FC236}">
+                <a16:creationId xmlns:a16="http://schemas.microsoft.com/office/drawing/2014/main" id="{2C286181-4DF0-50EE-F1B9-BBCE93B19D40}"/>
+              </a:ext>
+            </a:extLst>
+          </p:cNvPr>
+          <p:cNvSpPr/>
+          <p:nvPr/>
+        </p:nvSpPr>
+        <p:spPr>
+          <a:xfrm>
+            <a:off x="7086600" y="4070773"/>
+            <a:ext cx="1600200" cy="304800"/>
+          </a:xfrm>
+          <a:prstGeom prst="snip2DiagRect">
+            <a:avLst>
+              <a:gd name="adj1" fmla="val 0"/>
+              <a:gd name="adj2" fmla="val 50000"/>
+            </a:avLst>
+          </a:prstGeom>
+        </p:spPr>
+        <p:style>
+          <a:lnRef idx="1">
+            <a:schemeClr val="accent1"/>
+          </a:lnRef>
+          <a:fillRef idx="2">
+            <a:schemeClr val="accent1"/>
+          </a:fillRef>
+          <a:effectRef idx="1">
+            <a:schemeClr val="accent1"/>
+          </a:effectRef>
+          <a:fontRef idx="minor">
+            <a:schemeClr val="dk1"/>
+          </a:fontRef>
+        </p:style>
+        <p:txBody>
+          <a:bodyPr rtlCol="0" anchor="ctr"/>
+          <a:lstStyle/>
+          <a:p>
+            <a:pPr algn="ctr"/>
+            <a:r>
+              <a:rPr lang="en-US" sz="1000" dirty="0"/>
+              <a:t>Pr5-20.cpp</a:t>
+            </a:r>
+          </a:p>
+        </p:txBody>
+      </p:sp>
+      <p:sp>
+        <p:nvSpPr>
+          <p:cNvPr id="4" name="Rectangle: Diagonal Corners Snipped 3">
+            <a:extLst>
+              <a:ext uri="{FF2B5EF4-FFF2-40B4-BE49-F238E27FC236}">
+                <a16:creationId xmlns:a16="http://schemas.microsoft.com/office/drawing/2014/main" id="{8FE754A6-4BBB-A4BC-F73D-E6B568F9D6B2}"/>
+              </a:ext>
+            </a:extLst>
+          </p:cNvPr>
+          <p:cNvSpPr/>
+          <p:nvPr/>
+        </p:nvSpPr>
+        <p:spPr>
+          <a:xfrm>
+            <a:off x="7086600" y="3657600"/>
+            <a:ext cx="1600200" cy="304800"/>
+          </a:xfrm>
+          <a:prstGeom prst="snip2DiagRect">
+            <a:avLst>
+              <a:gd name="adj1" fmla="val 0"/>
+              <a:gd name="adj2" fmla="val 50000"/>
+            </a:avLst>
+          </a:prstGeom>
+        </p:spPr>
+        <p:style>
+          <a:lnRef idx="1">
+            <a:schemeClr val="accent1"/>
+          </a:lnRef>
+          <a:fillRef idx="2">
+            <a:schemeClr val="accent1"/>
+          </a:fillRef>
+          <a:effectRef idx="1">
+            <a:schemeClr val="accent1"/>
+          </a:effectRef>
+          <a:fontRef idx="minor">
+            <a:schemeClr val="dk1"/>
+          </a:fontRef>
+        </p:style>
+        <p:txBody>
+          <a:bodyPr rtlCol="0" anchor="ctr"/>
+          <a:lstStyle/>
+          <a:p>
+            <a:pPr algn="ctr"/>
+            <a:r>
+              <a:rPr lang="en-US" sz="1000" dirty="0"/>
+              <a:t>Pr5-19.cpp</a:t>
+            </a:r>
           </a:p>
         </p:txBody>
       </p:sp>
@@ -15961,10 +16006,10 @@
       </p:grpSpPr>
       <p:sp>
         <p:nvSpPr>
-          <p:cNvPr id="79874" name="Title 1">
+          <p:cNvPr id="77826" name="Title 1">
             <a:extLst>
               <a:ext uri="{FF2B5EF4-FFF2-40B4-BE49-F238E27FC236}">
-                <a16:creationId xmlns:a16="http://schemas.microsoft.com/office/drawing/2014/main" id="{530D1E88-991C-71A9-6080-35A2723DB514}"/>
+                <a16:creationId xmlns:a16="http://schemas.microsoft.com/office/drawing/2014/main" id="{D1949E96-1342-2F76-04AB-6DBC67B9DDB2}"/>
               </a:ext>
             </a:extLst>
           </p:cNvPr>
@@ -15981,18 +16026,18 @@
           <a:lstStyle/>
           <a:p>
             <a:r>
-              <a:rPr lang="en-US" altLang="en-US" sz="3600"/>
-              <a:t>Letting the User Specify a Filename</a:t>
-            </a:r>
-          </a:p>
-        </p:txBody>
-      </p:sp>
-      <p:sp>
-        <p:nvSpPr>
-          <p:cNvPr id="79875" name="Content Placeholder 2">
+              <a:rPr lang="en-US" altLang="en-US"/>
+              <a:t>Using Loops to Process Files</a:t>
+            </a:r>
+          </a:p>
+        </p:txBody>
+      </p:sp>
+      <p:sp>
+        <p:nvSpPr>
+          <p:cNvPr id="77827" name="Content Placeholder 2">
             <a:extLst>
               <a:ext uri="{FF2B5EF4-FFF2-40B4-BE49-F238E27FC236}">
-                <a16:creationId xmlns:a16="http://schemas.microsoft.com/office/drawing/2014/main" id="{18FD8853-D89B-7364-F08E-2CCAD7AF8E59}"/>
+                <a16:creationId xmlns:a16="http://schemas.microsoft.com/office/drawing/2014/main" id="{25CC09F6-1299-A4BE-BF03-C1B9216B6267}"/>
               </a:ext>
             </a:extLst>
           </p:cNvPr>
@@ -16007,46 +16052,146 @@
         <p:txBody>
           <a:bodyPr/>
           <a:lstStyle/>
+          <a:p>
+            <a:r>
+              <a:rPr lang="en-US" altLang="en-US" dirty="0"/>
+              <a:t>The stream extraction operator </a:t>
+            </a:r>
+            <a:r>
+              <a:rPr lang="en-US" altLang="en-US" dirty="0">
+                <a:latin typeface="Courier New" panose="02070309020205020404" pitchFamily="49" charset="0"/>
+              </a:rPr>
+              <a:t>&gt;&gt;</a:t>
+            </a:r>
+            <a:r>
+              <a:rPr lang="en-US" altLang="en-US" dirty="0"/>
+              <a:t> returns </a:t>
+            </a:r>
+            <a:r>
+              <a:rPr lang="en-US" altLang="en-US" dirty="0">
+                <a:latin typeface="Courier New" panose="02070309020205020404" pitchFamily="49" charset="0"/>
+              </a:rPr>
+              <a:t>true</a:t>
+            </a:r>
+            <a:r>
+              <a:rPr lang="en-US" altLang="en-US" dirty="0"/>
+              <a:t> when a value was successfully read, </a:t>
+            </a:r>
+            <a:r>
+              <a:rPr lang="en-US" altLang="en-US" dirty="0">
+                <a:latin typeface="Courier New" panose="02070309020205020404" pitchFamily="49" charset="0"/>
+              </a:rPr>
+              <a:t>false</a:t>
+            </a:r>
+            <a:r>
+              <a:rPr lang="en-US" altLang="en-US" dirty="0"/>
+              <a:t> otherwise</a:t>
+            </a:r>
+            <a:br>
+              <a:rPr lang="en-US" altLang="en-US" dirty="0"/>
+            </a:br>
+            <a:endParaRPr lang="en-US" altLang="en-US" dirty="0"/>
+          </a:p>
+          <a:p>
+            <a:r>
+              <a:rPr lang="en-US" altLang="en-US" dirty="0"/>
+              <a:t>Can be tested in a </a:t>
+            </a:r>
+            <a:r>
+              <a:rPr lang="en-US" altLang="en-US" dirty="0">
+                <a:latin typeface="Courier New" panose="02070309020205020404" pitchFamily="49" charset="0"/>
+              </a:rPr>
+              <a:t>while</a:t>
+            </a:r>
+            <a:r>
+              <a:rPr lang="en-US" altLang="en-US" dirty="0"/>
+              <a:t> loop to continue execution as long as values are read from the file:</a:t>
+            </a:r>
+          </a:p>
+          <a:p>
+            <a:pPr lvl="1">
+              <a:buFontTx/>
+              <a:buNone/>
+            </a:pPr>
+            <a:r>
+              <a:rPr lang="en-US" altLang="en-US" dirty="0"/>
+              <a:t>	</a:t>
+            </a:r>
+            <a:r>
+              <a:rPr lang="en-US" altLang="en-US" dirty="0">
+                <a:latin typeface="Courier New" panose="02070309020205020404" pitchFamily="49" charset="0"/>
+              </a:rPr>
+              <a:t>while (</a:t>
+            </a:r>
+            <a:r>
+              <a:rPr lang="en-US" altLang="en-US" dirty="0" err="1">
+                <a:latin typeface="Courier New" panose="02070309020205020404" pitchFamily="49" charset="0"/>
+              </a:rPr>
+              <a:t>inputFile</a:t>
+            </a:r>
+            <a:r>
+              <a:rPr lang="en-US" altLang="en-US" dirty="0">
+                <a:latin typeface="Courier New" panose="02070309020205020404" pitchFamily="49" charset="0"/>
+              </a:rPr>
+              <a:t> &gt;&gt; number) ...</a:t>
+            </a:r>
+            <a:endParaRPr lang="en-US" altLang="en-US" dirty="0"/>
+          </a:p>
           <a:p>
             <a:pPr>
               <a:buFontTx/>
               <a:buChar char="•"/>
             </a:pPr>
-            <a:r>
-              <a:rPr lang="en-US" altLang="en-US"/>
-              <a:t>In many cases, you will want the user to specify the name of a file for the program to open.</a:t>
-            </a:r>
-          </a:p>
-          <a:p>
-            <a:pPr>
-              <a:buFontTx/>
-              <a:buChar char="•"/>
-            </a:pPr>
-            <a:r>
-              <a:rPr lang="en-US" altLang="en-US"/>
-              <a:t>In C++ 11, you can pass a </a:t>
-            </a:r>
-            <a:r>
-              <a:rPr lang="en-US" altLang="en-US">
-                <a:latin typeface="Courier New" panose="02070309020205020404" pitchFamily="49" charset="0"/>
-                <a:cs typeface="Courier New" panose="02070309020205020404" pitchFamily="49" charset="0"/>
-              </a:rPr>
-              <a:t>string</a:t>
-            </a:r>
-            <a:r>
-              <a:rPr lang="en-US" altLang="en-US"/>
-              <a:t> object as an argument to a file stream object’s </a:t>
-            </a:r>
-            <a:r>
-              <a:rPr lang="en-US" altLang="en-US">
-                <a:latin typeface="Courier New" panose="02070309020205020404" pitchFamily="49" charset="0"/>
-                <a:cs typeface="Courier New" panose="02070309020205020404" pitchFamily="49" charset="0"/>
-              </a:rPr>
-              <a:t>open</a:t>
-            </a:r>
-            <a:r>
-              <a:rPr lang="en-US" altLang="en-US"/>
-              <a:t> member function.</a:t>
+            <a:endParaRPr lang="en-US" altLang="en-US" dirty="0"/>
+          </a:p>
+        </p:txBody>
+      </p:sp>
+      <p:sp>
+        <p:nvSpPr>
+          <p:cNvPr id="3" name="Rectangle: Diagonal Corners Snipped 2">
+            <a:extLst>
+              <a:ext uri="{FF2B5EF4-FFF2-40B4-BE49-F238E27FC236}">
+                <a16:creationId xmlns:a16="http://schemas.microsoft.com/office/drawing/2014/main" id="{95497EC0-3028-CDD1-9330-599DB187C213}"/>
+              </a:ext>
+            </a:extLst>
+          </p:cNvPr>
+          <p:cNvSpPr/>
+          <p:nvPr/>
+        </p:nvSpPr>
+        <p:spPr>
+          <a:xfrm>
+            <a:off x="7315200" y="5869094"/>
+            <a:ext cx="1600200" cy="304800"/>
+          </a:xfrm>
+          <a:prstGeom prst="snip2DiagRect">
+            <a:avLst>
+              <a:gd name="adj1" fmla="val 0"/>
+              <a:gd name="adj2" fmla="val 50000"/>
+            </a:avLst>
+          </a:prstGeom>
+        </p:spPr>
+        <p:style>
+          <a:lnRef idx="1">
+            <a:schemeClr val="accent1"/>
+          </a:lnRef>
+          <a:fillRef idx="2">
+            <a:schemeClr val="accent1"/>
+          </a:fillRef>
+          <a:effectRef idx="1">
+            <a:schemeClr val="accent1"/>
+          </a:effectRef>
+          <a:fontRef idx="minor">
+            <a:schemeClr val="dk1"/>
+          </a:fontRef>
+        </p:style>
+        <p:txBody>
+          <a:bodyPr rtlCol="0" anchor="ctr"/>
+          <a:lstStyle/>
+          <a:p>
+            <a:pPr algn="ctr"/>
+            <a:r>
+              <a:rPr lang="en-US" sz="1000" dirty="0"/>
+              <a:t>Pr5-22.cpp</a:t>
             </a:r>
           </a:p>
         </p:txBody>
@@ -16078,10 +16223,10 @@
       </p:grpSpPr>
       <p:sp>
         <p:nvSpPr>
-          <p:cNvPr id="80898" name="Title 1">
+          <p:cNvPr id="78850" name="Title 1">
             <a:extLst>
               <a:ext uri="{FF2B5EF4-FFF2-40B4-BE49-F238E27FC236}">
-                <a16:creationId xmlns:a16="http://schemas.microsoft.com/office/drawing/2014/main" id="{3DE8B566-027F-5A9F-0AB1-E89BCCEE9DA9}"/>
+                <a16:creationId xmlns:a16="http://schemas.microsoft.com/office/drawing/2014/main" id="{B25601AF-B1EA-856C-5EFE-BCD13AE694C7}"/>
               </a:ext>
             </a:extLst>
           </p:cNvPr>
@@ -16098,265 +16243,134 @@
           <a:lstStyle/>
           <a:p>
             <a:r>
-              <a:rPr lang="en-US" altLang="en-US" sz="3600"/>
-              <a:t>Letting the User Specify a Filename</a:t>
-            </a:r>
-          </a:p>
-        </p:txBody>
-      </p:sp>
-      <p:pic>
-        <p:nvPicPr>
-          <p:cNvPr id="80899" name="Picture 2">
+              <a:rPr lang="en-US" altLang="en-US"/>
+              <a:t>Closing Files</a:t>
+            </a:r>
+          </a:p>
+        </p:txBody>
+      </p:sp>
+      <p:sp>
+        <p:nvSpPr>
+          <p:cNvPr id="78851" name="Content Placeholder 2">
             <a:extLst>
               <a:ext uri="{FF2B5EF4-FFF2-40B4-BE49-F238E27FC236}">
-                <a16:creationId xmlns:a16="http://schemas.microsoft.com/office/drawing/2014/main" id="{C64F792D-B874-79BA-7BBC-06E79F500601}"/>
+                <a16:creationId xmlns:a16="http://schemas.microsoft.com/office/drawing/2014/main" id="{BAF21FD7-B651-4C22-B9C7-D6E547BE10BB}"/>
               </a:ext>
             </a:extLst>
           </p:cNvPr>
-          <p:cNvPicPr>
-            <a:picLocks noChangeAspect="1" noChangeArrowheads="1"/>
-          </p:cNvPicPr>
-          <p:nvPr/>
-        </p:nvPicPr>
-        <p:blipFill>
-          <a:blip r:embed="rId2">
-            <a:extLst>
-              <a:ext uri="{28A0092B-C50C-407E-A947-70E740481C1C}">
-                <a14:useLocalDpi xmlns:a14="http://schemas.microsoft.com/office/drawing/2010/main" val="0"/>
-              </a:ext>
-            </a:extLst>
-          </a:blip>
-          <a:srcRect/>
-          <a:stretch>
-            <a:fillRect/>
-          </a:stretch>
-        </p:blipFill>
-        <p:spPr bwMode="auto">
-          <a:xfrm>
-            <a:off x="990600" y="1143000"/>
-            <a:ext cx="6545263" cy="5029200"/>
-          </a:xfrm>
-          <a:prstGeom prst="rect">
-            <a:avLst/>
-          </a:prstGeom>
-          <a:noFill/>
-          <a:ln>
-            <a:noFill/>
-          </a:ln>
-          <a:extLst>
-            <a:ext uri="{909E8E84-426E-40DD-AFC4-6F175D3DCCD1}">
-              <a14:hiddenFill xmlns:a14="http://schemas.microsoft.com/office/drawing/2010/main">
-                <a:solidFill>
-                  <a:srgbClr val="FFFFFF"/>
-                </a:solidFill>
-              </a14:hiddenFill>
-            </a:ext>
-            <a:ext uri="{91240B29-F687-4F45-9708-019B960494DF}">
-              <a14:hiddenLine xmlns:a14="http://schemas.microsoft.com/office/drawing/2010/main" w="9525">
-                <a:solidFill>
-                  <a:srgbClr val="000000"/>
-                </a:solidFill>
-                <a:miter lim="800000"/>
-                <a:headEnd/>
-                <a:tailEnd/>
-              </a14:hiddenLine>
-            </a:ext>
-          </a:extLst>
-        </p:spPr>
-      </p:pic>
-      <p:sp>
-        <p:nvSpPr>
-          <p:cNvPr id="80900" name="TextBox 4">
-            <a:extLst>
-              <a:ext uri="{FF2B5EF4-FFF2-40B4-BE49-F238E27FC236}">
-                <a16:creationId xmlns:a16="http://schemas.microsoft.com/office/drawing/2014/main" id="{E1485621-9B3B-5C7F-4805-F61B8BCA84BB}"/>
-              </a:ext>
-            </a:extLst>
-          </p:cNvPr>
-          <p:cNvSpPr txBox="1">
-            <a:spLocks noChangeArrowheads="1"/>
-          </p:cNvSpPr>
-          <p:nvPr/>
-        </p:nvSpPr>
-        <p:spPr bwMode="auto">
-          <a:xfrm>
-            <a:off x="7162800" y="6019800"/>
-            <a:ext cx="1466850" cy="369888"/>
-          </a:xfrm>
-          <a:prstGeom prst="rect">
-            <a:avLst/>
-          </a:prstGeom>
-          <a:noFill/>
-          <a:ln>
-            <a:noFill/>
-          </a:ln>
-          <a:extLst>
-            <a:ext uri="{909E8E84-426E-40DD-AFC4-6F175D3DCCD1}">
-              <a14:hiddenFill xmlns:a14="http://schemas.microsoft.com/office/drawing/2010/main">
-                <a:solidFill>
-                  <a:srgbClr val="FFFFFF"/>
-                </a:solidFill>
-              </a14:hiddenFill>
-            </a:ext>
-            <a:ext uri="{91240B29-F687-4F45-9708-019B960494DF}">
-              <a14:hiddenLine xmlns:a14="http://schemas.microsoft.com/office/drawing/2010/main" w="9525">
-                <a:solidFill>
-                  <a:srgbClr val="000000"/>
-                </a:solidFill>
-                <a:miter lim="800000"/>
-                <a:headEnd/>
-                <a:tailEnd/>
-              </a14:hiddenLine>
-            </a:ext>
-          </a:extLst>
-        </p:spPr>
-        <p:txBody>
-          <a:bodyPr wrap="none">
-            <a:spAutoFit/>
-          </a:bodyPr>
-          <a:lstStyle>
-            <a:lvl1pPr>
-              <a:spcBef>
-                <a:spcPct val="20000"/>
-              </a:spcBef>
-              <a:buChar char="•"/>
-              <a:defRPr sz="3200">
-                <a:solidFill>
-                  <a:schemeClr val="tx1"/>
-                </a:solidFill>
-                <a:latin typeface="Arial" panose="020B0604020202020204" pitchFamily="34" charset="0"/>
-                <a:cs typeface="Arial" panose="020B0604020202020204" pitchFamily="34" charset="0"/>
-              </a:defRPr>
-            </a:lvl1pPr>
-            <a:lvl2pPr marL="742950" indent="-285750">
-              <a:spcBef>
-                <a:spcPct val="20000"/>
-              </a:spcBef>
-              <a:buChar char="–"/>
-              <a:defRPr sz="2800">
-                <a:solidFill>
-                  <a:schemeClr val="tx1"/>
-                </a:solidFill>
-                <a:latin typeface="Arial" panose="020B0604020202020204" pitchFamily="34" charset="0"/>
-                <a:cs typeface="Arial" panose="020B0604020202020204" pitchFamily="34" charset="0"/>
-              </a:defRPr>
-            </a:lvl2pPr>
-            <a:lvl3pPr marL="1143000" indent="-228600">
-              <a:spcBef>
-                <a:spcPct val="20000"/>
-              </a:spcBef>
-              <a:buChar char="•"/>
-              <a:defRPr sz="2400">
-                <a:solidFill>
-                  <a:schemeClr val="tx1"/>
-                </a:solidFill>
-                <a:latin typeface="Arial" panose="020B0604020202020204" pitchFamily="34" charset="0"/>
-                <a:cs typeface="Arial" panose="020B0604020202020204" pitchFamily="34" charset="0"/>
-              </a:defRPr>
-            </a:lvl3pPr>
-            <a:lvl4pPr marL="1600200" indent="-228600">
-              <a:spcBef>
-                <a:spcPct val="20000"/>
-              </a:spcBef>
-              <a:buChar char="–"/>
-              <a:defRPr sz="2000">
-                <a:solidFill>
-                  <a:schemeClr val="tx1"/>
-                </a:solidFill>
-                <a:latin typeface="Arial" panose="020B0604020202020204" pitchFamily="34" charset="0"/>
-                <a:cs typeface="Arial" panose="020B0604020202020204" pitchFamily="34" charset="0"/>
-              </a:defRPr>
-            </a:lvl4pPr>
-            <a:lvl5pPr marL="2057400" indent="-228600">
-              <a:spcBef>
-                <a:spcPct val="20000"/>
-              </a:spcBef>
-              <a:buChar char="»"/>
-              <a:defRPr sz="2000">
-                <a:solidFill>
-                  <a:schemeClr val="tx1"/>
-                </a:solidFill>
-                <a:latin typeface="Arial" panose="020B0604020202020204" pitchFamily="34" charset="0"/>
-                <a:cs typeface="Arial" panose="020B0604020202020204" pitchFamily="34" charset="0"/>
-              </a:defRPr>
-            </a:lvl5pPr>
-            <a:lvl6pPr marL="2514600" indent="-228600" eaLnBrk="0" fontAlgn="base" hangingPunct="0">
-              <a:spcBef>
-                <a:spcPct val="20000"/>
-              </a:spcBef>
-              <a:spcAft>
-                <a:spcPct val="0"/>
-              </a:spcAft>
-              <a:buChar char="»"/>
-              <a:defRPr sz="2000">
-                <a:solidFill>
-                  <a:schemeClr val="tx1"/>
-                </a:solidFill>
-                <a:latin typeface="Arial" panose="020B0604020202020204" pitchFamily="34" charset="0"/>
-                <a:cs typeface="Arial" panose="020B0604020202020204" pitchFamily="34" charset="0"/>
-              </a:defRPr>
-            </a:lvl6pPr>
-            <a:lvl7pPr marL="2971800" indent="-228600" eaLnBrk="0" fontAlgn="base" hangingPunct="0">
-              <a:spcBef>
-                <a:spcPct val="20000"/>
-              </a:spcBef>
-              <a:spcAft>
-                <a:spcPct val="0"/>
-              </a:spcAft>
-              <a:buChar char="»"/>
-              <a:defRPr sz="2000">
-                <a:solidFill>
-                  <a:schemeClr val="tx1"/>
-                </a:solidFill>
-                <a:latin typeface="Arial" panose="020B0604020202020204" pitchFamily="34" charset="0"/>
-                <a:cs typeface="Arial" panose="020B0604020202020204" pitchFamily="34" charset="0"/>
-              </a:defRPr>
-            </a:lvl7pPr>
-            <a:lvl8pPr marL="3429000" indent="-228600" eaLnBrk="0" fontAlgn="base" hangingPunct="0">
-              <a:spcBef>
-                <a:spcPct val="20000"/>
-              </a:spcBef>
-              <a:spcAft>
-                <a:spcPct val="0"/>
-              </a:spcAft>
-              <a:buChar char="»"/>
-              <a:defRPr sz="2000">
-                <a:solidFill>
-                  <a:schemeClr val="tx1"/>
-                </a:solidFill>
-                <a:latin typeface="Arial" panose="020B0604020202020204" pitchFamily="34" charset="0"/>
-                <a:cs typeface="Arial" panose="020B0604020202020204" pitchFamily="34" charset="0"/>
-              </a:defRPr>
-            </a:lvl8pPr>
-            <a:lvl9pPr marL="3886200" indent="-228600" eaLnBrk="0" fontAlgn="base" hangingPunct="0">
-              <a:spcBef>
-                <a:spcPct val="20000"/>
-              </a:spcBef>
-              <a:spcAft>
-                <a:spcPct val="0"/>
-              </a:spcAft>
-              <a:buChar char="»"/>
-              <a:defRPr sz="2000">
-                <a:solidFill>
-                  <a:schemeClr val="tx1"/>
-                </a:solidFill>
-                <a:latin typeface="Arial" panose="020B0604020202020204" pitchFamily="34" charset="0"/>
-                <a:cs typeface="Arial" panose="020B0604020202020204" pitchFamily="34" charset="0"/>
-              </a:defRPr>
-            </a:lvl9pPr>
-          </a:lstStyle>
-          <a:p>
-            <a:pPr eaLnBrk="1" hangingPunct="1">
-              <a:spcBef>
-                <a:spcPct val="0"/>
-              </a:spcBef>
+          <p:cNvSpPr>
+            <a:spLocks noGrp="1" noChangeArrowheads="1"/>
+          </p:cNvSpPr>
+          <p:nvPr>
+            <p:ph idx="1"/>
+          </p:nvPr>
+        </p:nvSpPr>
+        <p:spPr/>
+        <p:txBody>
+          <a:bodyPr/>
+          <a:lstStyle/>
+          <a:p>
+            <a:r>
+              <a:rPr lang="en-US" altLang="en-US" dirty="0"/>
+              <a:t>Use the </a:t>
+            </a:r>
+            <a:r>
+              <a:rPr lang="en-US" altLang="en-US" dirty="0">
+                <a:latin typeface="Courier New" panose="02070309020205020404" pitchFamily="49" charset="0"/>
+              </a:rPr>
+              <a:t>close</a:t>
+            </a:r>
+            <a:r>
+              <a:rPr lang="en-US" altLang="en-US" dirty="0"/>
+              <a:t> member function:</a:t>
+            </a:r>
+          </a:p>
+          <a:p>
+            <a:pPr lvl="1">
+              <a:lnSpc>
+                <a:spcPct val="90000"/>
+              </a:lnSpc>
               <a:buFontTx/>
               <a:buNone/>
             </a:pPr>
             <a:r>
-              <a:rPr lang="en-US" altLang="en-US" sz="1800"/>
-              <a:t>Continued…</a:t>
-            </a:r>
+              <a:rPr lang="en-US" altLang="en-US" dirty="0"/>
+              <a:t>	</a:t>
+            </a:r>
+            <a:r>
+              <a:rPr lang="en-US" altLang="en-US" dirty="0" err="1">
+                <a:latin typeface="Courier New" panose="02070309020205020404" pitchFamily="49" charset="0"/>
+              </a:rPr>
+              <a:t>infile.close</a:t>
+            </a:r>
+            <a:r>
+              <a:rPr lang="en-US" altLang="en-US" dirty="0">
+                <a:latin typeface="Courier New" panose="02070309020205020404" pitchFamily="49" charset="0"/>
+              </a:rPr>
+              <a:t>();</a:t>
+            </a:r>
+          </a:p>
+          <a:p>
+            <a:pPr lvl="1">
+              <a:lnSpc>
+                <a:spcPct val="90000"/>
+              </a:lnSpc>
+              <a:buFontTx/>
+              <a:buNone/>
+            </a:pPr>
+            <a:r>
+              <a:rPr lang="en-US" altLang="en-US" dirty="0">
+                <a:latin typeface="Courier New" panose="02070309020205020404" pitchFamily="49" charset="0"/>
+              </a:rPr>
+              <a:t>	</a:t>
+            </a:r>
+            <a:r>
+              <a:rPr lang="en-US" altLang="en-US" dirty="0" err="1">
+                <a:latin typeface="Courier New" panose="02070309020205020404" pitchFamily="49" charset="0"/>
+              </a:rPr>
+              <a:t>outfile.close</a:t>
+            </a:r>
+            <a:r>
+              <a:rPr lang="en-US" altLang="en-US" dirty="0">
+                <a:latin typeface="Courier New" panose="02070309020205020404" pitchFamily="49" charset="0"/>
+              </a:rPr>
+              <a:t>();</a:t>
+            </a:r>
+          </a:p>
+          <a:p>
+            <a:r>
+              <a:rPr lang="en-US" altLang="en-US" dirty="0"/>
+              <a:t>Don’t wait for operating system to close files at program end:</a:t>
+            </a:r>
+          </a:p>
+          <a:p>
+            <a:pPr lvl="1">
+              <a:lnSpc>
+                <a:spcPct val="90000"/>
+              </a:lnSpc>
+            </a:pPr>
+            <a:r>
+              <a:rPr lang="en-US" altLang="en-US" dirty="0"/>
+              <a:t>may be limit on number of open files</a:t>
+            </a:r>
+          </a:p>
+          <a:p>
+            <a:pPr lvl="1">
+              <a:lnSpc>
+                <a:spcPct val="90000"/>
+              </a:lnSpc>
+            </a:pPr>
+            <a:r>
+              <a:rPr lang="en-US" altLang="en-US" dirty="0"/>
+              <a:t>may be buffered output data waiting to send to file</a:t>
+            </a:r>
+          </a:p>
+          <a:p>
+            <a:pPr>
+              <a:buFontTx/>
+              <a:buChar char="•"/>
+            </a:pPr>
+            <a:endParaRPr lang="en-US" altLang="en-US" dirty="0"/>
           </a:p>
         </p:txBody>
       </p:sp>
@@ -16385,72 +16399,40 @@
           <a:chExt cx="0" cy="0"/>
         </a:xfrm>
       </p:grpSpPr>
-      <p:pic>
-        <p:nvPicPr>
-          <p:cNvPr id="81922" name="Picture 4">
+      <p:sp>
+        <p:nvSpPr>
+          <p:cNvPr id="79874" name="Title 1">
             <a:extLst>
               <a:ext uri="{FF2B5EF4-FFF2-40B4-BE49-F238E27FC236}">
-                <a16:creationId xmlns:a16="http://schemas.microsoft.com/office/drawing/2014/main" id="{399C9D1F-298A-FCA3-9A2D-22FC9FD04B41}"/>
+                <a16:creationId xmlns:a16="http://schemas.microsoft.com/office/drawing/2014/main" id="{530D1E88-991C-71A9-6080-35A2723DB514}"/>
               </a:ext>
             </a:extLst>
           </p:cNvPr>
-          <p:cNvPicPr>
-            <a:picLocks noChangeAspect="1" noChangeArrowheads="1"/>
-          </p:cNvPicPr>
-          <p:nvPr/>
-        </p:nvPicPr>
-        <p:blipFill>
-          <a:blip r:embed="rId2">
-            <a:extLst>
-              <a:ext uri="{28A0092B-C50C-407E-A947-70E740481C1C}">
-                <a14:useLocalDpi xmlns:a14="http://schemas.microsoft.com/office/drawing/2010/main" val="0"/>
-              </a:ext>
-            </a:extLst>
-          </a:blip>
-          <a:srcRect/>
-          <a:stretch>
-            <a:fillRect/>
-          </a:stretch>
-        </p:blipFill>
-        <p:spPr bwMode="auto">
-          <a:xfrm>
-            <a:off x="776288" y="1338263"/>
-            <a:ext cx="6615112" cy="4905375"/>
-          </a:xfrm>
-          <a:prstGeom prst="rect">
-            <a:avLst/>
-          </a:prstGeom>
-          <a:noFill/>
-          <a:ln>
-            <a:noFill/>
-          </a:ln>
-          <a:extLst>
-            <a:ext uri="{909E8E84-426E-40DD-AFC4-6F175D3DCCD1}">
-              <a14:hiddenFill xmlns:a14="http://schemas.microsoft.com/office/drawing/2010/main">
-                <a:solidFill>
-                  <a:srgbClr val="FFFFFF"/>
-                </a:solidFill>
-              </a14:hiddenFill>
-            </a:ext>
-            <a:ext uri="{91240B29-F687-4F45-9708-019B960494DF}">
-              <a14:hiddenLine xmlns:a14="http://schemas.microsoft.com/office/drawing/2010/main" w="9525">
-                <a:solidFill>
-                  <a:srgbClr val="000000"/>
-                </a:solidFill>
-                <a:miter lim="800000"/>
-                <a:headEnd/>
-                <a:tailEnd/>
-              </a14:hiddenLine>
-            </a:ext>
-          </a:extLst>
-        </p:spPr>
-      </p:pic>
-      <p:sp>
-        <p:nvSpPr>
-          <p:cNvPr id="81923" name="Title 1">
+          <p:cNvSpPr>
+            <a:spLocks noGrp="1" noChangeArrowheads="1"/>
+          </p:cNvSpPr>
+          <p:nvPr>
+            <p:ph type="title"/>
+          </p:nvPr>
+        </p:nvSpPr>
+        <p:spPr/>
+        <p:txBody>
+          <a:bodyPr/>
+          <a:lstStyle/>
+          <a:p>
+            <a:r>
+              <a:rPr lang="en-US" altLang="en-US" sz="3600"/>
+              <a:t>Letting the User Specify a Filename</a:t>
+            </a:r>
+          </a:p>
+        </p:txBody>
+      </p:sp>
+      <p:sp>
+        <p:nvSpPr>
+          <p:cNvPr id="79875" name="Content Placeholder 2">
             <a:extLst>
               <a:ext uri="{FF2B5EF4-FFF2-40B4-BE49-F238E27FC236}">
-                <a16:creationId xmlns:a16="http://schemas.microsoft.com/office/drawing/2014/main" id="{5A394592-1C90-5FB5-34FA-59EC725566ED}"/>
+                <a16:creationId xmlns:a16="http://schemas.microsoft.com/office/drawing/2014/main" id="{18FD8853-D89B-7364-F08E-2CCAD7AF8E59}"/>
               </a:ext>
             </a:extLst>
           </p:cNvPr>
@@ -16458,7 +16440,7 @@
             <a:spLocks noGrp="1" noChangeArrowheads="1"/>
           </p:cNvSpPr>
           <p:nvPr>
-            <p:ph type="title"/>
+            <p:ph idx="1"/>
           </p:nvPr>
         </p:nvSpPr>
         <p:spPr/>
@@ -16467,204 +16449,86 @@
           <a:lstStyle/>
           <a:p>
             <a:r>
-              <a:rPr lang="en-US" altLang="en-US" sz="3600"/>
-              <a:t>Letting the User Specify a Filename</a:t>
-            </a:r>
-          </a:p>
-        </p:txBody>
-      </p:sp>
-      <p:sp>
-        <p:nvSpPr>
-          <p:cNvPr id="81924" name="TextBox 4">
+              <a:rPr lang="en-US" altLang="en-US" dirty="0"/>
+              <a:t>In many cases, you will want the user to specify the name of a file for the program to open.</a:t>
+            </a:r>
+          </a:p>
+          <a:p>
+            <a:r>
+              <a:rPr lang="en-US" altLang="en-US" dirty="0"/>
+              <a:t>In C++ 11, you can pass a </a:t>
+            </a:r>
+            <a:r>
+              <a:rPr lang="en-US" altLang="en-US" dirty="0">
+                <a:latin typeface="Courier New" panose="02070309020205020404" pitchFamily="49" charset="0"/>
+                <a:cs typeface="Courier New" panose="02070309020205020404" pitchFamily="49" charset="0"/>
+              </a:rPr>
+              <a:t>string</a:t>
+            </a:r>
+            <a:r>
+              <a:rPr lang="en-US" altLang="en-US" dirty="0"/>
+              <a:t> object as an argument to a file stream object’s </a:t>
+            </a:r>
+            <a:r>
+              <a:rPr lang="en-US" altLang="en-US" dirty="0">
+                <a:latin typeface="Courier New" panose="02070309020205020404" pitchFamily="49" charset="0"/>
+                <a:cs typeface="Courier New" panose="02070309020205020404" pitchFamily="49" charset="0"/>
+              </a:rPr>
+              <a:t>open</a:t>
+            </a:r>
+            <a:r>
+              <a:rPr lang="en-US" altLang="en-US" dirty="0"/>
+              <a:t> member function.</a:t>
+            </a:r>
+          </a:p>
+        </p:txBody>
+      </p:sp>
+      <p:sp>
+        <p:nvSpPr>
+          <p:cNvPr id="2" name="Rectangle: Diagonal Corners Snipped 1">
             <a:extLst>
               <a:ext uri="{FF2B5EF4-FFF2-40B4-BE49-F238E27FC236}">
-                <a16:creationId xmlns:a16="http://schemas.microsoft.com/office/drawing/2014/main" id="{1DA50FF5-B774-61E8-B12C-9C367C080103}"/>
+                <a16:creationId xmlns:a16="http://schemas.microsoft.com/office/drawing/2014/main" id="{E624CF68-C290-265A-A37C-67B26273CC32}"/>
               </a:ext>
             </a:extLst>
           </p:cNvPr>
-          <p:cNvSpPr txBox="1">
-            <a:spLocks noChangeArrowheads="1"/>
-          </p:cNvSpPr>
+          <p:cNvSpPr/>
           <p:nvPr/>
         </p:nvSpPr>
-        <p:spPr bwMode="auto">
+        <p:spPr>
           <a:xfrm>
-            <a:off x="7162800" y="6019800"/>
-            <a:ext cx="1466850" cy="369888"/>
+            <a:off x="7315200" y="5869094"/>
+            <a:ext cx="1600200" cy="304800"/>
           </a:xfrm>
-          <a:prstGeom prst="rect">
-            <a:avLst/>
+          <a:prstGeom prst="snip2DiagRect">
+            <a:avLst>
+              <a:gd name="adj1" fmla="val 0"/>
+              <a:gd name="adj2" fmla="val 50000"/>
+            </a:avLst>
           </a:prstGeom>
-          <a:noFill/>
-          <a:ln>
-            <a:noFill/>
-          </a:ln>
-          <a:extLst>
-            <a:ext uri="{909E8E84-426E-40DD-AFC4-6F175D3DCCD1}">
-              <a14:hiddenFill xmlns:a14="http://schemas.microsoft.com/office/drawing/2010/main">
-                <a:solidFill>
-                  <a:srgbClr val="FFFFFF"/>
-                </a:solidFill>
-              </a14:hiddenFill>
-            </a:ext>
-            <a:ext uri="{91240B29-F687-4F45-9708-019B960494DF}">
-              <a14:hiddenLine xmlns:a14="http://schemas.microsoft.com/office/drawing/2010/main" w="9525">
-                <a:solidFill>
-                  <a:srgbClr val="000000"/>
-                </a:solidFill>
-                <a:miter lim="800000"/>
-                <a:headEnd/>
-                <a:tailEnd/>
-              </a14:hiddenLine>
-            </a:ext>
-          </a:extLst>
         </p:spPr>
-        <p:txBody>
-          <a:bodyPr wrap="none">
-            <a:spAutoFit/>
-          </a:bodyPr>
-          <a:lstStyle>
-            <a:lvl1pPr>
-              <a:spcBef>
-                <a:spcPct val="20000"/>
-              </a:spcBef>
-              <a:buChar char="•"/>
-              <a:defRPr sz="3200">
-                <a:solidFill>
-                  <a:schemeClr val="tx1"/>
-                </a:solidFill>
-                <a:latin typeface="Arial" panose="020B0604020202020204" pitchFamily="34" charset="0"/>
-                <a:cs typeface="Arial" panose="020B0604020202020204" pitchFamily="34" charset="0"/>
-              </a:defRPr>
-            </a:lvl1pPr>
-            <a:lvl2pPr marL="742950" indent="-285750">
-              <a:spcBef>
-                <a:spcPct val="20000"/>
-              </a:spcBef>
-              <a:buChar char="–"/>
-              <a:defRPr sz="2800">
-                <a:solidFill>
-                  <a:schemeClr val="tx1"/>
-                </a:solidFill>
-                <a:latin typeface="Arial" panose="020B0604020202020204" pitchFamily="34" charset="0"/>
-                <a:cs typeface="Arial" panose="020B0604020202020204" pitchFamily="34" charset="0"/>
-              </a:defRPr>
-            </a:lvl2pPr>
-            <a:lvl3pPr marL="1143000" indent="-228600">
-              <a:spcBef>
-                <a:spcPct val="20000"/>
-              </a:spcBef>
-              <a:buChar char="•"/>
-              <a:defRPr sz="2400">
-                <a:solidFill>
-                  <a:schemeClr val="tx1"/>
-                </a:solidFill>
-                <a:latin typeface="Arial" panose="020B0604020202020204" pitchFamily="34" charset="0"/>
-                <a:cs typeface="Arial" panose="020B0604020202020204" pitchFamily="34" charset="0"/>
-              </a:defRPr>
-            </a:lvl3pPr>
-            <a:lvl4pPr marL="1600200" indent="-228600">
-              <a:spcBef>
-                <a:spcPct val="20000"/>
-              </a:spcBef>
-              <a:buChar char="–"/>
-              <a:defRPr sz="2000">
-                <a:solidFill>
-                  <a:schemeClr val="tx1"/>
-                </a:solidFill>
-                <a:latin typeface="Arial" panose="020B0604020202020204" pitchFamily="34" charset="0"/>
-                <a:cs typeface="Arial" panose="020B0604020202020204" pitchFamily="34" charset="0"/>
-              </a:defRPr>
-            </a:lvl4pPr>
-            <a:lvl5pPr marL="2057400" indent="-228600">
-              <a:spcBef>
-                <a:spcPct val="20000"/>
-              </a:spcBef>
-              <a:buChar char="»"/>
-              <a:defRPr sz="2000">
-                <a:solidFill>
-                  <a:schemeClr val="tx1"/>
-                </a:solidFill>
-                <a:latin typeface="Arial" panose="020B0604020202020204" pitchFamily="34" charset="0"/>
-                <a:cs typeface="Arial" panose="020B0604020202020204" pitchFamily="34" charset="0"/>
-              </a:defRPr>
-            </a:lvl5pPr>
-            <a:lvl6pPr marL="2514600" indent="-228600" eaLnBrk="0" fontAlgn="base" hangingPunct="0">
-              <a:spcBef>
-                <a:spcPct val="20000"/>
-              </a:spcBef>
-              <a:spcAft>
-                <a:spcPct val="0"/>
-              </a:spcAft>
-              <a:buChar char="»"/>
-              <a:defRPr sz="2000">
-                <a:solidFill>
-                  <a:schemeClr val="tx1"/>
-                </a:solidFill>
-                <a:latin typeface="Arial" panose="020B0604020202020204" pitchFamily="34" charset="0"/>
-                <a:cs typeface="Arial" panose="020B0604020202020204" pitchFamily="34" charset="0"/>
-              </a:defRPr>
-            </a:lvl6pPr>
-            <a:lvl7pPr marL="2971800" indent="-228600" eaLnBrk="0" fontAlgn="base" hangingPunct="0">
-              <a:spcBef>
-                <a:spcPct val="20000"/>
-              </a:spcBef>
-              <a:spcAft>
-                <a:spcPct val="0"/>
-              </a:spcAft>
-              <a:buChar char="»"/>
-              <a:defRPr sz="2000">
-                <a:solidFill>
-                  <a:schemeClr val="tx1"/>
-                </a:solidFill>
-                <a:latin typeface="Arial" panose="020B0604020202020204" pitchFamily="34" charset="0"/>
-                <a:cs typeface="Arial" panose="020B0604020202020204" pitchFamily="34" charset="0"/>
-              </a:defRPr>
-            </a:lvl7pPr>
-            <a:lvl8pPr marL="3429000" indent="-228600" eaLnBrk="0" fontAlgn="base" hangingPunct="0">
-              <a:spcBef>
-                <a:spcPct val="20000"/>
-              </a:spcBef>
-              <a:spcAft>
-                <a:spcPct val="0"/>
-              </a:spcAft>
-              <a:buChar char="»"/>
-              <a:defRPr sz="2000">
-                <a:solidFill>
-                  <a:schemeClr val="tx1"/>
-                </a:solidFill>
-                <a:latin typeface="Arial" panose="020B0604020202020204" pitchFamily="34" charset="0"/>
-                <a:cs typeface="Arial" panose="020B0604020202020204" pitchFamily="34" charset="0"/>
-              </a:defRPr>
-            </a:lvl8pPr>
-            <a:lvl9pPr marL="3886200" indent="-228600" eaLnBrk="0" fontAlgn="base" hangingPunct="0">
-              <a:spcBef>
-                <a:spcPct val="20000"/>
-              </a:spcBef>
-              <a:spcAft>
-                <a:spcPct val="0"/>
-              </a:spcAft>
-              <a:buChar char="»"/>
-              <a:defRPr sz="2000">
-                <a:solidFill>
-                  <a:schemeClr val="tx1"/>
-                </a:solidFill>
-                <a:latin typeface="Arial" panose="020B0604020202020204" pitchFamily="34" charset="0"/>
-                <a:cs typeface="Arial" panose="020B0604020202020204" pitchFamily="34" charset="0"/>
-              </a:defRPr>
-            </a:lvl9pPr>
-          </a:lstStyle>
-          <a:p>
-            <a:pPr eaLnBrk="1" hangingPunct="1">
-              <a:spcBef>
-                <a:spcPct val="0"/>
-              </a:spcBef>
-              <a:buFontTx/>
-              <a:buNone/>
-            </a:pPr>
-            <a:r>
-              <a:rPr lang="en-US" altLang="en-US" sz="1800"/>
-              <a:t>Continued…</a:t>
+        <p:style>
+          <a:lnRef idx="1">
+            <a:schemeClr val="accent1"/>
+          </a:lnRef>
+          <a:fillRef idx="2">
+            <a:schemeClr val="accent1"/>
+          </a:fillRef>
+          <a:effectRef idx="1">
+            <a:schemeClr val="accent1"/>
+          </a:effectRef>
+          <a:fontRef idx="minor">
+            <a:schemeClr val="dk1"/>
+          </a:fontRef>
+        </p:style>
+        <p:txBody>
+          <a:bodyPr rtlCol="0" anchor="ctr"/>
+          <a:lstStyle/>
+          <a:p>
+            <a:pPr algn="ctr"/>
+            <a:r>
+              <a:rPr lang="en-US" sz="1000" dirty="0"/>
+              <a:t>Pr5-24.cpp</a:t>
             </a:r>
           </a:p>
         </p:txBody>
@@ -16852,15 +16716,15 @@
       </p:grpSpPr>
       <p:sp>
         <p:nvSpPr>
-          <p:cNvPr id="82946" name="Title 1">
+          <p:cNvPr id="2" name="Title 1">
             <a:extLst>
               <a:ext uri="{FF2B5EF4-FFF2-40B4-BE49-F238E27FC236}">
-                <a16:creationId xmlns:a16="http://schemas.microsoft.com/office/drawing/2014/main" id="{FF5DD070-E062-6E65-A3CD-0DFC63322FF2}"/>
+                <a16:creationId xmlns:a16="http://schemas.microsoft.com/office/drawing/2014/main" id="{BA436180-0C41-BB66-F72F-8B8EF3E8B132}"/>
               </a:ext>
             </a:extLst>
           </p:cNvPr>
           <p:cNvSpPr>
-            <a:spLocks noGrp="1" noChangeArrowheads="1"/>
+            <a:spLocks noGrp="1"/>
           </p:cNvSpPr>
           <p:nvPr>
             <p:ph type="title"/>
@@ -16868,76 +16732,107 @@
         </p:nvSpPr>
         <p:spPr/>
         <p:txBody>
-          <a:bodyPr/>
+          <a:bodyPr>
+            <a:normAutofit fontScale="90000"/>
+          </a:bodyPr>
           <a:lstStyle/>
           <a:p>
-            <a:r>
-              <a:rPr lang="en-US" altLang="en-US" sz="3600"/>
-              <a:t>Letting the User Specify a Filename</a:t>
-            </a:r>
-          </a:p>
-        </p:txBody>
-      </p:sp>
-      <p:pic>
-        <p:nvPicPr>
-          <p:cNvPr id="82947" name="Picture 3">
+            <a:pPr>
+              <a:defRPr/>
+            </a:pPr>
+            <a:r>
+              <a:rPr lang="en-US" dirty="0"/>
+              <a:t>Using the </a:t>
+            </a:r>
+            <a:r>
+              <a:rPr lang="en-US" dirty="0" err="1">
+                <a:latin typeface="Courier New" panose="02070309020205020404" pitchFamily="49" charset="0"/>
+                <a:cs typeface="Courier New" panose="02070309020205020404" pitchFamily="49" charset="0"/>
+              </a:rPr>
+              <a:t>c_str</a:t>
+            </a:r>
+            <a:r>
+              <a:rPr lang="en-US" dirty="0"/>
+              <a:t> Member Function in Older Versions of C++</a:t>
+            </a:r>
+          </a:p>
+        </p:txBody>
+      </p:sp>
+      <p:sp>
+        <p:nvSpPr>
+          <p:cNvPr id="83971" name="Content Placeholder 2">
             <a:extLst>
               <a:ext uri="{FF2B5EF4-FFF2-40B4-BE49-F238E27FC236}">
-                <a16:creationId xmlns:a16="http://schemas.microsoft.com/office/drawing/2014/main" id="{DFB1980C-3E3F-F2D3-D69B-C2EBCD3BD297}"/>
+                <a16:creationId xmlns:a16="http://schemas.microsoft.com/office/drawing/2014/main" id="{49842C68-166F-9E9F-587A-A36E18D52D1B}"/>
               </a:ext>
             </a:extLst>
           </p:cNvPr>
-          <p:cNvPicPr>
-            <a:picLocks noChangeAspect="1" noChangeArrowheads="1"/>
-          </p:cNvPicPr>
-          <p:nvPr/>
-        </p:nvPicPr>
-        <p:blipFill>
-          <a:blip r:embed="rId2">
-            <a:extLst>
-              <a:ext uri="{28A0092B-C50C-407E-A947-70E740481C1C}">
-                <a14:useLocalDpi xmlns:a14="http://schemas.microsoft.com/office/drawing/2010/main" val="0"/>
-              </a:ext>
-            </a:extLst>
-          </a:blip>
-          <a:srcRect/>
-          <a:stretch>
-            <a:fillRect/>
-          </a:stretch>
-        </p:blipFill>
-        <p:spPr bwMode="auto">
-          <a:xfrm>
-            <a:off x="1143000" y="2085975"/>
-            <a:ext cx="6707188" cy="2381250"/>
-          </a:xfrm>
-          <a:prstGeom prst="rect">
-            <a:avLst/>
-          </a:prstGeom>
-          <a:noFill/>
-          <a:ln>
-            <a:noFill/>
-          </a:ln>
-          <a:extLst>
-            <a:ext uri="{909E8E84-426E-40DD-AFC4-6F175D3DCCD1}">
-              <a14:hiddenFill xmlns:a14="http://schemas.microsoft.com/office/drawing/2010/main">
-                <a:solidFill>
-                  <a:srgbClr val="FFFFFF"/>
-                </a:solidFill>
-              </a14:hiddenFill>
-            </a:ext>
-            <a:ext uri="{91240B29-F687-4F45-9708-019B960494DF}">
-              <a14:hiddenLine xmlns:a14="http://schemas.microsoft.com/office/drawing/2010/main" w="9525">
-                <a:solidFill>
-                  <a:srgbClr val="000000"/>
-                </a:solidFill>
-                <a:miter lim="800000"/>
-                <a:headEnd/>
-                <a:tailEnd/>
-              </a14:hiddenLine>
-            </a:ext>
-          </a:extLst>
-        </p:spPr>
-      </p:pic>
+          <p:cNvSpPr>
+            <a:spLocks noGrp="1" noChangeArrowheads="1"/>
+          </p:cNvSpPr>
+          <p:nvPr>
+            <p:ph idx="1"/>
+          </p:nvPr>
+        </p:nvSpPr>
+        <p:spPr/>
+        <p:txBody>
+          <a:bodyPr/>
+          <a:lstStyle/>
+          <a:p>
+            <a:r>
+              <a:rPr lang="en-US" altLang="en-US" dirty="0">
+                <a:cs typeface="Courier New" panose="02070309020205020404" pitchFamily="49" charset="0"/>
+              </a:rPr>
+              <a:t>Prior to C++ 11, the </a:t>
+            </a:r>
+            <a:r>
+              <a:rPr lang="en-US" altLang="en-US" dirty="0">
+                <a:latin typeface="Courier New" panose="02070309020205020404" pitchFamily="49" charset="0"/>
+                <a:cs typeface="Courier New" panose="02070309020205020404" pitchFamily="49" charset="0"/>
+              </a:rPr>
+              <a:t>open</a:t>
+            </a:r>
+            <a:r>
+              <a:rPr lang="en-US" altLang="en-US" dirty="0"/>
+              <a:t> member function requires that you pass the name of the file as a null-terminated string, which is also known as a </a:t>
+            </a:r>
+            <a:r>
+              <a:rPr lang="en-US" altLang="en-US" i="1" u="sng" dirty="0"/>
+              <a:t>C-string</a:t>
+            </a:r>
+            <a:r>
+              <a:rPr lang="en-US" altLang="en-US" i="1" dirty="0"/>
+              <a:t>. </a:t>
+            </a:r>
+          </a:p>
+          <a:p>
+            <a:r>
+              <a:rPr lang="en-US" altLang="en-US" i="1" dirty="0"/>
+              <a:t>String literals are stored </a:t>
+            </a:r>
+            <a:r>
+              <a:rPr lang="en-US" altLang="en-US" dirty="0"/>
+              <a:t>in memory as null-terminated C-strings, but </a:t>
+            </a:r>
+            <a:r>
+              <a:rPr lang="en-US" altLang="en-US" i="1" u="sng" dirty="0"/>
+              <a:t>string objects </a:t>
+            </a:r>
+            <a:r>
+              <a:rPr lang="en-US" altLang="en-US" dirty="0"/>
+              <a:t>are </a:t>
+            </a:r>
+            <a:r>
+              <a:rPr lang="en-US" altLang="en-US" b="1" dirty="0"/>
+              <a:t>not</a:t>
+            </a:r>
+            <a:r>
+              <a:rPr lang="en-US" altLang="en-US" dirty="0"/>
+              <a:t>.</a:t>
+            </a:r>
+          </a:p>
+        </p:txBody>
+      </p:sp>
     </p:spTree>
   </p:cSld>
   <p:clrMapOvr>
@@ -16968,158 +16863,6 @@
           <p:cNvPr id="2" name="Title 1">
             <a:extLst>
               <a:ext uri="{FF2B5EF4-FFF2-40B4-BE49-F238E27FC236}">
-                <a16:creationId xmlns:a16="http://schemas.microsoft.com/office/drawing/2014/main" id="{BA436180-0C41-BB66-F72F-8B8EF3E8B132}"/>
-              </a:ext>
-            </a:extLst>
-          </p:cNvPr>
-          <p:cNvSpPr>
-            <a:spLocks noGrp="1"/>
-          </p:cNvSpPr>
-          <p:nvPr>
-            <p:ph type="title"/>
-          </p:nvPr>
-        </p:nvSpPr>
-        <p:spPr/>
-        <p:txBody>
-          <a:bodyPr>
-            <a:normAutofit fontScale="90000"/>
-          </a:bodyPr>
-          <a:lstStyle/>
-          <a:p>
-            <a:pPr>
-              <a:defRPr/>
-            </a:pPr>
-            <a:r>
-              <a:rPr lang="en-US" dirty="0"/>
-              <a:t>Using the </a:t>
-            </a:r>
-            <a:r>
-              <a:rPr lang="en-US" dirty="0" err="1">
-                <a:latin typeface="Courier New" panose="02070309020205020404" pitchFamily="49" charset="0"/>
-                <a:cs typeface="Courier New" panose="02070309020205020404" pitchFamily="49" charset="0"/>
-              </a:rPr>
-              <a:t>c_str</a:t>
-            </a:r>
-            <a:r>
-              <a:rPr lang="en-US" dirty="0"/>
-              <a:t> Member Function in Older Versions of C++</a:t>
-            </a:r>
-          </a:p>
-        </p:txBody>
-      </p:sp>
-      <p:sp>
-        <p:nvSpPr>
-          <p:cNvPr id="83971" name="Content Placeholder 2">
-            <a:extLst>
-              <a:ext uri="{FF2B5EF4-FFF2-40B4-BE49-F238E27FC236}">
-                <a16:creationId xmlns:a16="http://schemas.microsoft.com/office/drawing/2014/main" id="{49842C68-166F-9E9F-587A-A36E18D52D1B}"/>
-              </a:ext>
-            </a:extLst>
-          </p:cNvPr>
-          <p:cNvSpPr>
-            <a:spLocks noGrp="1" noChangeArrowheads="1"/>
-          </p:cNvSpPr>
-          <p:nvPr>
-            <p:ph idx="1"/>
-          </p:nvPr>
-        </p:nvSpPr>
-        <p:spPr/>
-        <p:txBody>
-          <a:bodyPr/>
-          <a:lstStyle/>
-          <a:p>
-            <a:pPr>
-              <a:buFontTx/>
-              <a:buChar char="•"/>
-            </a:pPr>
-            <a:r>
-              <a:rPr lang="en-US" altLang="en-US">
-                <a:cs typeface="Courier New" panose="02070309020205020404" pitchFamily="49" charset="0"/>
-              </a:rPr>
-              <a:t>Prior to C++ 11, the </a:t>
-            </a:r>
-            <a:r>
-              <a:rPr lang="en-US" altLang="en-US">
-                <a:latin typeface="Courier New" panose="02070309020205020404" pitchFamily="49" charset="0"/>
-                <a:cs typeface="Courier New" panose="02070309020205020404" pitchFamily="49" charset="0"/>
-              </a:rPr>
-              <a:t>open</a:t>
-            </a:r>
-            <a:r>
-              <a:rPr lang="en-US" altLang="en-US"/>
-              <a:t> member function requires that you pass the name of the file as a null-terminated string, which is also known as a </a:t>
-            </a:r>
-            <a:r>
-              <a:rPr lang="en-US" altLang="en-US" i="1" u="sng"/>
-              <a:t>C-string</a:t>
-            </a:r>
-            <a:r>
-              <a:rPr lang="en-US" altLang="en-US" i="1"/>
-              <a:t>. </a:t>
-            </a:r>
-          </a:p>
-          <a:p>
-            <a:pPr>
-              <a:buFontTx/>
-              <a:buChar char="•"/>
-            </a:pPr>
-            <a:r>
-              <a:rPr lang="en-US" altLang="en-US" i="1"/>
-              <a:t>String literals are stored </a:t>
-            </a:r>
-            <a:r>
-              <a:rPr lang="en-US" altLang="en-US"/>
-              <a:t>in memory as null-terminated C-strings, but </a:t>
-            </a:r>
-            <a:r>
-              <a:rPr lang="en-US" altLang="en-US" i="1" u="sng"/>
-              <a:t>string objects </a:t>
-            </a:r>
-            <a:r>
-              <a:rPr lang="en-US" altLang="en-US"/>
-              <a:t>are </a:t>
-            </a:r>
-            <a:r>
-              <a:rPr lang="en-US" altLang="en-US" b="1"/>
-              <a:t>not</a:t>
-            </a:r>
-            <a:r>
-              <a:rPr lang="en-US" altLang="en-US"/>
-              <a:t>.</a:t>
-            </a:r>
-          </a:p>
-        </p:txBody>
-      </p:sp>
-    </p:spTree>
-  </p:cSld>
-  <p:clrMapOvr>
-    <a:masterClrMapping/>
-  </p:clrMapOvr>
-</p:sld>
-</file>
-
-<file path=ppt/slides/slide62.xml><?xml version="1.0" encoding="utf-8"?>
-<p:sld xmlns:a="http://schemas.openxmlformats.org/drawingml/2006/main" xmlns:r="http://schemas.openxmlformats.org/officeDocument/2006/relationships" xmlns:p="http://schemas.openxmlformats.org/presentationml/2006/main">
-  <p:cSld>
-    <p:spTree>
-      <p:nvGrpSpPr>
-        <p:cNvPr id="1" name=""/>
-        <p:cNvGrpSpPr/>
-        <p:nvPr/>
-      </p:nvGrpSpPr>
-      <p:grpSpPr>
-        <a:xfrm>
-          <a:off x="0" y="0"/>
-          <a:ext cx="0" cy="0"/>
-          <a:chOff x="0" y="0"/>
-          <a:chExt cx="0" cy="0"/>
-        </a:xfrm>
-      </p:grpSpPr>
-      <p:sp>
-        <p:nvSpPr>
-          <p:cNvPr id="2" name="Title 1">
-            <a:extLst>
-              <a:ext uri="{FF2B5EF4-FFF2-40B4-BE49-F238E27FC236}">
                 <a16:creationId xmlns:a16="http://schemas.microsoft.com/office/drawing/2014/main" id="{017FC732-8762-75CA-DFA7-FA8372C00129}"/>
               </a:ext>
             </a:extLst>
@@ -17184,25 +16927,25 @@
               <a:defRPr/>
             </a:pPr>
             <a:r>
-              <a:rPr lang="en-US" sz="2400" dirty="0">
+              <a:rPr lang="en-US" dirty="0">
                 <a:latin typeface="Courier New" pitchFamily="49" charset="0"/>
                 <a:cs typeface="Courier New" pitchFamily="49" charset="0"/>
               </a:rPr>
               <a:t>string</a:t>
             </a:r>
             <a:r>
-              <a:rPr lang="en-US" sz="2400" dirty="0"/>
+              <a:rPr lang="en-US" dirty="0"/>
               <a:t> objects have a member function named </a:t>
             </a:r>
             <a:r>
-              <a:rPr lang="en-US" sz="2400" dirty="0" err="1">
+              <a:rPr lang="en-US" dirty="0" err="1">
                 <a:latin typeface="Courier New" pitchFamily="49" charset="0"/>
                 <a:cs typeface="Courier New" pitchFamily="49" charset="0"/>
               </a:rPr>
               <a:t>c_str</a:t>
             </a:r>
             <a:r>
-              <a:rPr lang="en-US" sz="2400" dirty="0"/>
+              <a:rPr lang="en-US" dirty="0"/>
               <a:t> </a:t>
             </a:r>
           </a:p>
@@ -17211,7 +16954,7 @@
               <a:defRPr/>
             </a:pPr>
             <a:r>
-              <a:rPr lang="en-US" sz="2400" dirty="0">
+              <a:rPr lang="en-US" sz="2000" dirty="0">
                 <a:ea typeface="+mn-ea"/>
               </a:rPr>
               <a:t>It returns the contents of the object formatted as a null-terminated C-string. </a:t>
@@ -17222,13 +16965,13 @@
               <a:defRPr/>
             </a:pPr>
             <a:r>
-              <a:rPr lang="en-US" sz="2400" dirty="0">
+              <a:rPr lang="en-US" sz="2000" dirty="0">
                 <a:ea typeface="+mn-ea"/>
               </a:rPr>
               <a:t>Here is the general format of how you call the </a:t>
             </a:r>
             <a:r>
-              <a:rPr lang="en-US" sz="2400" dirty="0" err="1">
+              <a:rPr lang="en-US" sz="2000" dirty="0" err="1">
                 <a:latin typeface="Courier New" pitchFamily="49" charset="0"/>
                 <a:ea typeface="+mn-ea"/>
                 <a:cs typeface="Courier New" pitchFamily="49" charset="0"/>
@@ -17236,13 +16979,13 @@
               <a:t>c_str</a:t>
             </a:r>
             <a:r>
-              <a:rPr lang="en-US" sz="2400" dirty="0">
+              <a:rPr lang="en-US" sz="2000" dirty="0">
                 <a:ea typeface="+mn-ea"/>
               </a:rPr>
               <a:t> function:</a:t>
             </a:r>
             <a:r>
-              <a:rPr lang="en-US" sz="2400" i="1" dirty="0"/>
+              <a:rPr lang="en-US" sz="2000" i="1" dirty="0"/>
               <a:t> </a:t>
             </a:r>
           </a:p>
@@ -17286,7 +17029,7 @@
             </a:endParaRPr>
           </a:p>
           <a:p>
-            <a:pPr marL="857250" lvl="2" indent="-457200">
+            <a:pPr lvl="1">
               <a:defRPr/>
             </a:pPr>
             <a:r>
@@ -17340,394 +17083,6 @@
               </a:rPr>
               <a:t>());</a:t>
             </a:r>
-          </a:p>
-        </p:txBody>
-      </p:sp>
-    </p:spTree>
-  </p:cSld>
-  <p:clrMapOvr>
-    <a:masterClrMapping/>
-  </p:clrMapOvr>
-</p:sld>
-</file>
-
-<file path=ppt/slides/slide63.xml><?xml version="1.0" encoding="utf-8"?>
-<p:sld xmlns:a="http://schemas.openxmlformats.org/drawingml/2006/main" xmlns:r="http://schemas.openxmlformats.org/officeDocument/2006/relationships" xmlns:p="http://schemas.openxmlformats.org/presentationml/2006/main">
-  <p:cSld>
-    <p:spTree>
-      <p:nvGrpSpPr>
-        <p:cNvPr id="1" name=""/>
-        <p:cNvGrpSpPr/>
-        <p:nvPr/>
-      </p:nvGrpSpPr>
-      <p:grpSpPr>
-        <a:xfrm>
-          <a:off x="0" y="0"/>
-          <a:ext cx="0" cy="0"/>
-          <a:chOff x="0" y="0"/>
-          <a:chExt cx="0" cy="0"/>
-        </a:xfrm>
-      </p:grpSpPr>
-      <p:sp>
-        <p:nvSpPr>
-          <p:cNvPr id="86018" name="Title 1">
-            <a:extLst>
-              <a:ext uri="{FF2B5EF4-FFF2-40B4-BE49-F238E27FC236}">
-                <a16:creationId xmlns:a16="http://schemas.microsoft.com/office/drawing/2014/main" id="{0ABB862E-F61A-0FA3-A44F-CAC609383B28}"/>
-              </a:ext>
-            </a:extLst>
-          </p:cNvPr>
-          <p:cNvSpPr>
-            <a:spLocks noGrp="1" noChangeArrowheads="1"/>
-          </p:cNvSpPr>
-          <p:nvPr>
-            <p:ph type="ctrTitle"/>
-          </p:nvPr>
-        </p:nvSpPr>
-        <p:spPr/>
-        <p:txBody>
-          <a:bodyPr/>
-          <a:lstStyle/>
-          <a:p>
-            <a:r>
-              <a:rPr lang="en-US" altLang="en-US"/>
-              <a:t>5.12</a:t>
-            </a:r>
-          </a:p>
-        </p:txBody>
-      </p:sp>
-      <p:sp>
-        <p:nvSpPr>
-          <p:cNvPr id="86019" name="Subtitle 2">
-            <a:extLst>
-              <a:ext uri="{FF2B5EF4-FFF2-40B4-BE49-F238E27FC236}">
-                <a16:creationId xmlns:a16="http://schemas.microsoft.com/office/drawing/2014/main" id="{9C5B6B49-2DCD-211D-86C6-EAE54F74B981}"/>
-              </a:ext>
-            </a:extLst>
-          </p:cNvPr>
-          <p:cNvSpPr>
-            <a:spLocks noGrp="1" noChangeArrowheads="1"/>
-          </p:cNvSpPr>
-          <p:nvPr>
-            <p:ph type="subTitle" idx="1"/>
-          </p:nvPr>
-        </p:nvSpPr>
-        <p:spPr/>
-        <p:txBody>
-          <a:bodyPr/>
-          <a:lstStyle/>
-          <a:p>
-            <a:r>
-              <a:rPr lang="en-US" altLang="en-US"/>
-              <a:t>Breaking and Continuing a Loop</a:t>
-            </a:r>
-          </a:p>
-        </p:txBody>
-      </p:sp>
-    </p:spTree>
-  </p:cSld>
-  <p:clrMapOvr>
-    <a:masterClrMapping/>
-  </p:clrMapOvr>
-</p:sld>
-</file>
-
-<file path=ppt/slides/slide64.xml><?xml version="1.0" encoding="utf-8"?>
-<p:sld xmlns:a="http://schemas.openxmlformats.org/drawingml/2006/main" xmlns:r="http://schemas.openxmlformats.org/officeDocument/2006/relationships" xmlns:p="http://schemas.openxmlformats.org/presentationml/2006/main">
-  <p:cSld>
-    <p:spTree>
-      <p:nvGrpSpPr>
-        <p:cNvPr id="1" name=""/>
-        <p:cNvGrpSpPr/>
-        <p:nvPr/>
-      </p:nvGrpSpPr>
-      <p:grpSpPr>
-        <a:xfrm>
-          <a:off x="0" y="0"/>
-          <a:ext cx="0" cy="0"/>
-          <a:chOff x="0" y="0"/>
-          <a:chExt cx="0" cy="0"/>
-        </a:xfrm>
-      </p:grpSpPr>
-      <p:sp>
-        <p:nvSpPr>
-          <p:cNvPr id="87042" name="Title 1">
-            <a:extLst>
-              <a:ext uri="{FF2B5EF4-FFF2-40B4-BE49-F238E27FC236}">
-                <a16:creationId xmlns:a16="http://schemas.microsoft.com/office/drawing/2014/main" id="{159B267F-9833-D952-25F2-FA86B7647C37}"/>
-              </a:ext>
-            </a:extLst>
-          </p:cNvPr>
-          <p:cNvSpPr>
-            <a:spLocks noGrp="1" noChangeArrowheads="1"/>
-          </p:cNvSpPr>
-          <p:nvPr>
-            <p:ph type="title"/>
-          </p:nvPr>
-        </p:nvSpPr>
-        <p:spPr/>
-        <p:txBody>
-          <a:bodyPr/>
-          <a:lstStyle/>
-          <a:p>
-            <a:r>
-              <a:rPr lang="en-US" altLang="en-US"/>
-              <a:t>Breaking Out of a Loop</a:t>
-            </a:r>
-          </a:p>
-        </p:txBody>
-      </p:sp>
-      <p:sp>
-        <p:nvSpPr>
-          <p:cNvPr id="87043" name="Content Placeholder 2">
-            <a:extLst>
-              <a:ext uri="{FF2B5EF4-FFF2-40B4-BE49-F238E27FC236}">
-                <a16:creationId xmlns:a16="http://schemas.microsoft.com/office/drawing/2014/main" id="{B6E1D0ED-9FDF-B0DE-CEEB-A23B2B3A4654}"/>
-              </a:ext>
-            </a:extLst>
-          </p:cNvPr>
-          <p:cNvSpPr>
-            <a:spLocks noGrp="1" noChangeArrowheads="1"/>
-          </p:cNvSpPr>
-          <p:nvPr>
-            <p:ph idx="1"/>
-          </p:nvPr>
-        </p:nvSpPr>
-        <p:spPr/>
-        <p:txBody>
-          <a:bodyPr/>
-          <a:lstStyle/>
-          <a:p>
-            <a:pPr>
-              <a:buFontTx/>
-              <a:buChar char="•"/>
-            </a:pPr>
-            <a:r>
-              <a:rPr lang="en-US" altLang="en-US"/>
-              <a:t>Can use </a:t>
-            </a:r>
-            <a:r>
-              <a:rPr lang="en-US" altLang="en-US">
-                <a:latin typeface="Courier New" panose="02070309020205020404" pitchFamily="49" charset="0"/>
-              </a:rPr>
-              <a:t>break</a:t>
-            </a:r>
-            <a:r>
-              <a:rPr lang="en-US" altLang="en-US"/>
-              <a:t> to terminate execution of a loop</a:t>
-            </a:r>
-            <a:br>
-              <a:rPr lang="en-US" altLang="en-US"/>
-            </a:br>
-            <a:endParaRPr lang="en-US" altLang="en-US"/>
-          </a:p>
-          <a:p>
-            <a:pPr>
-              <a:buFontTx/>
-              <a:buChar char="•"/>
-            </a:pPr>
-            <a:r>
-              <a:rPr lang="en-US" altLang="en-US"/>
-              <a:t>Use sparingly if at all – makes code harder to understand and debug</a:t>
-            </a:r>
-            <a:br>
-              <a:rPr lang="en-US" altLang="en-US"/>
-            </a:br>
-            <a:endParaRPr lang="en-US" altLang="en-US"/>
-          </a:p>
-          <a:p>
-            <a:pPr>
-              <a:buFontTx/>
-              <a:buChar char="•"/>
-            </a:pPr>
-            <a:r>
-              <a:rPr lang="en-US" altLang="en-US"/>
-              <a:t>When used in an inner loop, terminates that loop only and goes back to outer loop</a:t>
-            </a:r>
-          </a:p>
-          <a:p>
-            <a:pPr>
-              <a:buFontTx/>
-              <a:buChar char="•"/>
-            </a:pPr>
-            <a:endParaRPr lang="en-US" altLang="en-US"/>
-          </a:p>
-        </p:txBody>
-      </p:sp>
-    </p:spTree>
-  </p:cSld>
-  <p:clrMapOvr>
-    <a:masterClrMapping/>
-  </p:clrMapOvr>
-</p:sld>
-</file>
-
-<file path=ppt/slides/slide65.xml><?xml version="1.0" encoding="utf-8"?>
-<p:sld xmlns:a="http://schemas.openxmlformats.org/drawingml/2006/main" xmlns:r="http://schemas.openxmlformats.org/officeDocument/2006/relationships" xmlns:p="http://schemas.openxmlformats.org/presentationml/2006/main">
-  <p:cSld>
-    <p:spTree>
-      <p:nvGrpSpPr>
-        <p:cNvPr id="1" name=""/>
-        <p:cNvGrpSpPr/>
-        <p:nvPr/>
-      </p:nvGrpSpPr>
-      <p:grpSpPr>
-        <a:xfrm>
-          <a:off x="0" y="0"/>
-          <a:ext cx="0" cy="0"/>
-          <a:chOff x="0" y="0"/>
-          <a:chExt cx="0" cy="0"/>
-        </a:xfrm>
-      </p:grpSpPr>
-      <p:sp>
-        <p:nvSpPr>
-          <p:cNvPr id="88066" name="Title 1">
-            <a:extLst>
-              <a:ext uri="{FF2B5EF4-FFF2-40B4-BE49-F238E27FC236}">
-                <a16:creationId xmlns:a16="http://schemas.microsoft.com/office/drawing/2014/main" id="{FF119535-E1B7-433A-B800-228A27C24CE3}"/>
-              </a:ext>
-            </a:extLst>
-          </p:cNvPr>
-          <p:cNvSpPr>
-            <a:spLocks noGrp="1" noChangeArrowheads="1"/>
-          </p:cNvSpPr>
-          <p:nvPr>
-            <p:ph type="title"/>
-          </p:nvPr>
-        </p:nvSpPr>
-        <p:spPr/>
-        <p:txBody>
-          <a:bodyPr/>
-          <a:lstStyle/>
-          <a:p>
-            <a:r>
-              <a:rPr lang="en-US" altLang="en-US"/>
-              <a:t>The </a:t>
-            </a:r>
-            <a:r>
-              <a:rPr lang="en-US" altLang="en-US">
-                <a:latin typeface="Courier New" panose="02070309020205020404" pitchFamily="49" charset="0"/>
-                <a:cs typeface="Courier New" panose="02070309020205020404" pitchFamily="49" charset="0"/>
-              </a:rPr>
-              <a:t>continue</a:t>
-            </a:r>
-            <a:r>
-              <a:rPr lang="en-US" altLang="en-US"/>
-              <a:t> Statement</a:t>
-            </a:r>
-          </a:p>
-        </p:txBody>
-      </p:sp>
-      <p:sp>
-        <p:nvSpPr>
-          <p:cNvPr id="88067" name="Content Placeholder 2">
-            <a:extLst>
-              <a:ext uri="{FF2B5EF4-FFF2-40B4-BE49-F238E27FC236}">
-                <a16:creationId xmlns:a16="http://schemas.microsoft.com/office/drawing/2014/main" id="{049E8D20-79D1-8EB5-B49E-197B9FA7FC28}"/>
-              </a:ext>
-            </a:extLst>
-          </p:cNvPr>
-          <p:cNvSpPr>
-            <a:spLocks noGrp="1" noChangeArrowheads="1"/>
-          </p:cNvSpPr>
-          <p:nvPr>
-            <p:ph idx="1"/>
-          </p:nvPr>
-        </p:nvSpPr>
-        <p:spPr/>
-        <p:txBody>
-          <a:bodyPr/>
-          <a:lstStyle/>
-          <a:p>
-            <a:pPr>
-              <a:buFontTx/>
-              <a:buChar char="•"/>
-            </a:pPr>
-            <a:r>
-              <a:rPr lang="en-US" altLang="en-US"/>
-              <a:t>Can use </a:t>
-            </a:r>
-            <a:r>
-              <a:rPr lang="en-US" altLang="en-US">
-                <a:latin typeface="Courier New" panose="02070309020205020404" pitchFamily="49" charset="0"/>
-              </a:rPr>
-              <a:t>continue</a:t>
-            </a:r>
-            <a:r>
-              <a:rPr lang="en-US" altLang="en-US"/>
-              <a:t> to go to end of loop and prepare for next repetition</a:t>
-            </a:r>
-          </a:p>
-          <a:p>
-            <a:pPr lvl="1"/>
-            <a:r>
-              <a:rPr lang="en-US" altLang="en-US"/>
-              <a:t> </a:t>
-            </a:r>
-            <a:r>
-              <a:rPr lang="en-US" altLang="en-US">
-                <a:latin typeface="Courier New" panose="02070309020205020404" pitchFamily="49" charset="0"/>
-              </a:rPr>
-              <a:t>while</a:t>
-            </a:r>
-            <a:r>
-              <a:rPr lang="en-US" altLang="en-US"/>
-              <a:t>, </a:t>
-            </a:r>
-            <a:r>
-              <a:rPr lang="en-US" altLang="en-US">
-                <a:latin typeface="Courier New" panose="02070309020205020404" pitchFamily="49" charset="0"/>
-              </a:rPr>
-              <a:t>do-while</a:t>
-            </a:r>
-            <a:r>
-              <a:rPr lang="en-US" altLang="en-US"/>
-              <a:t> loops: go to test, repeat loop if test passes</a:t>
-            </a:r>
-          </a:p>
-          <a:p>
-            <a:pPr lvl="1"/>
-            <a:r>
-              <a:rPr lang="en-US" altLang="en-US"/>
-              <a:t> </a:t>
-            </a:r>
-            <a:r>
-              <a:rPr lang="en-US" altLang="en-US">
-                <a:latin typeface="Courier New" panose="02070309020205020404" pitchFamily="49" charset="0"/>
-              </a:rPr>
-              <a:t>for</a:t>
-            </a:r>
-            <a:r>
-              <a:rPr lang="en-US" altLang="en-US"/>
-              <a:t> loop: perform update step, then test, then repeat loop if test passes</a:t>
-            </a:r>
-          </a:p>
-          <a:p>
-            <a:pPr>
-              <a:buFontTx/>
-              <a:buChar char="•"/>
-            </a:pPr>
-            <a:r>
-              <a:rPr lang="en-US" altLang="en-US"/>
-              <a:t>Use sparingly – like </a:t>
-            </a:r>
-            <a:r>
-              <a:rPr lang="en-US" altLang="en-US">
-                <a:latin typeface="Courier New" panose="02070309020205020404" pitchFamily="49" charset="0"/>
-              </a:rPr>
-              <a:t>break</a:t>
-            </a:r>
-            <a:r>
-              <a:rPr lang="en-US" altLang="en-US"/>
-              <a:t>, can make program logic hard to follow</a:t>
-            </a:r>
-          </a:p>
-          <a:p>
-            <a:pPr>
-              <a:buFontTx/>
-              <a:buChar char="•"/>
-            </a:pPr>
-            <a:endParaRPr lang="en-US" altLang="en-US"/>
           </a:p>
         </p:txBody>
       </p:sp>
